--- a/Presentations/National Parks Visitations Five Minute Presentation(1).pptx
+++ b/Presentations/National Parks Visitations Five Minute Presentation(1).pptx
@@ -1,42 +1,42 @@
 
 <file path=ppt/presentation.xml><?xml version="1.0" encoding="utf-8"?>
-<p:presentation xmlns:a="http://schemas.openxmlformats.org/drawingml/2006/main" xmlns:r="http://schemas.openxmlformats.org/officeDocument/2006/relationships" xmlns:mc="http://schemas.openxmlformats.org/markup-compatibility/2006" xmlns:mv="urn:schemas-microsoft-com:mac:vml" xmlns:p="http://schemas.openxmlformats.org/presentationml/2006/main" xmlns:c="http://schemas.openxmlformats.org/drawingml/2006/chart" xmlns:dgm="http://schemas.openxmlformats.org/drawingml/2006/diagram" xmlns:o="urn:schemas-microsoft-com:office:office" xmlns:v="urn:schemas-microsoft-com:vml" xmlns:pvml="urn:schemas-microsoft-com:office:powerpoint" xmlns:com="http://schemas.openxmlformats.org/drawingml/2006/compatibility" xmlns:p14="http://schemas.microsoft.com/office/powerpoint/2010/main" xmlns:p15="http://schemas.microsoft.com/office/powerpoint/2012/main" xmlns:ahyp="http://schemas.microsoft.com/office/drawing/2018/hyperlinkcolor" autoCompressPictures="0" embedTrueTypeFonts="1" strictFirstAndLastChars="0" saveSubsetFonts="1">
+<p:presentation xmlns:a="http://schemas.openxmlformats.org/drawingml/2006/main" xmlns:r="http://schemas.openxmlformats.org/officeDocument/2006/relationships" xmlns:p="http://schemas.openxmlformats.org/presentationml/2006/main" strictFirstAndLastChars="0" embedTrueTypeFonts="1" saveSubsetFonts="1" autoCompressPictures="0">
   <p:sldMasterIdLst>
-    <p:sldMasterId id="2147483659" r:id="rId4"/>
+    <p:sldMasterId id="2147483659" r:id="rId1"/>
   </p:sldMasterIdLst>
   <p:notesMasterIdLst>
-    <p:notesMasterId r:id="rId5"/>
+    <p:notesMasterId r:id="rId10"/>
   </p:notesMasterIdLst>
   <p:sldIdLst>
-    <p:sldId id="256" r:id="rId6"/>
-    <p:sldId id="257" r:id="rId7"/>
-    <p:sldId id="258" r:id="rId8"/>
-    <p:sldId id="259" r:id="rId9"/>
-    <p:sldId id="260" r:id="rId10"/>
-    <p:sldId id="261" r:id="rId11"/>
-    <p:sldId id="262" r:id="rId12"/>
-    <p:sldId id="263" r:id="rId13"/>
+    <p:sldId id="256" r:id="rId2"/>
+    <p:sldId id="257" r:id="rId3"/>
+    <p:sldId id="258" r:id="rId4"/>
+    <p:sldId id="259" r:id="rId5"/>
+    <p:sldId id="260" r:id="rId6"/>
+    <p:sldId id="261" r:id="rId7"/>
+    <p:sldId id="262" r:id="rId8"/>
+    <p:sldId id="263" r:id="rId9"/>
   </p:sldIdLst>
-  <p:sldSz cy="5143500" cx="9144000"/>
+  <p:sldSz cx="9144000" cy="5143500" type="screen16x9"/>
   <p:notesSz cx="6858000" cy="9144000"/>
   <p:embeddedFontLst>
     <p:embeddedFont>
-      <p:font typeface="Raleway"/>
-      <p:regular r:id="rId14"/>
-      <p:bold r:id="rId15"/>
-      <p:italic r:id="rId16"/>
-      <p:boldItalic r:id="rId17"/>
+      <p:font typeface="Lato" panose="020B0604020202020204" charset="0"/>
+      <p:regular r:id="rId11"/>
+      <p:bold r:id="rId12"/>
+      <p:italic r:id="rId13"/>
+      <p:boldItalic r:id="rId14"/>
     </p:embeddedFont>
     <p:embeddedFont>
-      <p:font typeface="Lato"/>
-      <p:regular r:id="rId18"/>
-      <p:bold r:id="rId19"/>
-      <p:italic r:id="rId20"/>
-      <p:boldItalic r:id="rId21"/>
+      <p:font typeface="Raleway" panose="020B0604020202020204" charset="0"/>
+      <p:regular r:id="rId15"/>
+      <p:bold r:id="rId16"/>
+      <p:italic r:id="rId17"/>
+      <p:boldItalic r:id="rId18"/>
     </p:embeddedFont>
   </p:embeddedFontLst>
   <p:defaultTextStyle>
-    <a:defPPr lvl="0" marR="0" rtl="0" algn="l">
+    <a:defPPr marR="0" lvl="0" algn="l" rtl="0">
       <a:lnSpc>
         <a:spcPct val="100000"/>
       </a:lnSpc>
@@ -47,7 +47,7 @@
         <a:spcPts val="0"/>
       </a:spcAft>
     </a:defPPr>
-    <a:lvl1pPr lvl="0" marR="0" rtl="0" algn="l">
+    <a:lvl1pPr marR="0" lvl="0" algn="l" rtl="0">
       <a:lnSpc>
         <a:spcPct val="100000"/>
       </a:lnSpc>
@@ -61,7 +61,7 @@
         <a:srgbClr val="000000"/>
       </a:buClr>
       <a:buFont typeface="Arial"/>
-      <a:defRPr b="0" i="0" sz="1400" u="none" cap="none" strike="noStrike">
+      <a:defRPr sz="1400" b="0" i="0" u="none" strike="noStrike" cap="none">
         <a:solidFill>
           <a:srgbClr val="000000"/>
         </a:solidFill>
@@ -71,7 +71,7 @@
         <a:sym typeface="Arial"/>
       </a:defRPr>
     </a:lvl1pPr>
-    <a:lvl2pPr lvl="1" marR="0" rtl="0" algn="l">
+    <a:lvl2pPr marR="0" lvl="1" algn="l" rtl="0">
       <a:lnSpc>
         <a:spcPct val="100000"/>
       </a:lnSpc>
@@ -85,7 +85,7 @@
         <a:srgbClr val="000000"/>
       </a:buClr>
       <a:buFont typeface="Arial"/>
-      <a:defRPr b="0" i="0" sz="1400" u="none" cap="none" strike="noStrike">
+      <a:defRPr sz="1400" b="0" i="0" u="none" strike="noStrike" cap="none">
         <a:solidFill>
           <a:srgbClr val="000000"/>
         </a:solidFill>
@@ -95,7 +95,7 @@
         <a:sym typeface="Arial"/>
       </a:defRPr>
     </a:lvl2pPr>
-    <a:lvl3pPr lvl="2" marR="0" rtl="0" algn="l">
+    <a:lvl3pPr marR="0" lvl="2" algn="l" rtl="0">
       <a:lnSpc>
         <a:spcPct val="100000"/>
       </a:lnSpc>
@@ -109,7 +109,7 @@
         <a:srgbClr val="000000"/>
       </a:buClr>
       <a:buFont typeface="Arial"/>
-      <a:defRPr b="0" i="0" sz="1400" u="none" cap="none" strike="noStrike">
+      <a:defRPr sz="1400" b="0" i="0" u="none" strike="noStrike" cap="none">
         <a:solidFill>
           <a:srgbClr val="000000"/>
         </a:solidFill>
@@ -119,7 +119,7 @@
         <a:sym typeface="Arial"/>
       </a:defRPr>
     </a:lvl3pPr>
-    <a:lvl4pPr lvl="3" marR="0" rtl="0" algn="l">
+    <a:lvl4pPr marR="0" lvl="3" algn="l" rtl="0">
       <a:lnSpc>
         <a:spcPct val="100000"/>
       </a:lnSpc>
@@ -133,7 +133,7 @@
         <a:srgbClr val="000000"/>
       </a:buClr>
       <a:buFont typeface="Arial"/>
-      <a:defRPr b="0" i="0" sz="1400" u="none" cap="none" strike="noStrike">
+      <a:defRPr sz="1400" b="0" i="0" u="none" strike="noStrike" cap="none">
         <a:solidFill>
           <a:srgbClr val="000000"/>
         </a:solidFill>
@@ -143,7 +143,7 @@
         <a:sym typeface="Arial"/>
       </a:defRPr>
     </a:lvl4pPr>
-    <a:lvl5pPr lvl="4" marR="0" rtl="0" algn="l">
+    <a:lvl5pPr marR="0" lvl="4" algn="l" rtl="0">
       <a:lnSpc>
         <a:spcPct val="100000"/>
       </a:lnSpc>
@@ -157,7 +157,7 @@
         <a:srgbClr val="000000"/>
       </a:buClr>
       <a:buFont typeface="Arial"/>
-      <a:defRPr b="0" i="0" sz="1400" u="none" cap="none" strike="noStrike">
+      <a:defRPr sz="1400" b="0" i="0" u="none" strike="noStrike" cap="none">
         <a:solidFill>
           <a:srgbClr val="000000"/>
         </a:solidFill>
@@ -167,7 +167,7 @@
         <a:sym typeface="Arial"/>
       </a:defRPr>
     </a:lvl5pPr>
-    <a:lvl6pPr lvl="5" marR="0" rtl="0" algn="l">
+    <a:lvl6pPr marR="0" lvl="5" algn="l" rtl="0">
       <a:lnSpc>
         <a:spcPct val="100000"/>
       </a:lnSpc>
@@ -181,7 +181,7 @@
         <a:srgbClr val="000000"/>
       </a:buClr>
       <a:buFont typeface="Arial"/>
-      <a:defRPr b="0" i="0" sz="1400" u="none" cap="none" strike="noStrike">
+      <a:defRPr sz="1400" b="0" i="0" u="none" strike="noStrike" cap="none">
         <a:solidFill>
           <a:srgbClr val="000000"/>
         </a:solidFill>
@@ -191,7 +191,7 @@
         <a:sym typeface="Arial"/>
       </a:defRPr>
     </a:lvl6pPr>
-    <a:lvl7pPr lvl="6" marR="0" rtl="0" algn="l">
+    <a:lvl7pPr marR="0" lvl="6" algn="l" rtl="0">
       <a:lnSpc>
         <a:spcPct val="100000"/>
       </a:lnSpc>
@@ -205,7 +205,7 @@
         <a:srgbClr val="000000"/>
       </a:buClr>
       <a:buFont typeface="Arial"/>
-      <a:defRPr b="0" i="0" sz="1400" u="none" cap="none" strike="noStrike">
+      <a:defRPr sz="1400" b="0" i="0" u="none" strike="noStrike" cap="none">
         <a:solidFill>
           <a:srgbClr val="000000"/>
         </a:solidFill>
@@ -215,7 +215,7 @@
         <a:sym typeface="Arial"/>
       </a:defRPr>
     </a:lvl7pPr>
-    <a:lvl8pPr lvl="7" marR="0" rtl="0" algn="l">
+    <a:lvl8pPr marR="0" lvl="7" algn="l" rtl="0">
       <a:lnSpc>
         <a:spcPct val="100000"/>
       </a:lnSpc>
@@ -229,7 +229,7 @@
         <a:srgbClr val="000000"/>
       </a:buClr>
       <a:buFont typeface="Arial"/>
-      <a:defRPr b="0" i="0" sz="1400" u="none" cap="none" strike="noStrike">
+      <a:defRPr sz="1400" b="0" i="0" u="none" strike="noStrike" cap="none">
         <a:solidFill>
           <a:srgbClr val="000000"/>
         </a:solidFill>
@@ -239,7 +239,7 @@
         <a:sym typeface="Arial"/>
       </a:defRPr>
     </a:lvl8pPr>
-    <a:lvl9pPr lvl="8" marR="0" rtl="0" algn="l">
+    <a:lvl9pPr marR="0" lvl="8" algn="l" rtl="0">
       <a:lnSpc>
         <a:spcPct val="100000"/>
       </a:lnSpc>
@@ -253,7 +253,7 @@
         <a:srgbClr val="000000"/>
       </a:buClr>
       <a:buFont typeface="Arial"/>
-      <a:defRPr b="0" i="0" sz="1400" u="none" cap="none" strike="noStrike">
+      <a:defRPr sz="1400" b="0" i="0" u="none" strike="noStrike" cap="none">
         <a:solidFill>
           <a:srgbClr val="000000"/>
         </a:solidFill>
@@ -266,7 +266,7 @@
   </p:defaultTextStyle>
   <p:extLst>
     <p:ext uri="{EFAFB233-063F-42B5-8137-9DF3F51BA10A}">
-      <p15:sldGuideLst>
+      <p15:sldGuideLst xmlns:p15="http://schemas.microsoft.com/office/powerpoint/2012/main">
         <p15:guide id="1" orient="horz" pos="1620">
           <p15:clr>
             <a:srgbClr val="A4A3A4"/>
@@ -284,11 +284,16 @@
 </file>
 
 <file path=ppt/notesMasters/notesMaster1.xml><?xml version="1.0" encoding="utf-8"?>
-<p:notesMaster xmlns:a="http://schemas.openxmlformats.org/drawingml/2006/main" xmlns:r="http://schemas.openxmlformats.org/officeDocument/2006/relationships" xmlns:mc="http://schemas.openxmlformats.org/markup-compatibility/2006" xmlns:mv="urn:schemas-microsoft-com:mac:vml" xmlns:p="http://schemas.openxmlformats.org/presentationml/2006/main" xmlns:c="http://schemas.openxmlformats.org/drawingml/2006/chart" xmlns:dgm="http://schemas.openxmlformats.org/drawingml/2006/diagram" xmlns:o="urn:schemas-microsoft-com:office:office" xmlns:v="urn:schemas-microsoft-com:vml" xmlns:pvml="urn:schemas-microsoft-com:office:powerpoint" xmlns:com="http://schemas.openxmlformats.org/drawingml/2006/compatibility" xmlns:p14="http://schemas.microsoft.com/office/powerpoint/2010/main" xmlns:p15="http://schemas.microsoft.com/office/powerpoint/2012/main" xmlns:ahyp="http://schemas.microsoft.com/office/drawing/2018/hyperlinkcolor">
+<p:notesMaster xmlns:a="http://schemas.openxmlformats.org/drawingml/2006/main" xmlns:r="http://schemas.openxmlformats.org/officeDocument/2006/relationships" xmlns:p="http://schemas.openxmlformats.org/presentationml/2006/main">
   <p:cSld>
+    <p:bg>
+      <p:bgRef idx="1001">
+        <a:schemeClr val="bg1"/>
+      </p:bgRef>
+    </p:bg>
     <p:spTree>
       <p:nvGrpSpPr>
-        <p:cNvPr id="2" name="Shape 2"/>
+        <p:cNvPr id="1" name="Shape 2"/>
         <p:cNvGrpSpPr/>
         <p:nvPr/>
       </p:nvGrpSpPr>
@@ -303,9 +308,11 @@
       <p:sp>
         <p:nvSpPr>
           <p:cNvPr id="3" name="Google Shape;3;n"/>
-          <p:cNvSpPr/>
+          <p:cNvSpPr>
+            <a:spLocks noGrp="1" noRot="1" noChangeAspect="1"/>
+          </p:cNvSpPr>
           <p:nvPr>
-            <p:ph idx="2" type="sldImg"/>
+            <p:ph type="sldImg" idx="2"/>
           </p:nvPr>
         </p:nvSpPr>
         <p:spPr>
@@ -314,9 +321,13 @@
             <a:ext cx="6096075" cy="3429000"/>
           </a:xfrm>
           <a:custGeom>
-            <a:rect b="b" l="l" r="r" t="t"/>
+            <a:avLst/>
+            <a:gdLst/>
+            <a:ahLst/>
+            <a:cxnLst/>
+            <a:rect l="l" t="t" r="r" b="b"/>
             <a:pathLst>
-              <a:path extrusionOk="0" h="120000" w="120000">
+              <a:path w="120000" h="120000" extrusionOk="0">
                 <a:moveTo>
                   <a:pt x="0" y="0"/>
                 </a:moveTo>
@@ -334,23 +345,25 @@
             </a:pathLst>
           </a:custGeom>
           <a:noFill/>
-          <a:ln cap="flat" cmpd="sng" w="9525">
+          <a:ln w="9525" cap="flat" cmpd="sng">
             <a:solidFill>
               <a:srgbClr val="000000"/>
             </a:solidFill>
             <a:prstDash val="solid"/>
             <a:round/>
-            <a:headEnd len="sm" w="sm" type="none"/>
-            <a:tailEnd len="sm" w="sm" type="none"/>
+            <a:headEnd type="none" w="sm" len="sm"/>
+            <a:tailEnd type="none" w="sm" len="sm"/>
           </a:ln>
         </p:spPr>
       </p:sp>
       <p:sp>
         <p:nvSpPr>
           <p:cNvPr id="4" name="Google Shape;4;n"/>
-          <p:cNvSpPr txBox="1"/>
+          <p:cNvSpPr txBox="1">
+            <a:spLocks noGrp="1"/>
+          </p:cNvSpPr>
           <p:nvPr>
-            <p:ph idx="1" type="body"/>
+            <p:ph type="body" idx="1"/>
           </p:nvPr>
         </p:nvSpPr>
         <p:spPr>
@@ -367,11 +380,11 @@
           </a:ln>
         </p:spPr>
         <p:txBody>
-          <a:bodyPr anchorCtr="0" anchor="t" bIns="91425" lIns="91425" spcFirstLastPara="1" rIns="91425" wrap="square" tIns="91425">
+          <a:bodyPr spcFirstLastPara="1" wrap="square" lIns="91425" tIns="91425" rIns="91425" bIns="91425" anchor="t" anchorCtr="0">
             <a:noAutofit/>
           </a:bodyPr>
           <a:lstStyle>
-            <a:lvl1pPr indent="-298450" lvl="0" marL="457200">
+            <a:lvl1pPr marL="457200" lvl="0" indent="-298450">
               <a:spcBef>
                 <a:spcPts val="0"/>
               </a:spcBef>
@@ -382,7 +395,7 @@
               <a:buChar char="●"/>
               <a:defRPr sz="1100"/>
             </a:lvl1pPr>
-            <a:lvl2pPr indent="-298450" lvl="1" marL="914400">
+            <a:lvl2pPr marL="914400" lvl="1" indent="-298450">
               <a:spcBef>
                 <a:spcPts val="0"/>
               </a:spcBef>
@@ -393,7 +406,7 @@
               <a:buChar char="○"/>
               <a:defRPr sz="1100"/>
             </a:lvl2pPr>
-            <a:lvl3pPr indent="-298450" lvl="2" marL="1371600">
+            <a:lvl3pPr marL="1371600" lvl="2" indent="-298450">
               <a:spcBef>
                 <a:spcPts val="0"/>
               </a:spcBef>
@@ -404,7 +417,7 @@
               <a:buChar char="■"/>
               <a:defRPr sz="1100"/>
             </a:lvl3pPr>
-            <a:lvl4pPr indent="-298450" lvl="3" marL="1828800">
+            <a:lvl4pPr marL="1828800" lvl="3" indent="-298450">
               <a:spcBef>
                 <a:spcPts val="0"/>
               </a:spcBef>
@@ -415,7 +428,7 @@
               <a:buChar char="●"/>
               <a:defRPr sz="1100"/>
             </a:lvl4pPr>
-            <a:lvl5pPr indent="-298450" lvl="4" marL="2286000">
+            <a:lvl5pPr marL="2286000" lvl="4" indent="-298450">
               <a:spcBef>
                 <a:spcPts val="0"/>
               </a:spcBef>
@@ -426,7 +439,7 @@
               <a:buChar char="○"/>
               <a:defRPr sz="1100"/>
             </a:lvl5pPr>
-            <a:lvl6pPr indent="-298450" lvl="5" marL="2743200">
+            <a:lvl6pPr marL="2743200" lvl="5" indent="-298450">
               <a:spcBef>
                 <a:spcPts val="0"/>
               </a:spcBef>
@@ -437,7 +450,7 @@
               <a:buChar char="■"/>
               <a:defRPr sz="1100"/>
             </a:lvl6pPr>
-            <a:lvl7pPr indent="-298450" lvl="6" marL="3200400">
+            <a:lvl7pPr marL="3200400" lvl="6" indent="-298450">
               <a:spcBef>
                 <a:spcPts val="0"/>
               </a:spcBef>
@@ -448,7 +461,7 @@
               <a:buChar char="●"/>
               <a:defRPr sz="1100"/>
             </a:lvl7pPr>
-            <a:lvl8pPr indent="-298450" lvl="7" marL="3657600">
+            <a:lvl8pPr marL="3657600" lvl="7" indent="-298450">
               <a:spcBef>
                 <a:spcPts val="0"/>
               </a:spcBef>
@@ -459,7 +472,7 @@
               <a:buChar char="○"/>
               <a:defRPr sz="1100"/>
             </a:lvl8pPr>
-            <a:lvl9pPr indent="-298450" lvl="8" marL="4114800">
+            <a:lvl9pPr marL="4114800" lvl="8" indent="-298450">
               <a:spcBef>
                 <a:spcPts val="0"/>
               </a:spcBef>
@@ -471,14 +484,16 @@
               <a:defRPr sz="1100"/>
             </a:lvl9pPr>
           </a:lstStyle>
-          <a:p/>
+          <a:p>
+            <a:endParaRPr/>
+          </a:p>
         </p:txBody>
       </p:sp>
     </p:spTree>
   </p:cSld>
-  <p:clrMap accent1="accent1" accent2="accent2" accent3="accent3" accent4="accent4" accent5="accent5" accent6="accent6" bg1="lt1" bg2="dk2" tx1="dk1" tx2="lt2" folHlink="folHlink" hlink="hlink"/>
+  <p:clrMap bg1="lt1" tx1="dk1" bg2="dk2" tx2="lt2" accent1="accent1" accent2="accent2" accent3="accent3" accent4="accent4" accent5="accent5" accent6="accent6" hlink="hlink" folHlink="folHlink"/>
   <p:notesStyle>
-    <a:defPPr lvl="0" marR="0" rtl="0" algn="l">
+    <a:defPPr marR="0" lvl="0" algn="l" rtl="0">
       <a:lnSpc>
         <a:spcPct val="100000"/>
       </a:lnSpc>
@@ -489,7 +504,7 @@
         <a:spcPts val="0"/>
       </a:spcAft>
     </a:defPPr>
-    <a:lvl1pPr lvl="0" marR="0" rtl="0" algn="l">
+    <a:lvl1pPr marR="0" lvl="0" algn="l" rtl="0">
       <a:lnSpc>
         <a:spcPct val="100000"/>
       </a:lnSpc>
@@ -503,7 +518,7 @@
         <a:srgbClr val="000000"/>
       </a:buClr>
       <a:buFont typeface="Arial"/>
-      <a:defRPr b="0" i="0" sz="1400" u="none" cap="none" strike="noStrike">
+      <a:defRPr sz="1400" b="0" i="0" u="none" strike="noStrike" cap="none">
         <a:solidFill>
           <a:srgbClr val="000000"/>
         </a:solidFill>
@@ -513,7 +528,7 @@
         <a:sym typeface="Arial"/>
       </a:defRPr>
     </a:lvl1pPr>
-    <a:lvl2pPr lvl="1" marR="0" rtl="0" algn="l">
+    <a:lvl2pPr marR="0" lvl="1" algn="l" rtl="0">
       <a:lnSpc>
         <a:spcPct val="100000"/>
       </a:lnSpc>
@@ -527,7 +542,7 @@
         <a:srgbClr val="000000"/>
       </a:buClr>
       <a:buFont typeface="Arial"/>
-      <a:defRPr b="0" i="0" sz="1400" u="none" cap="none" strike="noStrike">
+      <a:defRPr sz="1400" b="0" i="0" u="none" strike="noStrike" cap="none">
         <a:solidFill>
           <a:srgbClr val="000000"/>
         </a:solidFill>
@@ -537,7 +552,7 @@
         <a:sym typeface="Arial"/>
       </a:defRPr>
     </a:lvl2pPr>
-    <a:lvl3pPr lvl="2" marR="0" rtl="0" algn="l">
+    <a:lvl3pPr marR="0" lvl="2" algn="l" rtl="0">
       <a:lnSpc>
         <a:spcPct val="100000"/>
       </a:lnSpc>
@@ -551,7 +566,7 @@
         <a:srgbClr val="000000"/>
       </a:buClr>
       <a:buFont typeface="Arial"/>
-      <a:defRPr b="0" i="0" sz="1400" u="none" cap="none" strike="noStrike">
+      <a:defRPr sz="1400" b="0" i="0" u="none" strike="noStrike" cap="none">
         <a:solidFill>
           <a:srgbClr val="000000"/>
         </a:solidFill>
@@ -561,7 +576,7 @@
         <a:sym typeface="Arial"/>
       </a:defRPr>
     </a:lvl3pPr>
-    <a:lvl4pPr lvl="3" marR="0" rtl="0" algn="l">
+    <a:lvl4pPr marR="0" lvl="3" algn="l" rtl="0">
       <a:lnSpc>
         <a:spcPct val="100000"/>
       </a:lnSpc>
@@ -575,7 +590,7 @@
         <a:srgbClr val="000000"/>
       </a:buClr>
       <a:buFont typeface="Arial"/>
-      <a:defRPr b="0" i="0" sz="1400" u="none" cap="none" strike="noStrike">
+      <a:defRPr sz="1400" b="0" i="0" u="none" strike="noStrike" cap="none">
         <a:solidFill>
           <a:srgbClr val="000000"/>
         </a:solidFill>
@@ -585,7 +600,7 @@
         <a:sym typeface="Arial"/>
       </a:defRPr>
     </a:lvl4pPr>
-    <a:lvl5pPr lvl="4" marR="0" rtl="0" algn="l">
+    <a:lvl5pPr marR="0" lvl="4" algn="l" rtl="0">
       <a:lnSpc>
         <a:spcPct val="100000"/>
       </a:lnSpc>
@@ -599,7 +614,7 @@
         <a:srgbClr val="000000"/>
       </a:buClr>
       <a:buFont typeface="Arial"/>
-      <a:defRPr b="0" i="0" sz="1400" u="none" cap="none" strike="noStrike">
+      <a:defRPr sz="1400" b="0" i="0" u="none" strike="noStrike" cap="none">
         <a:solidFill>
           <a:srgbClr val="000000"/>
         </a:solidFill>
@@ -609,7 +624,7 @@
         <a:sym typeface="Arial"/>
       </a:defRPr>
     </a:lvl5pPr>
-    <a:lvl6pPr lvl="5" marR="0" rtl="0" algn="l">
+    <a:lvl6pPr marR="0" lvl="5" algn="l" rtl="0">
       <a:lnSpc>
         <a:spcPct val="100000"/>
       </a:lnSpc>
@@ -623,7 +638,7 @@
         <a:srgbClr val="000000"/>
       </a:buClr>
       <a:buFont typeface="Arial"/>
-      <a:defRPr b="0" i="0" sz="1400" u="none" cap="none" strike="noStrike">
+      <a:defRPr sz="1400" b="0" i="0" u="none" strike="noStrike" cap="none">
         <a:solidFill>
           <a:srgbClr val="000000"/>
         </a:solidFill>
@@ -633,7 +648,7 @@
         <a:sym typeface="Arial"/>
       </a:defRPr>
     </a:lvl6pPr>
-    <a:lvl7pPr lvl="6" marR="0" rtl="0" algn="l">
+    <a:lvl7pPr marR="0" lvl="6" algn="l" rtl="0">
       <a:lnSpc>
         <a:spcPct val="100000"/>
       </a:lnSpc>
@@ -647,7 +662,7 @@
         <a:srgbClr val="000000"/>
       </a:buClr>
       <a:buFont typeface="Arial"/>
-      <a:defRPr b="0" i="0" sz="1400" u="none" cap="none" strike="noStrike">
+      <a:defRPr sz="1400" b="0" i="0" u="none" strike="noStrike" cap="none">
         <a:solidFill>
           <a:srgbClr val="000000"/>
         </a:solidFill>
@@ -657,7 +672,7 @@
         <a:sym typeface="Arial"/>
       </a:defRPr>
     </a:lvl7pPr>
-    <a:lvl8pPr lvl="7" marR="0" rtl="0" algn="l">
+    <a:lvl8pPr marR="0" lvl="7" algn="l" rtl="0">
       <a:lnSpc>
         <a:spcPct val="100000"/>
       </a:lnSpc>
@@ -671,7 +686,7 @@
         <a:srgbClr val="000000"/>
       </a:buClr>
       <a:buFont typeface="Arial"/>
-      <a:defRPr b="0" i="0" sz="1400" u="none" cap="none" strike="noStrike">
+      <a:defRPr sz="1400" b="0" i="0" u="none" strike="noStrike" cap="none">
         <a:solidFill>
           <a:srgbClr val="000000"/>
         </a:solidFill>
@@ -681,7 +696,7 @@
         <a:sym typeface="Arial"/>
       </a:defRPr>
     </a:lvl8pPr>
-    <a:lvl9pPr lvl="8" marR="0" rtl="0" algn="l">
+    <a:lvl9pPr marR="0" lvl="8" algn="l" rtl="0">
       <a:lnSpc>
         <a:spcPct val="100000"/>
       </a:lnSpc>
@@ -695,7 +710,7 @@
         <a:srgbClr val="000000"/>
       </a:buClr>
       <a:buFont typeface="Arial"/>
-      <a:defRPr b="0" i="0" sz="1400" u="none" cap="none" strike="noStrike">
+      <a:defRPr sz="1400" b="0" i="0" u="none" strike="noStrike" cap="none">
         <a:solidFill>
           <a:srgbClr val="000000"/>
         </a:solidFill>
@@ -710,11 +725,11 @@
 </file>
 
 <file path=ppt/notesSlides/notesSlide1.xml><?xml version="1.0" encoding="utf-8"?>
-<p:notes xmlns:a="http://schemas.openxmlformats.org/drawingml/2006/main" xmlns:r="http://schemas.openxmlformats.org/officeDocument/2006/relationships" xmlns:mc="http://schemas.openxmlformats.org/markup-compatibility/2006" xmlns:mv="urn:schemas-microsoft-com:mac:vml" xmlns:p="http://schemas.openxmlformats.org/presentationml/2006/main" xmlns:c="http://schemas.openxmlformats.org/drawingml/2006/chart" xmlns:dgm="http://schemas.openxmlformats.org/drawingml/2006/diagram" xmlns:o="urn:schemas-microsoft-com:office:office" xmlns:v="urn:schemas-microsoft-com:vml" xmlns:pvml="urn:schemas-microsoft-com:office:powerpoint" xmlns:com="http://schemas.openxmlformats.org/drawingml/2006/compatibility" xmlns:p14="http://schemas.microsoft.com/office/powerpoint/2010/main" xmlns:p15="http://schemas.microsoft.com/office/powerpoint/2012/main" xmlns:ahyp="http://schemas.microsoft.com/office/drawing/2018/hyperlinkcolor" showMasterPhAnim="0" showMasterSp="0">
+<p:notes xmlns:a="http://schemas.openxmlformats.org/drawingml/2006/main" xmlns:r="http://schemas.openxmlformats.org/officeDocument/2006/relationships" xmlns:p="http://schemas.openxmlformats.org/presentationml/2006/main" showMasterSp="0" showMasterPhAnim="0">
   <p:cSld>
     <p:spTree>
       <p:nvGrpSpPr>
-        <p:cNvPr id="82" name="Shape 82"/>
+        <p:cNvPr id="1" name="Shape 82"/>
         <p:cNvGrpSpPr/>
         <p:nvPr/>
       </p:nvGrpSpPr>
@@ -729,9 +744,11 @@
       <p:sp>
         <p:nvSpPr>
           <p:cNvPr id="83" name="Google Shape;83;p:notes"/>
-          <p:cNvSpPr/>
+          <p:cNvSpPr>
+            <a:spLocks noGrp="1" noRot="1" noChangeAspect="1"/>
+          </p:cNvSpPr>
           <p:nvPr>
-            <p:ph idx="2" type="sldImg"/>
+            <p:ph type="sldImg" idx="2"/>
           </p:nvPr>
         </p:nvSpPr>
         <p:spPr>
@@ -740,9 +757,13 @@
             <a:ext cx="6096075" cy="3429000"/>
           </a:xfrm>
           <a:custGeom>
-            <a:rect b="b" l="l" r="r" t="t"/>
+            <a:avLst/>
+            <a:gdLst/>
+            <a:ahLst/>
+            <a:cxnLst/>
+            <a:rect l="l" t="t" r="r" b="b"/>
             <a:pathLst>
-              <a:path extrusionOk="0" h="120000" w="120000">
+              <a:path w="120000" h="120000" extrusionOk="0">
                 <a:moveTo>
                   <a:pt x="0" y="0"/>
                 </a:moveTo>
@@ -764,9 +785,11 @@
       <p:sp>
         <p:nvSpPr>
           <p:cNvPr id="84" name="Google Shape;84;p:notes"/>
-          <p:cNvSpPr txBox="1"/>
+          <p:cNvSpPr txBox="1">
+            <a:spLocks noGrp="1"/>
+          </p:cNvSpPr>
           <p:nvPr>
-            <p:ph idx="1" type="body"/>
+            <p:ph type="body" idx="1"/>
           </p:nvPr>
         </p:nvSpPr>
         <p:spPr>
@@ -779,12 +802,12 @@
           </a:prstGeom>
         </p:spPr>
         <p:txBody>
-          <a:bodyPr anchorCtr="0" anchor="t" bIns="91425" lIns="91425" spcFirstLastPara="1" rIns="91425" wrap="square" tIns="91425">
+          <a:bodyPr spcFirstLastPara="1" wrap="square" lIns="91425" tIns="91425" rIns="91425" bIns="91425" anchor="t" anchorCtr="0">
             <a:noAutofit/>
           </a:bodyPr>
           <a:lstStyle/>
           <a:p>
-            <a:pPr indent="0" lvl="0" marL="0" rtl="0" algn="l">
+            <a:pPr marL="0" lvl="0" indent="0" algn="l" rtl="0">
               <a:spcBef>
                 <a:spcPts val="0"/>
               </a:spcBef>
@@ -793,9 +816,6 @@
               </a:spcAft>
               <a:buNone/>
             </a:pPr>
-            <a:r>
-              <a:t/>
-            </a:r>
             <a:endParaRPr/>
           </a:p>
         </p:txBody>
@@ -809,11 +829,11 @@
 </file>
 
 <file path=ppt/notesSlides/notesSlide2.xml><?xml version="1.0" encoding="utf-8"?>
-<p:notes xmlns:a="http://schemas.openxmlformats.org/drawingml/2006/main" xmlns:r="http://schemas.openxmlformats.org/officeDocument/2006/relationships" xmlns:mc="http://schemas.openxmlformats.org/markup-compatibility/2006" xmlns:mv="urn:schemas-microsoft-com:mac:vml" xmlns:p="http://schemas.openxmlformats.org/presentationml/2006/main" xmlns:c="http://schemas.openxmlformats.org/drawingml/2006/chart" xmlns:dgm="http://schemas.openxmlformats.org/drawingml/2006/diagram" xmlns:o="urn:schemas-microsoft-com:office:office" xmlns:v="urn:schemas-microsoft-com:vml" xmlns:pvml="urn:schemas-microsoft-com:office:powerpoint" xmlns:com="http://schemas.openxmlformats.org/drawingml/2006/compatibility" xmlns:p14="http://schemas.microsoft.com/office/powerpoint/2010/main" xmlns:p15="http://schemas.microsoft.com/office/powerpoint/2012/main" xmlns:ahyp="http://schemas.microsoft.com/office/drawing/2018/hyperlinkcolor" showMasterPhAnim="0" showMasterSp="0">
+<p:notes xmlns:a="http://schemas.openxmlformats.org/drawingml/2006/main" xmlns:r="http://schemas.openxmlformats.org/officeDocument/2006/relationships" xmlns:p="http://schemas.openxmlformats.org/presentationml/2006/main" showMasterSp="0" showMasterPhAnim="0">
   <p:cSld>
     <p:spTree>
       <p:nvGrpSpPr>
-        <p:cNvPr id="88" name="Shape 88"/>
+        <p:cNvPr id="1" name="Shape 88"/>
         <p:cNvGrpSpPr/>
         <p:nvPr/>
       </p:nvGrpSpPr>
@@ -828,9 +848,11 @@
       <p:sp>
         <p:nvSpPr>
           <p:cNvPr id="89" name="Google Shape;89;g991a6b1644_0_78:notes"/>
-          <p:cNvSpPr/>
+          <p:cNvSpPr>
+            <a:spLocks noGrp="1" noRot="1" noChangeAspect="1"/>
+          </p:cNvSpPr>
           <p:nvPr>
-            <p:ph idx="2" type="sldImg"/>
+            <p:ph type="sldImg" idx="2"/>
           </p:nvPr>
         </p:nvSpPr>
         <p:spPr>
@@ -839,9 +861,13 @@
             <a:ext cx="6096000" cy="3429000"/>
           </a:xfrm>
           <a:custGeom>
-            <a:rect b="b" l="l" r="r" t="t"/>
+            <a:avLst/>
+            <a:gdLst/>
+            <a:ahLst/>
+            <a:cxnLst/>
+            <a:rect l="l" t="t" r="r" b="b"/>
             <a:pathLst>
-              <a:path extrusionOk="0" h="120000" w="120000">
+              <a:path w="120000" h="120000" extrusionOk="0">
                 <a:moveTo>
                   <a:pt x="0" y="0"/>
                 </a:moveTo>
@@ -863,9 +889,11 @@
       <p:sp>
         <p:nvSpPr>
           <p:cNvPr id="90" name="Google Shape;90;g991a6b1644_0_78:notes"/>
-          <p:cNvSpPr txBox="1"/>
+          <p:cNvSpPr txBox="1">
+            <a:spLocks noGrp="1"/>
+          </p:cNvSpPr>
           <p:nvPr>
-            <p:ph idx="1" type="body"/>
+            <p:ph type="body" idx="1"/>
           </p:nvPr>
         </p:nvSpPr>
         <p:spPr>
@@ -878,12 +906,12 @@
           </a:prstGeom>
         </p:spPr>
         <p:txBody>
-          <a:bodyPr anchorCtr="0" anchor="t" bIns="91425" lIns="91425" spcFirstLastPara="1" rIns="91425" wrap="square" tIns="91425">
+          <a:bodyPr spcFirstLastPara="1" wrap="square" lIns="91425" tIns="91425" rIns="91425" bIns="91425" anchor="t" anchorCtr="0">
             <a:noAutofit/>
           </a:bodyPr>
           <a:lstStyle/>
           <a:p>
-            <a:pPr indent="0" lvl="0" marL="0" rtl="0" algn="l">
+            <a:pPr marL="0" lvl="0" indent="0" algn="l" rtl="0">
               <a:spcBef>
                 <a:spcPts val="0"/>
               </a:spcBef>
@@ -892,9 +920,6 @@
               </a:spcAft>
               <a:buNone/>
             </a:pPr>
-            <a:r>
-              <a:t/>
-            </a:r>
             <a:endParaRPr/>
           </a:p>
         </p:txBody>
@@ -908,11 +933,11 @@
 </file>
 
 <file path=ppt/notesSlides/notesSlide3.xml><?xml version="1.0" encoding="utf-8"?>
-<p:notes xmlns:a="http://schemas.openxmlformats.org/drawingml/2006/main" xmlns:r="http://schemas.openxmlformats.org/officeDocument/2006/relationships" xmlns:mc="http://schemas.openxmlformats.org/markup-compatibility/2006" xmlns:mv="urn:schemas-microsoft-com:mac:vml" xmlns:p="http://schemas.openxmlformats.org/presentationml/2006/main" xmlns:c="http://schemas.openxmlformats.org/drawingml/2006/chart" xmlns:dgm="http://schemas.openxmlformats.org/drawingml/2006/diagram" xmlns:o="urn:schemas-microsoft-com:office:office" xmlns:v="urn:schemas-microsoft-com:vml" xmlns:pvml="urn:schemas-microsoft-com:office:powerpoint" xmlns:com="http://schemas.openxmlformats.org/drawingml/2006/compatibility" xmlns:p14="http://schemas.microsoft.com/office/powerpoint/2010/main" xmlns:p15="http://schemas.microsoft.com/office/powerpoint/2012/main" xmlns:ahyp="http://schemas.microsoft.com/office/drawing/2018/hyperlinkcolor" showMasterPhAnim="0" showMasterSp="0">
+<p:notes xmlns:a="http://schemas.openxmlformats.org/drawingml/2006/main" xmlns:r="http://schemas.openxmlformats.org/officeDocument/2006/relationships" xmlns:p="http://schemas.openxmlformats.org/presentationml/2006/main" showMasterSp="0" showMasterPhAnim="0">
   <p:cSld>
     <p:spTree>
       <p:nvGrpSpPr>
-        <p:cNvPr id="95" name="Shape 95"/>
+        <p:cNvPr id="1" name="Shape 95"/>
         <p:cNvGrpSpPr/>
         <p:nvPr/>
       </p:nvGrpSpPr>
@@ -927,9 +952,11 @@
       <p:sp>
         <p:nvSpPr>
           <p:cNvPr id="96" name="Google Shape;96;g991a6b1644_0_84:notes"/>
-          <p:cNvSpPr/>
+          <p:cNvSpPr>
+            <a:spLocks noGrp="1" noRot="1" noChangeAspect="1"/>
+          </p:cNvSpPr>
           <p:nvPr>
-            <p:ph idx="2" type="sldImg"/>
+            <p:ph type="sldImg" idx="2"/>
           </p:nvPr>
         </p:nvSpPr>
         <p:spPr>
@@ -938,9 +965,13 @@
             <a:ext cx="6096000" cy="3429000"/>
           </a:xfrm>
           <a:custGeom>
-            <a:rect b="b" l="l" r="r" t="t"/>
+            <a:avLst/>
+            <a:gdLst/>
+            <a:ahLst/>
+            <a:cxnLst/>
+            <a:rect l="l" t="t" r="r" b="b"/>
             <a:pathLst>
-              <a:path extrusionOk="0" h="120000" w="120000">
+              <a:path w="120000" h="120000" extrusionOk="0">
                 <a:moveTo>
                   <a:pt x="0" y="0"/>
                 </a:moveTo>
@@ -962,9 +993,11 @@
       <p:sp>
         <p:nvSpPr>
           <p:cNvPr id="97" name="Google Shape;97;g991a6b1644_0_84:notes"/>
-          <p:cNvSpPr txBox="1"/>
+          <p:cNvSpPr txBox="1">
+            <a:spLocks noGrp="1"/>
+          </p:cNvSpPr>
           <p:nvPr>
-            <p:ph idx="1" type="body"/>
+            <p:ph type="body" idx="1"/>
           </p:nvPr>
         </p:nvSpPr>
         <p:spPr>
@@ -977,12 +1010,12 @@
           </a:prstGeom>
         </p:spPr>
         <p:txBody>
-          <a:bodyPr anchorCtr="0" anchor="t" bIns="91425" lIns="91425" spcFirstLastPara="1" rIns="91425" wrap="square" tIns="91425">
+          <a:bodyPr spcFirstLastPara="1" wrap="square" lIns="91425" tIns="91425" rIns="91425" bIns="91425" anchor="t" anchorCtr="0">
             <a:noAutofit/>
           </a:bodyPr>
           <a:lstStyle/>
           <a:p>
-            <a:pPr indent="0" lvl="0" marL="0" rtl="0" algn="l">
+            <a:pPr marL="0" lvl="0" indent="0" algn="l" rtl="0">
               <a:spcBef>
                 <a:spcPts val="0"/>
               </a:spcBef>
@@ -991,9 +1024,6 @@
               </a:spcAft>
               <a:buNone/>
             </a:pPr>
-            <a:r>
-              <a:t/>
-            </a:r>
             <a:endParaRPr/>
           </a:p>
         </p:txBody>
@@ -1007,11 +1037,11 @@
 </file>
 
 <file path=ppt/notesSlides/notesSlide4.xml><?xml version="1.0" encoding="utf-8"?>
-<p:notes xmlns:a="http://schemas.openxmlformats.org/drawingml/2006/main" xmlns:r="http://schemas.openxmlformats.org/officeDocument/2006/relationships" xmlns:mc="http://schemas.openxmlformats.org/markup-compatibility/2006" xmlns:mv="urn:schemas-microsoft-com:mac:vml" xmlns:p="http://schemas.openxmlformats.org/presentationml/2006/main" xmlns:c="http://schemas.openxmlformats.org/drawingml/2006/chart" xmlns:dgm="http://schemas.openxmlformats.org/drawingml/2006/diagram" xmlns:o="urn:schemas-microsoft-com:office:office" xmlns:v="urn:schemas-microsoft-com:vml" xmlns:pvml="urn:schemas-microsoft-com:office:powerpoint" xmlns:com="http://schemas.openxmlformats.org/drawingml/2006/compatibility" xmlns:p14="http://schemas.microsoft.com/office/powerpoint/2010/main" xmlns:p15="http://schemas.microsoft.com/office/powerpoint/2012/main" xmlns:ahyp="http://schemas.microsoft.com/office/drawing/2018/hyperlinkcolor" showMasterPhAnim="0" showMasterSp="0">
+<p:notes xmlns:a="http://schemas.openxmlformats.org/drawingml/2006/main" xmlns:r="http://schemas.openxmlformats.org/officeDocument/2006/relationships" xmlns:p="http://schemas.openxmlformats.org/presentationml/2006/main" showMasterSp="0" showMasterPhAnim="0">
   <p:cSld>
     <p:spTree>
       <p:nvGrpSpPr>
-        <p:cNvPr id="102" name="Shape 102"/>
+        <p:cNvPr id="1" name="Shape 102"/>
         <p:cNvGrpSpPr/>
         <p:nvPr/>
       </p:nvGrpSpPr>
@@ -1026,9 +1056,11 @@
       <p:sp>
         <p:nvSpPr>
           <p:cNvPr id="103" name="Google Shape;103;g991a6b1644_0_90:notes"/>
-          <p:cNvSpPr/>
+          <p:cNvSpPr>
+            <a:spLocks noGrp="1" noRot="1" noChangeAspect="1"/>
+          </p:cNvSpPr>
           <p:nvPr>
-            <p:ph idx="2" type="sldImg"/>
+            <p:ph type="sldImg" idx="2"/>
           </p:nvPr>
         </p:nvSpPr>
         <p:spPr>
@@ -1037,9 +1069,13 @@
             <a:ext cx="6096000" cy="3429000"/>
           </a:xfrm>
           <a:custGeom>
-            <a:rect b="b" l="l" r="r" t="t"/>
+            <a:avLst/>
+            <a:gdLst/>
+            <a:ahLst/>
+            <a:cxnLst/>
+            <a:rect l="l" t="t" r="r" b="b"/>
             <a:pathLst>
-              <a:path extrusionOk="0" h="120000" w="120000">
+              <a:path w="120000" h="120000" extrusionOk="0">
                 <a:moveTo>
                   <a:pt x="0" y="0"/>
                 </a:moveTo>
@@ -1061,9 +1097,11 @@
       <p:sp>
         <p:nvSpPr>
           <p:cNvPr id="104" name="Google Shape;104;g991a6b1644_0_90:notes"/>
-          <p:cNvSpPr txBox="1"/>
+          <p:cNvSpPr txBox="1">
+            <a:spLocks noGrp="1"/>
+          </p:cNvSpPr>
           <p:nvPr>
-            <p:ph idx="1" type="body"/>
+            <p:ph type="body" idx="1"/>
           </p:nvPr>
         </p:nvSpPr>
         <p:spPr>
@@ -1076,12 +1114,12 @@
           </a:prstGeom>
         </p:spPr>
         <p:txBody>
-          <a:bodyPr anchorCtr="0" anchor="t" bIns="91425" lIns="91425" spcFirstLastPara="1" rIns="91425" wrap="square" tIns="91425">
+          <a:bodyPr spcFirstLastPara="1" wrap="square" lIns="91425" tIns="91425" rIns="91425" bIns="91425" anchor="t" anchorCtr="0">
             <a:noAutofit/>
           </a:bodyPr>
           <a:lstStyle/>
           <a:p>
-            <a:pPr indent="0" lvl="0" marL="0" rtl="0" algn="l">
+            <a:pPr marL="0" lvl="0" indent="0" algn="l" rtl="0">
               <a:spcBef>
                 <a:spcPts val="0"/>
               </a:spcBef>
@@ -1090,9 +1128,6 @@
               </a:spcAft>
               <a:buNone/>
             </a:pPr>
-            <a:r>
-              <a:t/>
-            </a:r>
             <a:endParaRPr/>
           </a:p>
         </p:txBody>
@@ -1106,11 +1141,11 @@
 </file>
 
 <file path=ppt/notesSlides/notesSlide5.xml><?xml version="1.0" encoding="utf-8"?>
-<p:notes xmlns:a="http://schemas.openxmlformats.org/drawingml/2006/main" xmlns:r="http://schemas.openxmlformats.org/officeDocument/2006/relationships" xmlns:mc="http://schemas.openxmlformats.org/markup-compatibility/2006" xmlns:mv="urn:schemas-microsoft-com:mac:vml" xmlns:p="http://schemas.openxmlformats.org/presentationml/2006/main" xmlns:c="http://schemas.openxmlformats.org/drawingml/2006/chart" xmlns:dgm="http://schemas.openxmlformats.org/drawingml/2006/diagram" xmlns:o="urn:schemas-microsoft-com:office:office" xmlns:v="urn:schemas-microsoft-com:vml" xmlns:pvml="urn:schemas-microsoft-com:office:powerpoint" xmlns:com="http://schemas.openxmlformats.org/drawingml/2006/compatibility" xmlns:p14="http://schemas.microsoft.com/office/powerpoint/2010/main" xmlns:p15="http://schemas.microsoft.com/office/powerpoint/2012/main" xmlns:ahyp="http://schemas.microsoft.com/office/drawing/2018/hyperlinkcolor" showMasterPhAnim="0" showMasterSp="0">
+<p:notes xmlns:a="http://schemas.openxmlformats.org/drawingml/2006/main" xmlns:r="http://schemas.openxmlformats.org/officeDocument/2006/relationships" xmlns:p="http://schemas.openxmlformats.org/presentationml/2006/main" showMasterSp="0" showMasterPhAnim="0">
   <p:cSld>
     <p:spTree>
       <p:nvGrpSpPr>
-        <p:cNvPr id="110" name="Shape 110"/>
+        <p:cNvPr id="1" name="Shape 110"/>
         <p:cNvGrpSpPr/>
         <p:nvPr/>
       </p:nvGrpSpPr>
@@ -1125,20 +1160,26 @@
       <p:sp>
         <p:nvSpPr>
           <p:cNvPr id="111" name="Google Shape;111;g991a6b1644_0_96:notes"/>
-          <p:cNvSpPr/>
+          <p:cNvSpPr>
+            <a:spLocks noGrp="1" noRot="1" noChangeAspect="1"/>
+          </p:cNvSpPr>
           <p:nvPr>
-            <p:ph idx="2" type="sldImg"/>
+            <p:ph type="sldImg" idx="2"/>
           </p:nvPr>
         </p:nvSpPr>
         <p:spPr>
           <a:xfrm>
-            <a:off x="381300" y="685800"/>
+            <a:off x="381000" y="685800"/>
             <a:ext cx="6096000" cy="3429000"/>
           </a:xfrm>
           <a:custGeom>
-            <a:rect b="b" l="l" r="r" t="t"/>
+            <a:avLst/>
+            <a:gdLst/>
+            <a:ahLst/>
+            <a:cxnLst/>
+            <a:rect l="l" t="t" r="r" b="b"/>
             <a:pathLst>
-              <a:path extrusionOk="0" h="120000" w="120000">
+              <a:path w="120000" h="120000" extrusionOk="0">
                 <a:moveTo>
                   <a:pt x="0" y="0"/>
                 </a:moveTo>
@@ -1160,9 +1201,11 @@
       <p:sp>
         <p:nvSpPr>
           <p:cNvPr id="112" name="Google Shape;112;g991a6b1644_0_96:notes"/>
-          <p:cNvSpPr txBox="1"/>
+          <p:cNvSpPr txBox="1">
+            <a:spLocks noGrp="1"/>
+          </p:cNvSpPr>
           <p:nvPr>
-            <p:ph idx="1" type="body"/>
+            <p:ph type="body" idx="1"/>
           </p:nvPr>
         </p:nvSpPr>
         <p:spPr>
@@ -1175,12 +1218,12 @@
           </a:prstGeom>
         </p:spPr>
         <p:txBody>
-          <a:bodyPr anchorCtr="0" anchor="t" bIns="91425" lIns="91425" spcFirstLastPara="1" rIns="91425" wrap="square" tIns="91425">
+          <a:bodyPr spcFirstLastPara="1" wrap="square" lIns="91425" tIns="91425" rIns="91425" bIns="91425" anchor="t" anchorCtr="0">
             <a:noAutofit/>
           </a:bodyPr>
           <a:lstStyle/>
           <a:p>
-            <a:pPr indent="0" lvl="0" marL="0" rtl="0" algn="l">
+            <a:pPr marL="0" lvl="0" indent="0" algn="l" rtl="0">
               <a:spcBef>
                 <a:spcPts val="0"/>
               </a:spcBef>
@@ -1189,9 +1232,6 @@
               </a:spcAft>
               <a:buNone/>
             </a:pPr>
-            <a:r>
-              <a:t/>
-            </a:r>
             <a:endParaRPr/>
           </a:p>
         </p:txBody>
@@ -1205,11 +1245,11 @@
 </file>
 
 <file path=ppt/notesSlides/notesSlide6.xml><?xml version="1.0" encoding="utf-8"?>
-<p:notes xmlns:a="http://schemas.openxmlformats.org/drawingml/2006/main" xmlns:r="http://schemas.openxmlformats.org/officeDocument/2006/relationships" xmlns:mc="http://schemas.openxmlformats.org/markup-compatibility/2006" xmlns:mv="urn:schemas-microsoft-com:mac:vml" xmlns:p="http://schemas.openxmlformats.org/presentationml/2006/main" xmlns:c="http://schemas.openxmlformats.org/drawingml/2006/chart" xmlns:dgm="http://schemas.openxmlformats.org/drawingml/2006/diagram" xmlns:o="urn:schemas-microsoft-com:office:office" xmlns:v="urn:schemas-microsoft-com:vml" xmlns:pvml="urn:schemas-microsoft-com:office:powerpoint" xmlns:com="http://schemas.openxmlformats.org/drawingml/2006/compatibility" xmlns:p14="http://schemas.microsoft.com/office/powerpoint/2010/main" xmlns:p15="http://schemas.microsoft.com/office/powerpoint/2012/main" xmlns:ahyp="http://schemas.microsoft.com/office/drawing/2018/hyperlinkcolor" showMasterPhAnim="0" showMasterSp="0">
+<p:notes xmlns:a="http://schemas.openxmlformats.org/drawingml/2006/main" xmlns:r="http://schemas.openxmlformats.org/officeDocument/2006/relationships" xmlns:p="http://schemas.openxmlformats.org/presentationml/2006/main" showMasterSp="0" showMasterPhAnim="0">
   <p:cSld>
     <p:spTree>
       <p:nvGrpSpPr>
-        <p:cNvPr id="117" name="Shape 117"/>
+        <p:cNvPr id="1" name="Shape 117"/>
         <p:cNvGrpSpPr/>
         <p:nvPr/>
       </p:nvGrpSpPr>
@@ -1224,9 +1264,11 @@
       <p:sp>
         <p:nvSpPr>
           <p:cNvPr id="118" name="Google Shape;118;g993a08972c_0_1:notes"/>
-          <p:cNvSpPr/>
+          <p:cNvSpPr>
+            <a:spLocks noGrp="1" noRot="1" noChangeAspect="1"/>
+          </p:cNvSpPr>
           <p:nvPr>
-            <p:ph idx="2" type="sldImg"/>
+            <p:ph type="sldImg" idx="2"/>
           </p:nvPr>
         </p:nvSpPr>
         <p:spPr>
@@ -1235,9 +1277,13 @@
             <a:ext cx="6096000" cy="3429000"/>
           </a:xfrm>
           <a:custGeom>
-            <a:rect b="b" l="l" r="r" t="t"/>
+            <a:avLst/>
+            <a:gdLst/>
+            <a:ahLst/>
+            <a:cxnLst/>
+            <a:rect l="l" t="t" r="r" b="b"/>
             <a:pathLst>
-              <a:path extrusionOk="0" h="120000" w="120000">
+              <a:path w="120000" h="120000" extrusionOk="0">
                 <a:moveTo>
                   <a:pt x="0" y="0"/>
                 </a:moveTo>
@@ -1259,9 +1305,11 @@
       <p:sp>
         <p:nvSpPr>
           <p:cNvPr id="119" name="Google Shape;119;g993a08972c_0_1:notes"/>
-          <p:cNvSpPr txBox="1"/>
+          <p:cNvSpPr txBox="1">
+            <a:spLocks noGrp="1"/>
+          </p:cNvSpPr>
           <p:nvPr>
-            <p:ph idx="1" type="body"/>
+            <p:ph type="body" idx="1"/>
           </p:nvPr>
         </p:nvSpPr>
         <p:spPr>
@@ -1274,12 +1322,12 @@
           </a:prstGeom>
         </p:spPr>
         <p:txBody>
-          <a:bodyPr anchorCtr="0" anchor="t" bIns="91425" lIns="91425" spcFirstLastPara="1" rIns="91425" wrap="square" tIns="91425">
+          <a:bodyPr spcFirstLastPara="1" wrap="square" lIns="91425" tIns="91425" rIns="91425" bIns="91425" anchor="t" anchorCtr="0">
             <a:noAutofit/>
           </a:bodyPr>
           <a:lstStyle/>
           <a:p>
-            <a:pPr indent="0" lvl="0" marL="0" rtl="0" algn="l">
+            <a:pPr marL="0" lvl="0" indent="0" algn="l" rtl="0">
               <a:spcBef>
                 <a:spcPts val="0"/>
               </a:spcBef>
@@ -1288,9 +1336,6 @@
               </a:spcAft>
               <a:buNone/>
             </a:pPr>
-            <a:r>
-              <a:t/>
-            </a:r>
             <a:endParaRPr/>
           </a:p>
         </p:txBody>
@@ -1304,11 +1349,11 @@
 </file>
 
 <file path=ppt/notesSlides/notesSlide7.xml><?xml version="1.0" encoding="utf-8"?>
-<p:notes xmlns:a="http://schemas.openxmlformats.org/drawingml/2006/main" xmlns:r="http://schemas.openxmlformats.org/officeDocument/2006/relationships" xmlns:mc="http://schemas.openxmlformats.org/markup-compatibility/2006" xmlns:mv="urn:schemas-microsoft-com:mac:vml" xmlns:p="http://schemas.openxmlformats.org/presentationml/2006/main" xmlns:c="http://schemas.openxmlformats.org/drawingml/2006/chart" xmlns:dgm="http://schemas.openxmlformats.org/drawingml/2006/diagram" xmlns:o="urn:schemas-microsoft-com:office:office" xmlns:v="urn:schemas-microsoft-com:vml" xmlns:pvml="urn:schemas-microsoft-com:office:powerpoint" xmlns:com="http://schemas.openxmlformats.org/drawingml/2006/compatibility" xmlns:p14="http://schemas.microsoft.com/office/powerpoint/2010/main" xmlns:p15="http://schemas.microsoft.com/office/powerpoint/2012/main" xmlns:ahyp="http://schemas.microsoft.com/office/drawing/2018/hyperlinkcolor" showMasterPhAnim="0" showMasterSp="0">
+<p:notes xmlns:a="http://schemas.openxmlformats.org/drawingml/2006/main" xmlns:r="http://schemas.openxmlformats.org/officeDocument/2006/relationships" xmlns:p="http://schemas.openxmlformats.org/presentationml/2006/main" showMasterSp="0" showMasterPhAnim="0">
   <p:cSld>
     <p:spTree>
       <p:nvGrpSpPr>
-        <p:cNvPr id="124" name="Shape 124"/>
+        <p:cNvPr id="1" name="Shape 124"/>
         <p:cNvGrpSpPr/>
         <p:nvPr/>
       </p:nvGrpSpPr>
@@ -1323,9 +1368,11 @@
       <p:sp>
         <p:nvSpPr>
           <p:cNvPr id="125" name="Google Shape;125;g993a08972c_0_7:notes"/>
-          <p:cNvSpPr/>
+          <p:cNvSpPr>
+            <a:spLocks noGrp="1" noRot="1" noChangeAspect="1"/>
+          </p:cNvSpPr>
           <p:nvPr>
-            <p:ph idx="2" type="sldImg"/>
+            <p:ph type="sldImg" idx="2"/>
           </p:nvPr>
         </p:nvSpPr>
         <p:spPr>
@@ -1334,9 +1381,13 @@
             <a:ext cx="6096000" cy="3429000"/>
           </a:xfrm>
           <a:custGeom>
-            <a:rect b="b" l="l" r="r" t="t"/>
+            <a:avLst/>
+            <a:gdLst/>
+            <a:ahLst/>
+            <a:cxnLst/>
+            <a:rect l="l" t="t" r="r" b="b"/>
             <a:pathLst>
-              <a:path extrusionOk="0" h="120000" w="120000">
+              <a:path w="120000" h="120000" extrusionOk="0">
                 <a:moveTo>
                   <a:pt x="0" y="0"/>
                 </a:moveTo>
@@ -1358,9 +1409,11 @@
       <p:sp>
         <p:nvSpPr>
           <p:cNvPr id="126" name="Google Shape;126;g993a08972c_0_7:notes"/>
-          <p:cNvSpPr txBox="1"/>
+          <p:cNvSpPr txBox="1">
+            <a:spLocks noGrp="1"/>
+          </p:cNvSpPr>
           <p:nvPr>
-            <p:ph idx="1" type="body"/>
+            <p:ph type="body" idx="1"/>
           </p:nvPr>
         </p:nvSpPr>
         <p:spPr>
@@ -1373,12 +1426,12 @@
           </a:prstGeom>
         </p:spPr>
         <p:txBody>
-          <a:bodyPr anchorCtr="0" anchor="t" bIns="91425" lIns="91425" spcFirstLastPara="1" rIns="91425" wrap="square" tIns="91425">
+          <a:bodyPr spcFirstLastPara="1" wrap="square" lIns="91425" tIns="91425" rIns="91425" bIns="91425" anchor="t" anchorCtr="0">
             <a:noAutofit/>
           </a:bodyPr>
           <a:lstStyle/>
           <a:p>
-            <a:pPr indent="0" lvl="0" marL="0" rtl="0" algn="l">
+            <a:pPr marL="0" lvl="0" indent="0" algn="l" rtl="0">
               <a:spcBef>
                 <a:spcPts val="0"/>
               </a:spcBef>
@@ -1387,9 +1440,6 @@
               </a:spcAft>
               <a:buNone/>
             </a:pPr>
-            <a:r>
-              <a:t/>
-            </a:r>
             <a:endParaRPr/>
           </a:p>
         </p:txBody>
@@ -1403,11 +1453,11 @@
 </file>
 
 <file path=ppt/notesSlides/notesSlide8.xml><?xml version="1.0" encoding="utf-8"?>
-<p:notes xmlns:a="http://schemas.openxmlformats.org/drawingml/2006/main" xmlns:r="http://schemas.openxmlformats.org/officeDocument/2006/relationships" xmlns:mc="http://schemas.openxmlformats.org/markup-compatibility/2006" xmlns:mv="urn:schemas-microsoft-com:mac:vml" xmlns:p="http://schemas.openxmlformats.org/presentationml/2006/main" xmlns:c="http://schemas.openxmlformats.org/drawingml/2006/chart" xmlns:dgm="http://schemas.openxmlformats.org/drawingml/2006/diagram" xmlns:o="urn:schemas-microsoft-com:office:office" xmlns:v="urn:schemas-microsoft-com:vml" xmlns:pvml="urn:schemas-microsoft-com:office:powerpoint" xmlns:com="http://schemas.openxmlformats.org/drawingml/2006/compatibility" xmlns:p14="http://schemas.microsoft.com/office/powerpoint/2010/main" xmlns:p15="http://schemas.microsoft.com/office/powerpoint/2012/main" xmlns:ahyp="http://schemas.microsoft.com/office/drawing/2018/hyperlinkcolor" showMasterPhAnim="0" showMasterSp="0">
+<p:notes xmlns:a="http://schemas.openxmlformats.org/drawingml/2006/main" xmlns:r="http://schemas.openxmlformats.org/officeDocument/2006/relationships" xmlns:p="http://schemas.openxmlformats.org/presentationml/2006/main" showMasterSp="0" showMasterPhAnim="0">
   <p:cSld>
     <p:spTree>
       <p:nvGrpSpPr>
-        <p:cNvPr id="131" name="Shape 131"/>
+        <p:cNvPr id="1" name="Shape 131"/>
         <p:cNvGrpSpPr/>
         <p:nvPr/>
       </p:nvGrpSpPr>
@@ -1422,9 +1472,11 @@
       <p:sp>
         <p:nvSpPr>
           <p:cNvPr id="132" name="Google Shape;132;g991a6b1644_0_102:notes"/>
-          <p:cNvSpPr/>
+          <p:cNvSpPr>
+            <a:spLocks noGrp="1" noRot="1" noChangeAspect="1"/>
+          </p:cNvSpPr>
           <p:nvPr>
-            <p:ph idx="2" type="sldImg"/>
+            <p:ph type="sldImg" idx="2"/>
           </p:nvPr>
         </p:nvSpPr>
         <p:spPr>
@@ -1433,9 +1485,13 @@
             <a:ext cx="6096000" cy="3429000"/>
           </a:xfrm>
           <a:custGeom>
-            <a:rect b="b" l="l" r="r" t="t"/>
+            <a:avLst/>
+            <a:gdLst/>
+            <a:ahLst/>
+            <a:cxnLst/>
+            <a:rect l="l" t="t" r="r" b="b"/>
             <a:pathLst>
-              <a:path extrusionOk="0" h="120000" w="120000">
+              <a:path w="120000" h="120000" extrusionOk="0">
                 <a:moveTo>
                   <a:pt x="0" y="0"/>
                 </a:moveTo>
@@ -1457,9 +1513,11 @@
       <p:sp>
         <p:nvSpPr>
           <p:cNvPr id="133" name="Google Shape;133;g991a6b1644_0_102:notes"/>
-          <p:cNvSpPr txBox="1"/>
+          <p:cNvSpPr txBox="1">
+            <a:spLocks noGrp="1"/>
+          </p:cNvSpPr>
           <p:nvPr>
-            <p:ph idx="1" type="body"/>
+            <p:ph type="body" idx="1"/>
           </p:nvPr>
         </p:nvSpPr>
         <p:spPr>
@@ -1472,12 +1530,12 @@
           </a:prstGeom>
         </p:spPr>
         <p:txBody>
-          <a:bodyPr anchorCtr="0" anchor="t" bIns="91425" lIns="91425" spcFirstLastPara="1" rIns="91425" wrap="square" tIns="91425">
+          <a:bodyPr spcFirstLastPara="1" wrap="square" lIns="91425" tIns="91425" rIns="91425" bIns="91425" anchor="t" anchorCtr="0">
             <a:noAutofit/>
           </a:bodyPr>
           <a:lstStyle/>
           <a:p>
-            <a:pPr indent="0" lvl="0" marL="0" rtl="0" algn="l">
+            <a:pPr marL="0" lvl="0" indent="0" algn="l" rtl="0">
               <a:spcBef>
                 <a:spcPts val="0"/>
               </a:spcBef>
@@ -1486,9 +1544,6 @@
               </a:spcAft>
               <a:buNone/>
             </a:pPr>
-            <a:r>
-              <a:t/>
-            </a:r>
             <a:endParaRPr/>
           </a:p>
         </p:txBody>
@@ -1502,18 +1557,19 @@
 </file>
 
 <file path=ppt/slideLayouts/slideLayout1.xml><?xml version="1.0" encoding="utf-8"?>
-<p:sldLayout xmlns:a="http://schemas.openxmlformats.org/drawingml/2006/main" xmlns:r="http://schemas.openxmlformats.org/officeDocument/2006/relationships" xmlns:mc="http://schemas.openxmlformats.org/markup-compatibility/2006" xmlns:mv="urn:schemas-microsoft-com:mac:vml" xmlns:p="http://schemas.openxmlformats.org/presentationml/2006/main" xmlns:c="http://schemas.openxmlformats.org/drawingml/2006/chart" xmlns:dgm="http://schemas.openxmlformats.org/drawingml/2006/diagram" xmlns:o="urn:schemas-microsoft-com:office:office" xmlns:v="urn:schemas-microsoft-com:vml" xmlns:pvml="urn:schemas-microsoft-com:office:powerpoint" xmlns:com="http://schemas.openxmlformats.org/drawingml/2006/compatibility" xmlns:p14="http://schemas.microsoft.com/office/powerpoint/2010/main" xmlns:p15="http://schemas.microsoft.com/office/powerpoint/2012/main" xmlns:ahyp="http://schemas.microsoft.com/office/drawing/2018/hyperlinkcolor" matchingName="Title slide" type="title">
+<p:sldLayout xmlns:a="http://schemas.openxmlformats.org/drawingml/2006/main" xmlns:r="http://schemas.openxmlformats.org/officeDocument/2006/relationships" xmlns:p="http://schemas.openxmlformats.org/presentationml/2006/main" matchingName="Title slide" type="title">
   <p:cSld name="TITLE">
     <p:bg>
       <p:bgPr>
         <a:solidFill>
           <a:schemeClr val="lt2"/>
         </a:solidFill>
+        <a:effectLst/>
       </p:bgPr>
     </p:bg>
     <p:spTree>
       <p:nvGrpSpPr>
-        <p:cNvPr id="9" name="Shape 9"/>
+        <p:cNvPr id="1" name="Shape 9"/>
         <p:cNvGrpSpPr/>
         <p:nvPr/>
       </p:nvGrpSpPr>
@@ -1547,12 +1603,12 @@
           </a:ln>
         </p:spPr>
         <p:txBody>
-          <a:bodyPr anchorCtr="0" anchor="ctr" bIns="91425" lIns="91425" spcFirstLastPara="1" rIns="91425" wrap="square" tIns="91425">
+          <a:bodyPr spcFirstLastPara="1" wrap="square" lIns="91425" tIns="91425" rIns="91425" bIns="91425" anchor="ctr" anchorCtr="0">
             <a:noAutofit/>
           </a:bodyPr>
           <a:lstStyle/>
           <a:p>
-            <a:pPr indent="0" lvl="0" marL="0" rtl="0" algn="l">
+            <a:pPr marL="0" lvl="0" indent="0" algn="l" rtl="0">
               <a:spcBef>
                 <a:spcPts val="0"/>
               </a:spcBef>
@@ -1561,9 +1617,6 @@
               </a:spcAft>
               <a:buNone/>
             </a:pPr>
-            <a:r>
-              <a:t/>
-            </a:r>
             <a:endParaRPr/>
           </a:p>
         </p:txBody>
@@ -1604,12 +1657,12 @@
             </a:ln>
           </p:spPr>
           <p:txBody>
-            <a:bodyPr anchorCtr="0" anchor="ctr" bIns="91425" lIns="91425" spcFirstLastPara="1" rIns="91425" wrap="square" tIns="91425">
+            <a:bodyPr spcFirstLastPara="1" wrap="square" lIns="91425" tIns="91425" rIns="91425" bIns="91425" anchor="ctr" anchorCtr="0">
               <a:noAutofit/>
             </a:bodyPr>
             <a:lstStyle/>
             <a:p>
-              <a:pPr indent="0" lvl="0" marL="0" rtl="0" algn="l">
+              <a:pPr marL="0" lvl="0" indent="0" algn="l" rtl="0">
                 <a:spcBef>
                   <a:spcPts val="0"/>
                 </a:spcBef>
@@ -1618,9 +1671,6 @@
                 </a:spcAft>
                 <a:buNone/>
               </a:pPr>
-              <a:r>
-                <a:t/>
-              </a:r>
               <a:endParaRPr/>
             </a:p>
           </p:txBody>
@@ -1647,12 +1697,12 @@
             </a:ln>
           </p:spPr>
           <p:txBody>
-            <a:bodyPr anchorCtr="0" anchor="ctr" bIns="91425" lIns="91425" spcFirstLastPara="1" rIns="91425" wrap="square" tIns="91425">
+            <a:bodyPr spcFirstLastPara="1" wrap="square" lIns="91425" tIns="91425" rIns="91425" bIns="91425" anchor="ctr" anchorCtr="0">
               <a:noAutofit/>
             </a:bodyPr>
             <a:lstStyle/>
             <a:p>
-              <a:pPr indent="0" lvl="0" marL="0" rtl="0" algn="l">
+              <a:pPr marL="0" lvl="0" indent="0" algn="l" rtl="0">
                 <a:spcBef>
                   <a:spcPts val="0"/>
                 </a:spcBef>
@@ -1661,9 +1711,6 @@
                 </a:spcAft>
                 <a:buNone/>
               </a:pPr>
-              <a:r>
-                <a:t/>
-              </a:r>
               <a:endParaRPr/>
             </a:p>
           </p:txBody>
@@ -1672,7 +1719,9 @@
       <p:sp>
         <p:nvSpPr>
           <p:cNvPr id="14" name="Google Shape;14;p2"/>
-          <p:cNvSpPr txBox="1"/>
+          <p:cNvSpPr txBox="1">
+            <a:spLocks noGrp="1"/>
+          </p:cNvSpPr>
           <p:nvPr>
             <p:ph type="ctrTitle"/>
           </p:nvPr>
@@ -1687,7 +1736,7 @@
           </a:prstGeom>
         </p:spPr>
         <p:txBody>
-          <a:bodyPr anchorCtr="0" anchor="t" bIns="91425" lIns="91425" spcFirstLastPara="1" rIns="91425" wrap="square" tIns="91425">
+          <a:bodyPr spcFirstLastPara="1" wrap="square" lIns="91425" tIns="91425" rIns="91425" bIns="91425" anchor="t" anchorCtr="0">
             <a:noAutofit/>
           </a:bodyPr>
           <a:lstStyle>
@@ -1854,15 +1903,19 @@
               </a:defRPr>
             </a:lvl9pPr>
           </a:lstStyle>
-          <a:p/>
+          <a:p>
+            <a:endParaRPr/>
+          </a:p>
         </p:txBody>
       </p:sp>
       <p:sp>
         <p:nvSpPr>
           <p:cNvPr id="15" name="Google Shape;15;p2"/>
-          <p:cNvSpPr txBox="1"/>
+          <p:cNvSpPr txBox="1">
+            <a:spLocks noGrp="1"/>
+          </p:cNvSpPr>
           <p:nvPr>
-            <p:ph idx="1" type="subTitle"/>
+            <p:ph type="subTitle" idx="1"/>
           </p:nvPr>
         </p:nvSpPr>
         <p:spPr>
@@ -1875,7 +1928,7 @@
           </a:prstGeom>
         </p:spPr>
         <p:txBody>
-          <a:bodyPr anchorCtr="0" anchor="t" bIns="91425" lIns="91425" spcFirstLastPara="1" rIns="91425" wrap="square" tIns="91425">
+          <a:bodyPr spcFirstLastPara="1" wrap="square" lIns="91425" tIns="91425" rIns="91425" bIns="91425" anchor="t" anchorCtr="0">
             <a:noAutofit/>
           </a:bodyPr>
           <a:lstStyle>
@@ -2006,15 +2059,19 @@
               <a:defRPr sz="1600"/>
             </a:lvl9pPr>
           </a:lstStyle>
-          <a:p/>
+          <a:p>
+            <a:endParaRPr/>
+          </a:p>
         </p:txBody>
       </p:sp>
       <p:sp>
         <p:nvSpPr>
           <p:cNvPr id="16" name="Google Shape;16;p2"/>
-          <p:cNvSpPr txBox="1"/>
+          <p:cNvSpPr txBox="1">
+            <a:spLocks noGrp="1"/>
+          </p:cNvSpPr>
           <p:nvPr>
-            <p:ph idx="12" type="sldNum"/>
+            <p:ph type="sldNum" idx="12"/>
           </p:nvPr>
         </p:nvSpPr>
         <p:spPr>
@@ -2027,7 +2084,7 @@
           </a:prstGeom>
         </p:spPr>
         <p:txBody>
-          <a:bodyPr anchorCtr="0" anchor="ctr" bIns="91425" lIns="91425" spcFirstLastPara="1" rIns="91425" wrap="square" tIns="91425">
+          <a:bodyPr spcFirstLastPara="1" wrap="square" lIns="91425" tIns="91425" rIns="91425" bIns="91425" anchor="ctr" anchorCtr="0">
             <a:noAutofit/>
           </a:bodyPr>
           <a:lstStyle>
@@ -2069,7 +2126,7 @@
             </a:lvl9pPr>
           </a:lstStyle>
           <a:p>
-            <a:pPr indent="0" lvl="0" marL="0" rtl="0" algn="r">
+            <a:pPr marL="0" lvl="0" indent="0" algn="r" rtl="0">
               <a:spcBef>
                 <a:spcPts val="0"/>
               </a:spcBef>
@@ -2095,18 +2152,19 @@
 </file>
 
 <file path=ppt/slideLayouts/slideLayout10.xml><?xml version="1.0" encoding="utf-8"?>
-<p:sldLayout xmlns:a="http://schemas.openxmlformats.org/drawingml/2006/main" xmlns:r="http://schemas.openxmlformats.org/officeDocument/2006/relationships" xmlns:mc="http://schemas.openxmlformats.org/markup-compatibility/2006" xmlns:mv="urn:schemas-microsoft-com:mac:vml" xmlns:p="http://schemas.openxmlformats.org/presentationml/2006/main" xmlns:c="http://schemas.openxmlformats.org/drawingml/2006/chart" xmlns:dgm="http://schemas.openxmlformats.org/drawingml/2006/diagram" xmlns:o="urn:schemas-microsoft-com:office:office" xmlns:v="urn:schemas-microsoft-com:vml" xmlns:pvml="urn:schemas-microsoft-com:office:powerpoint" xmlns:com="http://schemas.openxmlformats.org/drawingml/2006/compatibility" xmlns:p14="http://schemas.microsoft.com/office/powerpoint/2010/main" xmlns:p15="http://schemas.microsoft.com/office/powerpoint/2012/main" xmlns:ahyp="http://schemas.microsoft.com/office/drawing/2018/hyperlinkcolor" matchingName="Big number">
+<p:sldLayout xmlns:a="http://schemas.openxmlformats.org/drawingml/2006/main" xmlns:r="http://schemas.openxmlformats.org/officeDocument/2006/relationships" xmlns:p="http://schemas.openxmlformats.org/presentationml/2006/main" matchingName="Big number">
   <p:cSld name="BIG_NUMBER">
     <p:bg>
       <p:bgPr>
         <a:solidFill>
           <a:schemeClr val="dk1"/>
         </a:solidFill>
+        <a:effectLst/>
       </p:bgPr>
     </p:bg>
     <p:spTree>
       <p:nvGrpSpPr>
-        <p:cNvPr id="73" name="Shape 73"/>
+        <p:cNvPr id="1" name="Shape 73"/>
         <p:cNvGrpSpPr/>
         <p:nvPr/>
       </p:nvGrpSpPr>
@@ -2154,12 +2212,12 @@
             </a:ln>
           </p:spPr>
           <p:txBody>
-            <a:bodyPr anchorCtr="0" anchor="ctr" bIns="91425" lIns="91425" spcFirstLastPara="1" rIns="91425" wrap="square" tIns="91425">
+            <a:bodyPr spcFirstLastPara="1" wrap="square" lIns="91425" tIns="91425" rIns="91425" bIns="91425" anchor="ctr" anchorCtr="0">
               <a:noAutofit/>
             </a:bodyPr>
             <a:lstStyle/>
             <a:p>
-              <a:pPr indent="0" lvl="0" marL="0" rtl="0" algn="l">
+              <a:pPr marL="0" lvl="0" indent="0" algn="l" rtl="0">
                 <a:spcBef>
                   <a:spcPts val="0"/>
                 </a:spcBef>
@@ -2168,9 +2226,6 @@
                 </a:spcAft>
                 <a:buNone/>
               </a:pPr>
-              <a:r>
-                <a:t/>
-              </a:r>
               <a:endParaRPr/>
             </a:p>
           </p:txBody>
@@ -2197,12 +2252,12 @@
             </a:ln>
           </p:spPr>
           <p:txBody>
-            <a:bodyPr anchorCtr="0" anchor="ctr" bIns="91425" lIns="91425" spcFirstLastPara="1" rIns="91425" wrap="square" tIns="91425">
+            <a:bodyPr spcFirstLastPara="1" wrap="square" lIns="91425" tIns="91425" rIns="91425" bIns="91425" anchor="ctr" anchorCtr="0">
               <a:noAutofit/>
             </a:bodyPr>
             <a:lstStyle/>
             <a:p>
-              <a:pPr indent="0" lvl="0" marL="0" rtl="0" algn="l">
+              <a:pPr marL="0" lvl="0" indent="0" algn="l" rtl="0">
                 <a:spcBef>
                   <a:spcPts val="0"/>
                 </a:spcBef>
@@ -2211,9 +2266,6 @@
                 </a:spcAft>
                 <a:buNone/>
               </a:pPr>
-              <a:r>
-                <a:t/>
-              </a:r>
               <a:endParaRPr/>
             </a:p>
           </p:txBody>
@@ -2222,9 +2274,11 @@
       <p:sp>
         <p:nvSpPr>
           <p:cNvPr id="77" name="Google Shape;77;p11"/>
-          <p:cNvSpPr txBox="1"/>
+          <p:cNvSpPr txBox="1">
+            <a:spLocks noGrp="1"/>
+          </p:cNvSpPr>
           <p:nvPr>
-            <p:ph hasCustomPrompt="1" type="title"/>
+            <p:ph type="title" hasCustomPrompt="1"/>
           </p:nvPr>
         </p:nvSpPr>
         <p:spPr>
@@ -2237,7 +2291,7 @@
           </a:prstGeom>
         </p:spPr>
         <p:txBody>
-          <a:bodyPr anchorCtr="0" anchor="t" bIns="91425" lIns="91425" spcFirstLastPara="1" rIns="91425" wrap="square" tIns="91425">
+          <a:bodyPr spcFirstLastPara="1" wrap="square" lIns="91425" tIns="91425" rIns="91425" bIns="91425" anchor="t" anchorCtr="0">
             <a:noAutofit/>
           </a:bodyPr>
           <a:lstStyle>
@@ -2414,9 +2468,11 @@
       <p:sp>
         <p:nvSpPr>
           <p:cNvPr id="78" name="Google Shape;78;p11"/>
-          <p:cNvSpPr txBox="1"/>
+          <p:cNvSpPr txBox="1">
+            <a:spLocks noGrp="1"/>
+          </p:cNvSpPr>
           <p:nvPr>
-            <p:ph idx="1" type="body"/>
+            <p:ph type="body" idx="1"/>
           </p:nvPr>
         </p:nvSpPr>
         <p:spPr>
@@ -2429,11 +2485,11 @@
           </a:prstGeom>
         </p:spPr>
         <p:txBody>
-          <a:bodyPr anchorCtr="0" anchor="t" bIns="91425" lIns="91425" spcFirstLastPara="1" rIns="91425" wrap="square" tIns="91425">
+          <a:bodyPr spcFirstLastPara="1" wrap="square" lIns="91425" tIns="91425" rIns="91425" bIns="91425" anchor="t" anchorCtr="0">
             <a:noAutofit/>
           </a:bodyPr>
           <a:lstStyle>
-            <a:lvl1pPr indent="-311150" lvl="0" marL="457200">
+            <a:lvl1pPr marL="457200" lvl="0" indent="-311150">
               <a:spcBef>
                 <a:spcPts val="0"/>
               </a:spcBef>
@@ -2451,7 +2507,7 @@
                 </a:solidFill>
               </a:defRPr>
             </a:lvl1pPr>
-            <a:lvl2pPr indent="-298450" lvl="1" marL="914400">
+            <a:lvl2pPr marL="914400" lvl="1" indent="-298450">
               <a:spcBef>
                 <a:spcPts val="1600"/>
               </a:spcBef>
@@ -2469,7 +2525,7 @@
                 </a:solidFill>
               </a:defRPr>
             </a:lvl2pPr>
-            <a:lvl3pPr indent="-298450" lvl="2" marL="1371600">
+            <a:lvl3pPr marL="1371600" lvl="2" indent="-298450">
               <a:spcBef>
                 <a:spcPts val="1600"/>
               </a:spcBef>
@@ -2487,7 +2543,7 @@
                 </a:solidFill>
               </a:defRPr>
             </a:lvl3pPr>
-            <a:lvl4pPr indent="-298450" lvl="3" marL="1828800">
+            <a:lvl4pPr marL="1828800" lvl="3" indent="-298450">
               <a:spcBef>
                 <a:spcPts val="1600"/>
               </a:spcBef>
@@ -2505,7 +2561,7 @@
                 </a:solidFill>
               </a:defRPr>
             </a:lvl4pPr>
-            <a:lvl5pPr indent="-298450" lvl="4" marL="2286000">
+            <a:lvl5pPr marL="2286000" lvl="4" indent="-298450">
               <a:spcBef>
                 <a:spcPts val="1600"/>
               </a:spcBef>
@@ -2523,7 +2579,7 @@
                 </a:solidFill>
               </a:defRPr>
             </a:lvl5pPr>
-            <a:lvl6pPr indent="-298450" lvl="5" marL="2743200">
+            <a:lvl6pPr marL="2743200" lvl="5" indent="-298450">
               <a:spcBef>
                 <a:spcPts val="1600"/>
               </a:spcBef>
@@ -2541,7 +2597,7 @@
                 </a:solidFill>
               </a:defRPr>
             </a:lvl6pPr>
-            <a:lvl7pPr indent="-298450" lvl="6" marL="3200400">
+            <a:lvl7pPr marL="3200400" lvl="6" indent="-298450">
               <a:spcBef>
                 <a:spcPts val="1600"/>
               </a:spcBef>
@@ -2559,7 +2615,7 @@
                 </a:solidFill>
               </a:defRPr>
             </a:lvl7pPr>
-            <a:lvl8pPr indent="-298450" lvl="7" marL="3657600">
+            <a:lvl8pPr marL="3657600" lvl="7" indent="-298450">
               <a:spcBef>
                 <a:spcPts val="1600"/>
               </a:spcBef>
@@ -2577,7 +2633,7 @@
                 </a:solidFill>
               </a:defRPr>
             </a:lvl8pPr>
-            <a:lvl9pPr indent="-298450" lvl="8" marL="4114800">
+            <a:lvl9pPr marL="4114800" lvl="8" indent="-298450">
               <a:spcBef>
                 <a:spcPts val="1600"/>
               </a:spcBef>
@@ -2596,15 +2652,19 @@
               </a:defRPr>
             </a:lvl9pPr>
           </a:lstStyle>
-          <a:p/>
+          <a:p>
+            <a:endParaRPr/>
+          </a:p>
         </p:txBody>
       </p:sp>
       <p:sp>
         <p:nvSpPr>
           <p:cNvPr id="79" name="Google Shape;79;p11"/>
-          <p:cNvSpPr txBox="1"/>
+          <p:cNvSpPr txBox="1">
+            <a:spLocks noGrp="1"/>
+          </p:cNvSpPr>
           <p:nvPr>
-            <p:ph idx="12" type="sldNum"/>
+            <p:ph type="sldNum" idx="12"/>
           </p:nvPr>
         </p:nvSpPr>
         <p:spPr>
@@ -2617,7 +2677,7 @@
           </a:prstGeom>
         </p:spPr>
         <p:txBody>
-          <a:bodyPr anchorCtr="0" anchor="ctr" bIns="91425" lIns="91425" spcFirstLastPara="1" rIns="91425" wrap="square" tIns="91425">
+          <a:bodyPr spcFirstLastPara="1" wrap="square" lIns="91425" tIns="91425" rIns="91425" bIns="91425" anchor="ctr" anchorCtr="0">
             <a:noAutofit/>
           </a:bodyPr>
           <a:lstStyle>
@@ -2695,7 +2755,7 @@
             </a:lvl9pPr>
           </a:lstStyle>
           <a:p>
-            <a:pPr indent="0" lvl="0" marL="0" rtl="0" algn="r">
+            <a:pPr marL="0" lvl="0" indent="0" algn="r" rtl="0">
               <a:spcBef>
                 <a:spcPts val="0"/>
               </a:spcBef>
@@ -2721,11 +2781,11 @@
 </file>
 
 <file path=ppt/slideLayouts/slideLayout11.xml><?xml version="1.0" encoding="utf-8"?>
-<p:sldLayout xmlns:a="http://schemas.openxmlformats.org/drawingml/2006/main" xmlns:r="http://schemas.openxmlformats.org/officeDocument/2006/relationships" xmlns:mc="http://schemas.openxmlformats.org/markup-compatibility/2006" xmlns:mv="urn:schemas-microsoft-com:mac:vml" xmlns:p="http://schemas.openxmlformats.org/presentationml/2006/main" xmlns:c="http://schemas.openxmlformats.org/drawingml/2006/chart" xmlns:dgm="http://schemas.openxmlformats.org/drawingml/2006/diagram" xmlns:o="urn:schemas-microsoft-com:office:office" xmlns:v="urn:schemas-microsoft-com:vml" xmlns:pvml="urn:schemas-microsoft-com:office:powerpoint" xmlns:com="http://schemas.openxmlformats.org/drawingml/2006/compatibility" xmlns:p14="http://schemas.microsoft.com/office/powerpoint/2010/main" xmlns:p15="http://schemas.microsoft.com/office/powerpoint/2012/main" xmlns:ahyp="http://schemas.microsoft.com/office/drawing/2018/hyperlinkcolor" matchingName="Blank" type="blank">
+<p:sldLayout xmlns:a="http://schemas.openxmlformats.org/drawingml/2006/main" xmlns:r="http://schemas.openxmlformats.org/officeDocument/2006/relationships" xmlns:p="http://schemas.openxmlformats.org/presentationml/2006/main" matchingName="Blank" type="blank">
   <p:cSld name="BLANK">
     <p:spTree>
       <p:nvGrpSpPr>
-        <p:cNvPr id="80" name="Shape 80"/>
+        <p:cNvPr id="1" name="Shape 80"/>
         <p:cNvGrpSpPr/>
         <p:nvPr/>
       </p:nvGrpSpPr>
@@ -2740,9 +2800,11 @@
       <p:sp>
         <p:nvSpPr>
           <p:cNvPr id="81" name="Google Shape;81;p12"/>
-          <p:cNvSpPr txBox="1"/>
+          <p:cNvSpPr txBox="1">
+            <a:spLocks noGrp="1"/>
+          </p:cNvSpPr>
           <p:nvPr>
-            <p:ph idx="12" type="sldNum"/>
+            <p:ph type="sldNum" idx="12"/>
           </p:nvPr>
         </p:nvSpPr>
         <p:spPr>
@@ -2755,7 +2817,7 @@
           </a:prstGeom>
         </p:spPr>
         <p:txBody>
-          <a:bodyPr anchorCtr="0" anchor="ctr" bIns="91425" lIns="91425" spcFirstLastPara="1" rIns="91425" wrap="square" tIns="91425">
+          <a:bodyPr spcFirstLastPara="1" wrap="square" lIns="91425" tIns="91425" rIns="91425" bIns="91425" anchor="ctr" anchorCtr="0">
             <a:noAutofit/>
           </a:bodyPr>
           <a:lstStyle>
@@ -2797,7 +2859,7 @@
             </a:lvl9pPr>
           </a:lstStyle>
           <a:p>
-            <a:pPr indent="0" lvl="0" marL="0" rtl="0" algn="r">
+            <a:pPr marL="0" lvl="0" indent="0" algn="r" rtl="0">
               <a:spcBef>
                 <a:spcPts val="0"/>
               </a:spcBef>
@@ -2823,18 +2885,19 @@
 </file>
 
 <file path=ppt/slideLayouts/slideLayout2.xml><?xml version="1.0" encoding="utf-8"?>
-<p:sldLayout xmlns:a="http://schemas.openxmlformats.org/drawingml/2006/main" xmlns:r="http://schemas.openxmlformats.org/officeDocument/2006/relationships" xmlns:mc="http://schemas.openxmlformats.org/markup-compatibility/2006" xmlns:mv="urn:schemas-microsoft-com:mac:vml" xmlns:p="http://schemas.openxmlformats.org/presentationml/2006/main" xmlns:c="http://schemas.openxmlformats.org/drawingml/2006/chart" xmlns:dgm="http://schemas.openxmlformats.org/drawingml/2006/diagram" xmlns:o="urn:schemas-microsoft-com:office:office" xmlns:v="urn:schemas-microsoft-com:vml" xmlns:pvml="urn:schemas-microsoft-com:office:powerpoint" xmlns:com="http://schemas.openxmlformats.org/drawingml/2006/compatibility" xmlns:p14="http://schemas.microsoft.com/office/powerpoint/2010/main" xmlns:p15="http://schemas.microsoft.com/office/powerpoint/2012/main" xmlns:ahyp="http://schemas.microsoft.com/office/drawing/2018/hyperlinkcolor" matchingName="Section header" type="secHead">
+<p:sldLayout xmlns:a="http://schemas.openxmlformats.org/drawingml/2006/main" xmlns:r="http://schemas.openxmlformats.org/officeDocument/2006/relationships" xmlns:p="http://schemas.openxmlformats.org/presentationml/2006/main" matchingName="Section header" type="secHead">
   <p:cSld name="SECTION_HEADER">
     <p:bg>
       <p:bgPr>
         <a:solidFill>
           <a:schemeClr val="dk1"/>
         </a:solidFill>
+        <a:effectLst/>
       </p:bgPr>
     </p:bg>
     <p:spTree>
       <p:nvGrpSpPr>
-        <p:cNvPr id="17" name="Shape 17"/>
+        <p:cNvPr id="1" name="Shape 17"/>
         <p:cNvGrpSpPr/>
         <p:nvPr/>
       </p:nvGrpSpPr>
@@ -2882,12 +2945,12 @@
             </a:ln>
           </p:spPr>
           <p:txBody>
-            <a:bodyPr anchorCtr="0" anchor="ctr" bIns="91425" lIns="91425" spcFirstLastPara="1" rIns="91425" wrap="square" tIns="91425">
+            <a:bodyPr spcFirstLastPara="1" wrap="square" lIns="91425" tIns="91425" rIns="91425" bIns="91425" anchor="ctr" anchorCtr="0">
               <a:noAutofit/>
             </a:bodyPr>
             <a:lstStyle/>
             <a:p>
-              <a:pPr indent="0" lvl="0" marL="0" rtl="0" algn="l">
+              <a:pPr marL="0" lvl="0" indent="0" algn="l" rtl="0">
                 <a:spcBef>
                   <a:spcPts val="0"/>
                 </a:spcBef>
@@ -2896,9 +2959,6 @@
                 </a:spcAft>
                 <a:buNone/>
               </a:pPr>
-              <a:r>
-                <a:t/>
-              </a:r>
               <a:endParaRPr/>
             </a:p>
           </p:txBody>
@@ -2925,12 +2985,12 @@
             </a:ln>
           </p:spPr>
           <p:txBody>
-            <a:bodyPr anchorCtr="0" anchor="ctr" bIns="91425" lIns="91425" spcFirstLastPara="1" rIns="91425" wrap="square" tIns="91425">
+            <a:bodyPr spcFirstLastPara="1" wrap="square" lIns="91425" tIns="91425" rIns="91425" bIns="91425" anchor="ctr" anchorCtr="0">
               <a:noAutofit/>
             </a:bodyPr>
             <a:lstStyle/>
             <a:p>
-              <a:pPr indent="0" lvl="0" marL="0" rtl="0" algn="l">
+              <a:pPr marL="0" lvl="0" indent="0" algn="l" rtl="0">
                 <a:spcBef>
                   <a:spcPts val="0"/>
                 </a:spcBef>
@@ -2939,9 +2999,6 @@
                 </a:spcAft>
                 <a:buNone/>
               </a:pPr>
-              <a:r>
-                <a:t/>
-              </a:r>
               <a:endParaRPr/>
             </a:p>
           </p:txBody>
@@ -2950,7 +3007,9 @@
       <p:sp>
         <p:nvSpPr>
           <p:cNvPr id="21" name="Google Shape;21;p3"/>
-          <p:cNvSpPr txBox="1"/>
+          <p:cNvSpPr txBox="1">
+            <a:spLocks noGrp="1"/>
+          </p:cNvSpPr>
           <p:nvPr>
             <p:ph type="title"/>
           </p:nvPr>
@@ -2965,7 +3024,7 @@
           </a:prstGeom>
         </p:spPr>
         <p:txBody>
-          <a:bodyPr anchorCtr="0" anchor="t" bIns="91425" lIns="91425" spcFirstLastPara="1" rIns="91425" wrap="square" tIns="91425">
+          <a:bodyPr spcFirstLastPara="1" wrap="square" lIns="91425" tIns="91425" rIns="91425" bIns="91425" anchor="t" anchorCtr="0">
             <a:noAutofit/>
           </a:bodyPr>
           <a:lstStyle>
@@ -3132,15 +3191,19 @@
               </a:defRPr>
             </a:lvl9pPr>
           </a:lstStyle>
-          <a:p/>
+          <a:p>
+            <a:endParaRPr/>
+          </a:p>
         </p:txBody>
       </p:sp>
       <p:sp>
         <p:nvSpPr>
           <p:cNvPr id="22" name="Google Shape;22;p3"/>
-          <p:cNvSpPr txBox="1"/>
+          <p:cNvSpPr txBox="1">
+            <a:spLocks noGrp="1"/>
+          </p:cNvSpPr>
           <p:nvPr>
-            <p:ph idx="12" type="sldNum"/>
+            <p:ph type="sldNum" idx="12"/>
           </p:nvPr>
         </p:nvSpPr>
         <p:spPr>
@@ -3153,7 +3216,7 @@
           </a:prstGeom>
         </p:spPr>
         <p:txBody>
-          <a:bodyPr anchorCtr="0" anchor="ctr" bIns="91425" lIns="91425" spcFirstLastPara="1" rIns="91425" wrap="square" tIns="91425">
+          <a:bodyPr spcFirstLastPara="1" wrap="square" lIns="91425" tIns="91425" rIns="91425" bIns="91425" anchor="ctr" anchorCtr="0">
             <a:noAutofit/>
           </a:bodyPr>
           <a:lstStyle>
@@ -3231,7 +3294,7 @@
             </a:lvl9pPr>
           </a:lstStyle>
           <a:p>
-            <a:pPr indent="0" lvl="0" marL="0" rtl="0" algn="r">
+            <a:pPr marL="0" lvl="0" indent="0" algn="r" rtl="0">
               <a:spcBef>
                 <a:spcPts val="0"/>
               </a:spcBef>
@@ -3257,11 +3320,11 @@
 </file>
 
 <file path=ppt/slideLayouts/slideLayout3.xml><?xml version="1.0" encoding="utf-8"?>
-<p:sldLayout xmlns:a="http://schemas.openxmlformats.org/drawingml/2006/main" xmlns:r="http://schemas.openxmlformats.org/officeDocument/2006/relationships" xmlns:mc="http://schemas.openxmlformats.org/markup-compatibility/2006" xmlns:mv="urn:schemas-microsoft-com:mac:vml" xmlns:p="http://schemas.openxmlformats.org/presentationml/2006/main" xmlns:c="http://schemas.openxmlformats.org/drawingml/2006/chart" xmlns:dgm="http://schemas.openxmlformats.org/drawingml/2006/diagram" xmlns:o="urn:schemas-microsoft-com:office:office" xmlns:v="urn:schemas-microsoft-com:vml" xmlns:pvml="urn:schemas-microsoft-com:office:powerpoint" xmlns:com="http://schemas.openxmlformats.org/drawingml/2006/compatibility" xmlns:p14="http://schemas.microsoft.com/office/powerpoint/2010/main" xmlns:p15="http://schemas.microsoft.com/office/powerpoint/2012/main" xmlns:ahyp="http://schemas.microsoft.com/office/drawing/2018/hyperlinkcolor" matchingName="Title and body" type="tx">
+<p:sldLayout xmlns:a="http://schemas.openxmlformats.org/drawingml/2006/main" xmlns:r="http://schemas.openxmlformats.org/officeDocument/2006/relationships" xmlns:p="http://schemas.openxmlformats.org/presentationml/2006/main" matchingName="Title and body" type="tx">
   <p:cSld name="TITLE_AND_BODY">
     <p:spTree>
       <p:nvGrpSpPr>
-        <p:cNvPr id="23" name="Shape 23"/>
+        <p:cNvPr id="1" name="Shape 23"/>
         <p:cNvGrpSpPr/>
         <p:nvPr/>
       </p:nvGrpSpPr>
@@ -3295,12 +3358,12 @@
           </a:ln>
         </p:spPr>
         <p:txBody>
-          <a:bodyPr anchorCtr="0" anchor="ctr" bIns="91425" lIns="91425" spcFirstLastPara="1" rIns="91425" wrap="square" tIns="91425">
+          <a:bodyPr spcFirstLastPara="1" wrap="square" lIns="91425" tIns="91425" rIns="91425" bIns="91425" anchor="ctr" anchorCtr="0">
             <a:noAutofit/>
           </a:bodyPr>
           <a:lstStyle/>
           <a:p>
-            <a:pPr indent="0" lvl="0" marL="0" rtl="0" algn="l">
+            <a:pPr marL="0" lvl="0" indent="0" algn="l" rtl="0">
               <a:spcBef>
                 <a:spcPts val="0"/>
               </a:spcBef>
@@ -3309,9 +3372,6 @@
               </a:spcAft>
               <a:buNone/>
             </a:pPr>
-            <a:r>
-              <a:t/>
-            </a:r>
             <a:endParaRPr/>
           </a:p>
         </p:txBody>
@@ -3352,12 +3412,12 @@
             </a:ln>
           </p:spPr>
           <p:txBody>
-            <a:bodyPr anchorCtr="0" anchor="ctr" bIns="91425" lIns="91425" spcFirstLastPara="1" rIns="91425" wrap="square" tIns="91425">
+            <a:bodyPr spcFirstLastPara="1" wrap="square" lIns="91425" tIns="91425" rIns="91425" bIns="91425" anchor="ctr" anchorCtr="0">
               <a:noAutofit/>
             </a:bodyPr>
             <a:lstStyle/>
             <a:p>
-              <a:pPr indent="0" lvl="0" marL="0" rtl="0" algn="l">
+              <a:pPr marL="0" lvl="0" indent="0" algn="l" rtl="0">
                 <a:spcBef>
                   <a:spcPts val="0"/>
                 </a:spcBef>
@@ -3366,9 +3426,6 @@
                 </a:spcAft>
                 <a:buNone/>
               </a:pPr>
-              <a:r>
-                <a:t/>
-              </a:r>
               <a:endParaRPr/>
             </a:p>
           </p:txBody>
@@ -3395,12 +3452,12 @@
             </a:ln>
           </p:spPr>
           <p:txBody>
-            <a:bodyPr anchorCtr="0" anchor="ctr" bIns="91425" lIns="91425" spcFirstLastPara="1" rIns="91425" wrap="square" tIns="91425">
+            <a:bodyPr spcFirstLastPara="1" wrap="square" lIns="91425" tIns="91425" rIns="91425" bIns="91425" anchor="ctr" anchorCtr="0">
               <a:noAutofit/>
             </a:bodyPr>
             <a:lstStyle/>
             <a:p>
-              <a:pPr indent="0" lvl="0" marL="0" rtl="0" algn="l">
+              <a:pPr marL="0" lvl="0" indent="0" algn="l" rtl="0">
                 <a:spcBef>
                   <a:spcPts val="0"/>
                 </a:spcBef>
@@ -3409,9 +3466,6 @@
                 </a:spcAft>
                 <a:buNone/>
               </a:pPr>
-              <a:r>
-                <a:t/>
-              </a:r>
               <a:endParaRPr/>
             </a:p>
           </p:txBody>
@@ -3420,7 +3474,9 @@
       <p:sp>
         <p:nvSpPr>
           <p:cNvPr id="28" name="Google Shape;28;p4"/>
-          <p:cNvSpPr txBox="1"/>
+          <p:cNvSpPr txBox="1">
+            <a:spLocks noGrp="1"/>
+          </p:cNvSpPr>
           <p:nvPr>
             <p:ph type="title"/>
           </p:nvPr>
@@ -3435,7 +3491,7 @@
           </a:prstGeom>
         </p:spPr>
         <p:txBody>
-          <a:bodyPr anchorCtr="0" anchor="t" bIns="91425" lIns="91425" spcFirstLastPara="1" rIns="91425" wrap="square" tIns="91425">
+          <a:bodyPr spcFirstLastPara="1" wrap="square" lIns="91425" tIns="91425" rIns="91425" bIns="91425" anchor="t" anchorCtr="0">
             <a:noAutofit/>
           </a:bodyPr>
           <a:lstStyle>
@@ -3602,15 +3658,19 @@
               </a:defRPr>
             </a:lvl9pPr>
           </a:lstStyle>
-          <a:p/>
+          <a:p>
+            <a:endParaRPr/>
+          </a:p>
         </p:txBody>
       </p:sp>
       <p:sp>
         <p:nvSpPr>
           <p:cNvPr id="29" name="Google Shape;29;p4"/>
-          <p:cNvSpPr txBox="1"/>
+          <p:cNvSpPr txBox="1">
+            <a:spLocks noGrp="1"/>
+          </p:cNvSpPr>
           <p:nvPr>
-            <p:ph idx="1" type="body"/>
+            <p:ph type="body" idx="1"/>
           </p:nvPr>
         </p:nvSpPr>
         <p:spPr>
@@ -3623,11 +3683,11 @@
           </a:prstGeom>
         </p:spPr>
         <p:txBody>
-          <a:bodyPr anchorCtr="0" anchor="t" bIns="91425" lIns="91425" spcFirstLastPara="1" rIns="91425" wrap="square" tIns="91425">
+          <a:bodyPr spcFirstLastPara="1" wrap="square" lIns="91425" tIns="91425" rIns="91425" bIns="91425" anchor="t" anchorCtr="0">
             <a:noAutofit/>
           </a:bodyPr>
           <a:lstStyle>
-            <a:lvl1pPr indent="-311150" lvl="0" marL="457200">
+            <a:lvl1pPr marL="457200" lvl="0" indent="-311150">
               <a:spcBef>
                 <a:spcPts val="0"/>
               </a:spcBef>
@@ -3638,7 +3698,7 @@
               <a:buChar char="●"/>
               <a:defRPr/>
             </a:lvl1pPr>
-            <a:lvl2pPr indent="-298450" lvl="1" marL="914400">
+            <a:lvl2pPr marL="914400" lvl="1" indent="-298450">
               <a:spcBef>
                 <a:spcPts val="1600"/>
               </a:spcBef>
@@ -3649,7 +3709,7 @@
               <a:buChar char="○"/>
               <a:defRPr/>
             </a:lvl2pPr>
-            <a:lvl3pPr indent="-298450" lvl="2" marL="1371600">
+            <a:lvl3pPr marL="1371600" lvl="2" indent="-298450">
               <a:spcBef>
                 <a:spcPts val="1600"/>
               </a:spcBef>
@@ -3660,7 +3720,7 @@
               <a:buChar char="■"/>
               <a:defRPr/>
             </a:lvl3pPr>
-            <a:lvl4pPr indent="-298450" lvl="3" marL="1828800">
+            <a:lvl4pPr marL="1828800" lvl="3" indent="-298450">
               <a:spcBef>
                 <a:spcPts val="1600"/>
               </a:spcBef>
@@ -3671,7 +3731,7 @@
               <a:buChar char="●"/>
               <a:defRPr/>
             </a:lvl4pPr>
-            <a:lvl5pPr indent="-298450" lvl="4" marL="2286000">
+            <a:lvl5pPr marL="2286000" lvl="4" indent="-298450">
               <a:spcBef>
                 <a:spcPts val="1600"/>
               </a:spcBef>
@@ -3682,7 +3742,7 @@
               <a:buChar char="○"/>
               <a:defRPr/>
             </a:lvl5pPr>
-            <a:lvl6pPr indent="-298450" lvl="5" marL="2743200">
+            <a:lvl6pPr marL="2743200" lvl="5" indent="-298450">
               <a:spcBef>
                 <a:spcPts val="1600"/>
               </a:spcBef>
@@ -3693,7 +3753,7 @@
               <a:buChar char="■"/>
               <a:defRPr/>
             </a:lvl6pPr>
-            <a:lvl7pPr indent="-298450" lvl="6" marL="3200400">
+            <a:lvl7pPr marL="3200400" lvl="6" indent="-298450">
               <a:spcBef>
                 <a:spcPts val="1600"/>
               </a:spcBef>
@@ -3704,7 +3764,7 @@
               <a:buChar char="●"/>
               <a:defRPr/>
             </a:lvl7pPr>
-            <a:lvl8pPr indent="-298450" lvl="7" marL="3657600">
+            <a:lvl8pPr marL="3657600" lvl="7" indent="-298450">
               <a:spcBef>
                 <a:spcPts val="1600"/>
               </a:spcBef>
@@ -3715,7 +3775,7 @@
               <a:buChar char="○"/>
               <a:defRPr/>
             </a:lvl8pPr>
-            <a:lvl9pPr indent="-298450" lvl="8" marL="4114800">
+            <a:lvl9pPr marL="4114800" lvl="8" indent="-298450">
               <a:spcBef>
                 <a:spcPts val="1600"/>
               </a:spcBef>
@@ -3727,15 +3787,19 @@
               <a:defRPr/>
             </a:lvl9pPr>
           </a:lstStyle>
-          <a:p/>
+          <a:p>
+            <a:endParaRPr/>
+          </a:p>
         </p:txBody>
       </p:sp>
       <p:sp>
         <p:nvSpPr>
           <p:cNvPr id="30" name="Google Shape;30;p4"/>
-          <p:cNvSpPr txBox="1"/>
+          <p:cNvSpPr txBox="1">
+            <a:spLocks noGrp="1"/>
+          </p:cNvSpPr>
           <p:nvPr>
-            <p:ph idx="12" type="sldNum"/>
+            <p:ph type="sldNum" idx="12"/>
           </p:nvPr>
         </p:nvSpPr>
         <p:spPr>
@@ -3748,7 +3812,7 @@
           </a:prstGeom>
         </p:spPr>
         <p:txBody>
-          <a:bodyPr anchorCtr="0" anchor="ctr" bIns="91425" lIns="91425" spcFirstLastPara="1" rIns="91425" wrap="square" tIns="91425">
+          <a:bodyPr spcFirstLastPara="1" wrap="square" lIns="91425" tIns="91425" rIns="91425" bIns="91425" anchor="ctr" anchorCtr="0">
             <a:noAutofit/>
           </a:bodyPr>
           <a:lstStyle>
@@ -3790,7 +3854,7 @@
             </a:lvl9pPr>
           </a:lstStyle>
           <a:p>
-            <a:pPr indent="0" lvl="0" marL="0" rtl="0" algn="r">
+            <a:pPr marL="0" lvl="0" indent="0" algn="r" rtl="0">
               <a:spcBef>
                 <a:spcPts val="0"/>
               </a:spcBef>
@@ -3816,11 +3880,11 @@
 </file>
 
 <file path=ppt/slideLayouts/slideLayout4.xml><?xml version="1.0" encoding="utf-8"?>
-<p:sldLayout xmlns:a="http://schemas.openxmlformats.org/drawingml/2006/main" xmlns:r="http://schemas.openxmlformats.org/officeDocument/2006/relationships" xmlns:mc="http://schemas.openxmlformats.org/markup-compatibility/2006" xmlns:mv="urn:schemas-microsoft-com:mac:vml" xmlns:p="http://schemas.openxmlformats.org/presentationml/2006/main" xmlns:c="http://schemas.openxmlformats.org/drawingml/2006/chart" xmlns:dgm="http://schemas.openxmlformats.org/drawingml/2006/diagram" xmlns:o="urn:schemas-microsoft-com:office:office" xmlns:v="urn:schemas-microsoft-com:vml" xmlns:pvml="urn:schemas-microsoft-com:office:powerpoint" xmlns:com="http://schemas.openxmlformats.org/drawingml/2006/compatibility" xmlns:p14="http://schemas.microsoft.com/office/powerpoint/2010/main" xmlns:p15="http://schemas.microsoft.com/office/powerpoint/2012/main" xmlns:ahyp="http://schemas.microsoft.com/office/drawing/2018/hyperlinkcolor" matchingName="Title and two columns" type="twoColTx">
+<p:sldLayout xmlns:a="http://schemas.openxmlformats.org/drawingml/2006/main" xmlns:r="http://schemas.openxmlformats.org/officeDocument/2006/relationships" xmlns:p="http://schemas.openxmlformats.org/presentationml/2006/main" matchingName="Title and two columns" type="twoColTx">
   <p:cSld name="TITLE_AND_TWO_COLUMNS">
     <p:spTree>
       <p:nvGrpSpPr>
-        <p:cNvPr id="31" name="Shape 31"/>
+        <p:cNvPr id="1" name="Shape 31"/>
         <p:cNvGrpSpPr/>
         <p:nvPr/>
       </p:nvGrpSpPr>
@@ -3854,12 +3918,12 @@
           </a:ln>
         </p:spPr>
         <p:txBody>
-          <a:bodyPr anchorCtr="0" anchor="ctr" bIns="91425" lIns="91425" spcFirstLastPara="1" rIns="91425" wrap="square" tIns="91425">
+          <a:bodyPr spcFirstLastPara="1" wrap="square" lIns="91425" tIns="91425" rIns="91425" bIns="91425" anchor="ctr" anchorCtr="0">
             <a:noAutofit/>
           </a:bodyPr>
           <a:lstStyle/>
           <a:p>
-            <a:pPr indent="0" lvl="0" marL="0" rtl="0" algn="l">
+            <a:pPr marL="0" lvl="0" indent="0" algn="l" rtl="0">
               <a:spcBef>
                 <a:spcPts val="0"/>
               </a:spcBef>
@@ -3868,9 +3932,6 @@
               </a:spcAft>
               <a:buNone/>
             </a:pPr>
-            <a:r>
-              <a:t/>
-            </a:r>
             <a:endParaRPr/>
           </a:p>
         </p:txBody>
@@ -3911,12 +3972,12 @@
             </a:ln>
           </p:spPr>
           <p:txBody>
-            <a:bodyPr anchorCtr="0" anchor="ctr" bIns="91425" lIns="91425" spcFirstLastPara="1" rIns="91425" wrap="square" tIns="91425">
+            <a:bodyPr spcFirstLastPara="1" wrap="square" lIns="91425" tIns="91425" rIns="91425" bIns="91425" anchor="ctr" anchorCtr="0">
               <a:noAutofit/>
             </a:bodyPr>
             <a:lstStyle/>
             <a:p>
-              <a:pPr indent="0" lvl="0" marL="0" rtl="0" algn="l">
+              <a:pPr marL="0" lvl="0" indent="0" algn="l" rtl="0">
                 <a:spcBef>
                   <a:spcPts val="0"/>
                 </a:spcBef>
@@ -3925,9 +3986,6 @@
                 </a:spcAft>
                 <a:buNone/>
               </a:pPr>
-              <a:r>
-                <a:t/>
-              </a:r>
               <a:endParaRPr/>
             </a:p>
           </p:txBody>
@@ -3954,12 +4012,12 @@
             </a:ln>
           </p:spPr>
           <p:txBody>
-            <a:bodyPr anchorCtr="0" anchor="ctr" bIns="91425" lIns="91425" spcFirstLastPara="1" rIns="91425" wrap="square" tIns="91425">
+            <a:bodyPr spcFirstLastPara="1" wrap="square" lIns="91425" tIns="91425" rIns="91425" bIns="91425" anchor="ctr" anchorCtr="0">
               <a:noAutofit/>
             </a:bodyPr>
             <a:lstStyle/>
             <a:p>
-              <a:pPr indent="0" lvl="0" marL="0" rtl="0" algn="l">
+              <a:pPr marL="0" lvl="0" indent="0" algn="l" rtl="0">
                 <a:spcBef>
                   <a:spcPts val="0"/>
                 </a:spcBef>
@@ -3968,9 +4026,6 @@
                 </a:spcAft>
                 <a:buNone/>
               </a:pPr>
-              <a:r>
-                <a:t/>
-              </a:r>
               <a:endParaRPr/>
             </a:p>
           </p:txBody>
@@ -3979,7 +4034,9 @@
       <p:sp>
         <p:nvSpPr>
           <p:cNvPr id="36" name="Google Shape;36;p5"/>
-          <p:cNvSpPr txBox="1"/>
+          <p:cNvSpPr txBox="1">
+            <a:spLocks noGrp="1"/>
+          </p:cNvSpPr>
           <p:nvPr>
             <p:ph type="title"/>
           </p:nvPr>
@@ -3994,7 +4051,7 @@
           </a:prstGeom>
         </p:spPr>
         <p:txBody>
-          <a:bodyPr anchorCtr="0" anchor="t" bIns="91425" lIns="91425" spcFirstLastPara="1" rIns="91425" wrap="square" tIns="91425">
+          <a:bodyPr spcFirstLastPara="1" wrap="square" lIns="91425" tIns="91425" rIns="91425" bIns="91425" anchor="t" anchorCtr="0">
             <a:noAutofit/>
           </a:bodyPr>
           <a:lstStyle>
@@ -4161,15 +4218,19 @@
               </a:defRPr>
             </a:lvl9pPr>
           </a:lstStyle>
-          <a:p/>
+          <a:p>
+            <a:endParaRPr/>
+          </a:p>
         </p:txBody>
       </p:sp>
       <p:sp>
         <p:nvSpPr>
           <p:cNvPr id="37" name="Google Shape;37;p5"/>
-          <p:cNvSpPr txBox="1"/>
+          <p:cNvSpPr txBox="1">
+            <a:spLocks noGrp="1"/>
+          </p:cNvSpPr>
           <p:nvPr>
-            <p:ph idx="1" type="body"/>
+            <p:ph type="body" idx="1"/>
           </p:nvPr>
         </p:nvSpPr>
         <p:spPr>
@@ -4182,11 +4243,11 @@
           </a:prstGeom>
         </p:spPr>
         <p:txBody>
-          <a:bodyPr anchorCtr="0" anchor="t" bIns="91425" lIns="91425" spcFirstLastPara="1" rIns="91425" wrap="square" tIns="91425">
+          <a:bodyPr spcFirstLastPara="1" wrap="square" lIns="91425" tIns="91425" rIns="91425" bIns="91425" anchor="t" anchorCtr="0">
             <a:noAutofit/>
           </a:bodyPr>
           <a:lstStyle>
-            <a:lvl1pPr indent="-311150" lvl="0" marL="457200">
+            <a:lvl1pPr marL="457200" lvl="0" indent="-311150">
               <a:spcBef>
                 <a:spcPts val="0"/>
               </a:spcBef>
@@ -4197,7 +4258,7 @@
               <a:buChar char="●"/>
               <a:defRPr/>
             </a:lvl1pPr>
-            <a:lvl2pPr indent="-298450" lvl="1" marL="914400">
+            <a:lvl2pPr marL="914400" lvl="1" indent="-298450">
               <a:spcBef>
                 <a:spcPts val="1600"/>
               </a:spcBef>
@@ -4208,7 +4269,7 @@
               <a:buChar char="○"/>
               <a:defRPr/>
             </a:lvl2pPr>
-            <a:lvl3pPr indent="-298450" lvl="2" marL="1371600">
+            <a:lvl3pPr marL="1371600" lvl="2" indent="-298450">
               <a:spcBef>
                 <a:spcPts val="1600"/>
               </a:spcBef>
@@ -4219,7 +4280,7 @@
               <a:buChar char="■"/>
               <a:defRPr/>
             </a:lvl3pPr>
-            <a:lvl4pPr indent="-298450" lvl="3" marL="1828800">
+            <a:lvl4pPr marL="1828800" lvl="3" indent="-298450">
               <a:spcBef>
                 <a:spcPts val="1600"/>
               </a:spcBef>
@@ -4230,7 +4291,7 @@
               <a:buChar char="●"/>
               <a:defRPr/>
             </a:lvl4pPr>
-            <a:lvl5pPr indent="-298450" lvl="4" marL="2286000">
+            <a:lvl5pPr marL="2286000" lvl="4" indent="-298450">
               <a:spcBef>
                 <a:spcPts val="1600"/>
               </a:spcBef>
@@ -4241,7 +4302,7 @@
               <a:buChar char="○"/>
               <a:defRPr/>
             </a:lvl5pPr>
-            <a:lvl6pPr indent="-298450" lvl="5" marL="2743200">
+            <a:lvl6pPr marL="2743200" lvl="5" indent="-298450">
               <a:spcBef>
                 <a:spcPts val="1600"/>
               </a:spcBef>
@@ -4252,7 +4313,7 @@
               <a:buChar char="■"/>
               <a:defRPr/>
             </a:lvl6pPr>
-            <a:lvl7pPr indent="-298450" lvl="6" marL="3200400">
+            <a:lvl7pPr marL="3200400" lvl="6" indent="-298450">
               <a:spcBef>
                 <a:spcPts val="1600"/>
               </a:spcBef>
@@ -4263,7 +4324,7 @@
               <a:buChar char="●"/>
               <a:defRPr/>
             </a:lvl7pPr>
-            <a:lvl8pPr indent="-298450" lvl="7" marL="3657600">
+            <a:lvl8pPr marL="3657600" lvl="7" indent="-298450">
               <a:spcBef>
                 <a:spcPts val="1600"/>
               </a:spcBef>
@@ -4274,7 +4335,7 @@
               <a:buChar char="○"/>
               <a:defRPr/>
             </a:lvl8pPr>
-            <a:lvl9pPr indent="-298450" lvl="8" marL="4114800">
+            <a:lvl9pPr marL="4114800" lvl="8" indent="-298450">
               <a:spcBef>
                 <a:spcPts val="1600"/>
               </a:spcBef>
@@ -4286,15 +4347,19 @@
               <a:defRPr/>
             </a:lvl9pPr>
           </a:lstStyle>
-          <a:p/>
+          <a:p>
+            <a:endParaRPr/>
+          </a:p>
         </p:txBody>
       </p:sp>
       <p:sp>
         <p:nvSpPr>
           <p:cNvPr id="38" name="Google Shape;38;p5"/>
-          <p:cNvSpPr txBox="1"/>
+          <p:cNvSpPr txBox="1">
+            <a:spLocks noGrp="1"/>
+          </p:cNvSpPr>
           <p:nvPr>
-            <p:ph idx="2" type="body"/>
+            <p:ph type="body" idx="2"/>
           </p:nvPr>
         </p:nvSpPr>
         <p:spPr>
@@ -4307,11 +4372,11 @@
           </a:prstGeom>
         </p:spPr>
         <p:txBody>
-          <a:bodyPr anchorCtr="0" anchor="t" bIns="91425" lIns="91425" spcFirstLastPara="1" rIns="91425" wrap="square" tIns="91425">
+          <a:bodyPr spcFirstLastPara="1" wrap="square" lIns="91425" tIns="91425" rIns="91425" bIns="91425" anchor="t" anchorCtr="0">
             <a:noAutofit/>
           </a:bodyPr>
           <a:lstStyle>
-            <a:lvl1pPr indent="-311150" lvl="0" marL="457200">
+            <a:lvl1pPr marL="457200" lvl="0" indent="-311150">
               <a:spcBef>
                 <a:spcPts val="0"/>
               </a:spcBef>
@@ -4322,7 +4387,7 @@
               <a:buChar char="●"/>
               <a:defRPr/>
             </a:lvl1pPr>
-            <a:lvl2pPr indent="-298450" lvl="1" marL="914400">
+            <a:lvl2pPr marL="914400" lvl="1" indent="-298450">
               <a:spcBef>
                 <a:spcPts val="1600"/>
               </a:spcBef>
@@ -4333,7 +4398,7 @@
               <a:buChar char="○"/>
               <a:defRPr/>
             </a:lvl2pPr>
-            <a:lvl3pPr indent="-298450" lvl="2" marL="1371600">
+            <a:lvl3pPr marL="1371600" lvl="2" indent="-298450">
               <a:spcBef>
                 <a:spcPts val="1600"/>
               </a:spcBef>
@@ -4344,7 +4409,7 @@
               <a:buChar char="■"/>
               <a:defRPr/>
             </a:lvl3pPr>
-            <a:lvl4pPr indent="-298450" lvl="3" marL="1828800">
+            <a:lvl4pPr marL="1828800" lvl="3" indent="-298450">
               <a:spcBef>
                 <a:spcPts val="1600"/>
               </a:spcBef>
@@ -4355,7 +4420,7 @@
               <a:buChar char="●"/>
               <a:defRPr/>
             </a:lvl4pPr>
-            <a:lvl5pPr indent="-298450" lvl="4" marL="2286000">
+            <a:lvl5pPr marL="2286000" lvl="4" indent="-298450">
               <a:spcBef>
                 <a:spcPts val="1600"/>
               </a:spcBef>
@@ -4366,7 +4431,7 @@
               <a:buChar char="○"/>
               <a:defRPr/>
             </a:lvl5pPr>
-            <a:lvl6pPr indent="-298450" lvl="5" marL="2743200">
+            <a:lvl6pPr marL="2743200" lvl="5" indent="-298450">
               <a:spcBef>
                 <a:spcPts val="1600"/>
               </a:spcBef>
@@ -4377,7 +4442,7 @@
               <a:buChar char="■"/>
               <a:defRPr/>
             </a:lvl6pPr>
-            <a:lvl7pPr indent="-298450" lvl="6" marL="3200400">
+            <a:lvl7pPr marL="3200400" lvl="6" indent="-298450">
               <a:spcBef>
                 <a:spcPts val="1600"/>
               </a:spcBef>
@@ -4388,7 +4453,7 @@
               <a:buChar char="●"/>
               <a:defRPr/>
             </a:lvl7pPr>
-            <a:lvl8pPr indent="-298450" lvl="7" marL="3657600">
+            <a:lvl8pPr marL="3657600" lvl="7" indent="-298450">
               <a:spcBef>
                 <a:spcPts val="1600"/>
               </a:spcBef>
@@ -4399,7 +4464,7 @@
               <a:buChar char="○"/>
               <a:defRPr/>
             </a:lvl8pPr>
-            <a:lvl9pPr indent="-298450" lvl="8" marL="4114800">
+            <a:lvl9pPr marL="4114800" lvl="8" indent="-298450">
               <a:spcBef>
                 <a:spcPts val="1600"/>
               </a:spcBef>
@@ -4411,15 +4476,19 @@
               <a:defRPr/>
             </a:lvl9pPr>
           </a:lstStyle>
-          <a:p/>
+          <a:p>
+            <a:endParaRPr/>
+          </a:p>
         </p:txBody>
       </p:sp>
       <p:sp>
         <p:nvSpPr>
           <p:cNvPr id="39" name="Google Shape;39;p5"/>
-          <p:cNvSpPr txBox="1"/>
+          <p:cNvSpPr txBox="1">
+            <a:spLocks noGrp="1"/>
+          </p:cNvSpPr>
           <p:nvPr>
-            <p:ph idx="12" type="sldNum"/>
+            <p:ph type="sldNum" idx="12"/>
           </p:nvPr>
         </p:nvSpPr>
         <p:spPr>
@@ -4432,7 +4501,7 @@
           </a:prstGeom>
         </p:spPr>
         <p:txBody>
-          <a:bodyPr anchorCtr="0" anchor="ctr" bIns="91425" lIns="91425" spcFirstLastPara="1" rIns="91425" wrap="square" tIns="91425">
+          <a:bodyPr spcFirstLastPara="1" wrap="square" lIns="91425" tIns="91425" rIns="91425" bIns="91425" anchor="ctr" anchorCtr="0">
             <a:noAutofit/>
           </a:bodyPr>
           <a:lstStyle>
@@ -4474,7 +4543,7 @@
             </a:lvl9pPr>
           </a:lstStyle>
           <a:p>
-            <a:pPr indent="0" lvl="0" marL="0" rtl="0" algn="r">
+            <a:pPr marL="0" lvl="0" indent="0" algn="r" rtl="0">
               <a:spcBef>
                 <a:spcPts val="0"/>
               </a:spcBef>
@@ -4500,11 +4569,11 @@
 </file>
 
 <file path=ppt/slideLayouts/slideLayout5.xml><?xml version="1.0" encoding="utf-8"?>
-<p:sldLayout xmlns:a="http://schemas.openxmlformats.org/drawingml/2006/main" xmlns:r="http://schemas.openxmlformats.org/officeDocument/2006/relationships" xmlns:mc="http://schemas.openxmlformats.org/markup-compatibility/2006" xmlns:mv="urn:schemas-microsoft-com:mac:vml" xmlns:p="http://schemas.openxmlformats.org/presentationml/2006/main" xmlns:c="http://schemas.openxmlformats.org/drawingml/2006/chart" xmlns:dgm="http://schemas.openxmlformats.org/drawingml/2006/diagram" xmlns:o="urn:schemas-microsoft-com:office:office" xmlns:v="urn:schemas-microsoft-com:vml" xmlns:pvml="urn:schemas-microsoft-com:office:powerpoint" xmlns:com="http://schemas.openxmlformats.org/drawingml/2006/compatibility" xmlns:p14="http://schemas.microsoft.com/office/powerpoint/2010/main" xmlns:p15="http://schemas.microsoft.com/office/powerpoint/2012/main" xmlns:ahyp="http://schemas.microsoft.com/office/drawing/2018/hyperlinkcolor" matchingName="Title only" type="titleOnly">
+<p:sldLayout xmlns:a="http://schemas.openxmlformats.org/drawingml/2006/main" xmlns:r="http://schemas.openxmlformats.org/officeDocument/2006/relationships" xmlns:p="http://schemas.openxmlformats.org/presentationml/2006/main" matchingName="Title only" type="titleOnly">
   <p:cSld name="TITLE_ONLY">
     <p:spTree>
       <p:nvGrpSpPr>
-        <p:cNvPr id="40" name="Shape 40"/>
+        <p:cNvPr id="1" name="Shape 40"/>
         <p:cNvGrpSpPr/>
         <p:nvPr/>
       </p:nvGrpSpPr>
@@ -4538,12 +4607,12 @@
           </a:ln>
         </p:spPr>
         <p:txBody>
-          <a:bodyPr anchorCtr="0" anchor="ctr" bIns="91425" lIns="91425" spcFirstLastPara="1" rIns="91425" wrap="square" tIns="91425">
+          <a:bodyPr spcFirstLastPara="1" wrap="square" lIns="91425" tIns="91425" rIns="91425" bIns="91425" anchor="ctr" anchorCtr="0">
             <a:noAutofit/>
           </a:bodyPr>
           <a:lstStyle/>
           <a:p>
-            <a:pPr indent="0" lvl="0" marL="0" rtl="0" algn="l">
+            <a:pPr marL="0" lvl="0" indent="0" algn="l" rtl="0">
               <a:spcBef>
                 <a:spcPts val="0"/>
               </a:spcBef>
@@ -4552,9 +4621,6 @@
               </a:spcAft>
               <a:buNone/>
             </a:pPr>
-            <a:r>
-              <a:t/>
-            </a:r>
             <a:endParaRPr/>
           </a:p>
         </p:txBody>
@@ -4595,12 +4661,12 @@
             </a:ln>
           </p:spPr>
           <p:txBody>
-            <a:bodyPr anchorCtr="0" anchor="ctr" bIns="91425" lIns="91425" spcFirstLastPara="1" rIns="91425" wrap="square" tIns="91425">
+            <a:bodyPr spcFirstLastPara="1" wrap="square" lIns="91425" tIns="91425" rIns="91425" bIns="91425" anchor="ctr" anchorCtr="0">
               <a:noAutofit/>
             </a:bodyPr>
             <a:lstStyle/>
             <a:p>
-              <a:pPr indent="0" lvl="0" marL="0" rtl="0" algn="l">
+              <a:pPr marL="0" lvl="0" indent="0" algn="l" rtl="0">
                 <a:spcBef>
                   <a:spcPts val="0"/>
                 </a:spcBef>
@@ -4609,9 +4675,6 @@
                 </a:spcAft>
                 <a:buNone/>
               </a:pPr>
-              <a:r>
-                <a:t/>
-              </a:r>
               <a:endParaRPr/>
             </a:p>
           </p:txBody>
@@ -4638,12 +4701,12 @@
             </a:ln>
           </p:spPr>
           <p:txBody>
-            <a:bodyPr anchorCtr="0" anchor="ctr" bIns="91425" lIns="91425" spcFirstLastPara="1" rIns="91425" wrap="square" tIns="91425">
+            <a:bodyPr spcFirstLastPara="1" wrap="square" lIns="91425" tIns="91425" rIns="91425" bIns="91425" anchor="ctr" anchorCtr="0">
               <a:noAutofit/>
             </a:bodyPr>
             <a:lstStyle/>
             <a:p>
-              <a:pPr indent="0" lvl="0" marL="0" rtl="0" algn="l">
+              <a:pPr marL="0" lvl="0" indent="0" algn="l" rtl="0">
                 <a:spcBef>
                   <a:spcPts val="0"/>
                 </a:spcBef>
@@ -4652,9 +4715,6 @@
                 </a:spcAft>
                 <a:buNone/>
               </a:pPr>
-              <a:r>
-                <a:t/>
-              </a:r>
               <a:endParaRPr/>
             </a:p>
           </p:txBody>
@@ -4663,7 +4723,9 @@
       <p:sp>
         <p:nvSpPr>
           <p:cNvPr id="45" name="Google Shape;45;p6"/>
-          <p:cNvSpPr txBox="1"/>
+          <p:cNvSpPr txBox="1">
+            <a:spLocks noGrp="1"/>
+          </p:cNvSpPr>
           <p:nvPr>
             <p:ph type="title"/>
           </p:nvPr>
@@ -4678,7 +4740,7 @@
           </a:prstGeom>
         </p:spPr>
         <p:txBody>
-          <a:bodyPr anchorCtr="0" anchor="t" bIns="91425" lIns="91425" spcFirstLastPara="1" rIns="91425" wrap="square" tIns="91425">
+          <a:bodyPr spcFirstLastPara="1" wrap="square" lIns="91425" tIns="91425" rIns="91425" bIns="91425" anchor="t" anchorCtr="0">
             <a:noAutofit/>
           </a:bodyPr>
           <a:lstStyle>
@@ -4845,15 +4907,19 @@
               </a:defRPr>
             </a:lvl9pPr>
           </a:lstStyle>
-          <a:p/>
+          <a:p>
+            <a:endParaRPr/>
+          </a:p>
         </p:txBody>
       </p:sp>
       <p:sp>
         <p:nvSpPr>
           <p:cNvPr id="46" name="Google Shape;46;p6"/>
-          <p:cNvSpPr txBox="1"/>
+          <p:cNvSpPr txBox="1">
+            <a:spLocks noGrp="1"/>
+          </p:cNvSpPr>
           <p:nvPr>
-            <p:ph idx="12" type="sldNum"/>
+            <p:ph type="sldNum" idx="12"/>
           </p:nvPr>
         </p:nvSpPr>
         <p:spPr>
@@ -4866,7 +4932,7 @@
           </a:prstGeom>
         </p:spPr>
         <p:txBody>
-          <a:bodyPr anchorCtr="0" anchor="ctr" bIns="91425" lIns="91425" spcFirstLastPara="1" rIns="91425" wrap="square" tIns="91425">
+          <a:bodyPr spcFirstLastPara="1" wrap="square" lIns="91425" tIns="91425" rIns="91425" bIns="91425" anchor="ctr" anchorCtr="0">
             <a:noAutofit/>
           </a:bodyPr>
           <a:lstStyle>
@@ -4908,7 +4974,7 @@
             </a:lvl9pPr>
           </a:lstStyle>
           <a:p>
-            <a:pPr indent="0" lvl="0" marL="0" rtl="0" algn="r">
+            <a:pPr marL="0" lvl="0" indent="0" algn="r" rtl="0">
               <a:spcBef>
                 <a:spcPts val="0"/>
               </a:spcBef>
@@ -4934,11 +5000,11 @@
 </file>
 
 <file path=ppt/slideLayouts/slideLayout6.xml><?xml version="1.0" encoding="utf-8"?>
-<p:sldLayout xmlns:a="http://schemas.openxmlformats.org/drawingml/2006/main" xmlns:r="http://schemas.openxmlformats.org/officeDocument/2006/relationships" xmlns:mc="http://schemas.openxmlformats.org/markup-compatibility/2006" xmlns:mv="urn:schemas-microsoft-com:mac:vml" xmlns:p="http://schemas.openxmlformats.org/presentationml/2006/main" xmlns:c="http://schemas.openxmlformats.org/drawingml/2006/chart" xmlns:dgm="http://schemas.openxmlformats.org/drawingml/2006/diagram" xmlns:o="urn:schemas-microsoft-com:office:office" xmlns:v="urn:schemas-microsoft-com:vml" xmlns:pvml="urn:schemas-microsoft-com:office:powerpoint" xmlns:com="http://schemas.openxmlformats.org/drawingml/2006/compatibility" xmlns:p14="http://schemas.microsoft.com/office/powerpoint/2010/main" xmlns:p15="http://schemas.microsoft.com/office/powerpoint/2012/main" xmlns:ahyp="http://schemas.microsoft.com/office/drawing/2018/hyperlinkcolor" matchingName="One column text">
+<p:sldLayout xmlns:a="http://schemas.openxmlformats.org/drawingml/2006/main" xmlns:r="http://schemas.openxmlformats.org/officeDocument/2006/relationships" xmlns:p="http://schemas.openxmlformats.org/presentationml/2006/main" matchingName="One column text">
   <p:cSld name="ONE_COLUMN_TEXT">
     <p:spTree>
       <p:nvGrpSpPr>
-        <p:cNvPr id="47" name="Shape 47"/>
+        <p:cNvPr id="1" name="Shape 47"/>
         <p:cNvGrpSpPr/>
         <p:nvPr/>
       </p:nvGrpSpPr>
@@ -4972,12 +5038,12 @@
           </a:ln>
         </p:spPr>
         <p:txBody>
-          <a:bodyPr anchorCtr="0" anchor="ctr" bIns="91425" lIns="91425" spcFirstLastPara="1" rIns="91425" wrap="square" tIns="91425">
+          <a:bodyPr spcFirstLastPara="1" wrap="square" lIns="91425" tIns="91425" rIns="91425" bIns="91425" anchor="ctr" anchorCtr="0">
             <a:noAutofit/>
           </a:bodyPr>
           <a:lstStyle/>
           <a:p>
-            <a:pPr indent="0" lvl="0" marL="0" rtl="0" algn="l">
+            <a:pPr marL="0" lvl="0" indent="0" algn="l" rtl="0">
               <a:spcBef>
                 <a:spcPts val="0"/>
               </a:spcBef>
@@ -4986,9 +5052,6 @@
               </a:spcAft>
               <a:buNone/>
             </a:pPr>
-            <a:r>
-              <a:t/>
-            </a:r>
             <a:endParaRPr/>
           </a:p>
         </p:txBody>
@@ -5029,12 +5092,12 @@
             </a:ln>
           </p:spPr>
           <p:txBody>
-            <a:bodyPr anchorCtr="0" anchor="ctr" bIns="91425" lIns="91425" spcFirstLastPara="1" rIns="91425" wrap="square" tIns="91425">
+            <a:bodyPr spcFirstLastPara="1" wrap="square" lIns="91425" tIns="91425" rIns="91425" bIns="91425" anchor="ctr" anchorCtr="0">
               <a:noAutofit/>
             </a:bodyPr>
             <a:lstStyle/>
             <a:p>
-              <a:pPr indent="0" lvl="0" marL="0" rtl="0" algn="l">
+              <a:pPr marL="0" lvl="0" indent="0" algn="l" rtl="0">
                 <a:spcBef>
                   <a:spcPts val="0"/>
                 </a:spcBef>
@@ -5043,9 +5106,6 @@
                 </a:spcAft>
                 <a:buNone/>
               </a:pPr>
-              <a:r>
-                <a:t/>
-              </a:r>
               <a:endParaRPr/>
             </a:p>
           </p:txBody>
@@ -5072,12 +5132,12 @@
             </a:ln>
           </p:spPr>
           <p:txBody>
-            <a:bodyPr anchorCtr="0" anchor="ctr" bIns="91425" lIns="91425" spcFirstLastPara="1" rIns="91425" wrap="square" tIns="91425">
+            <a:bodyPr spcFirstLastPara="1" wrap="square" lIns="91425" tIns="91425" rIns="91425" bIns="91425" anchor="ctr" anchorCtr="0">
               <a:noAutofit/>
             </a:bodyPr>
             <a:lstStyle/>
             <a:p>
-              <a:pPr indent="0" lvl="0" marL="0" rtl="0" algn="l">
+              <a:pPr marL="0" lvl="0" indent="0" algn="l" rtl="0">
                 <a:spcBef>
                   <a:spcPts val="0"/>
                 </a:spcBef>
@@ -5086,9 +5146,6 @@
                 </a:spcAft>
                 <a:buNone/>
               </a:pPr>
-              <a:r>
-                <a:t/>
-              </a:r>
               <a:endParaRPr/>
             </a:p>
           </p:txBody>
@@ -5097,7 +5154,9 @@
       <p:sp>
         <p:nvSpPr>
           <p:cNvPr id="52" name="Google Shape;52;p7"/>
-          <p:cNvSpPr txBox="1"/>
+          <p:cNvSpPr txBox="1">
+            <a:spLocks noGrp="1"/>
+          </p:cNvSpPr>
           <p:nvPr>
             <p:ph type="title"/>
           </p:nvPr>
@@ -5112,7 +5171,7 @@
           </a:prstGeom>
         </p:spPr>
         <p:txBody>
-          <a:bodyPr anchorCtr="0" anchor="t" bIns="91425" lIns="91425" spcFirstLastPara="1" rIns="91425" wrap="square" tIns="91425">
+          <a:bodyPr spcFirstLastPara="1" wrap="square" lIns="91425" tIns="91425" rIns="91425" bIns="91425" anchor="t" anchorCtr="0">
             <a:noAutofit/>
           </a:bodyPr>
           <a:lstStyle>
@@ -5279,15 +5338,19 @@
               </a:defRPr>
             </a:lvl9pPr>
           </a:lstStyle>
-          <a:p/>
+          <a:p>
+            <a:endParaRPr/>
+          </a:p>
         </p:txBody>
       </p:sp>
       <p:sp>
         <p:nvSpPr>
           <p:cNvPr id="53" name="Google Shape;53;p7"/>
-          <p:cNvSpPr txBox="1"/>
+          <p:cNvSpPr txBox="1">
+            <a:spLocks noGrp="1"/>
+          </p:cNvSpPr>
           <p:nvPr>
-            <p:ph idx="1" type="body"/>
+            <p:ph type="body" idx="1"/>
           </p:nvPr>
         </p:nvSpPr>
         <p:spPr>
@@ -5300,11 +5363,11 @@
           </a:prstGeom>
         </p:spPr>
         <p:txBody>
-          <a:bodyPr anchorCtr="0" anchor="t" bIns="91425" lIns="91425" spcFirstLastPara="1" rIns="91425" wrap="square" tIns="91425">
+          <a:bodyPr spcFirstLastPara="1" wrap="square" lIns="91425" tIns="91425" rIns="91425" bIns="91425" anchor="t" anchorCtr="0">
             <a:noAutofit/>
           </a:bodyPr>
           <a:lstStyle>
-            <a:lvl1pPr indent="-311150" lvl="0" marL="457200">
+            <a:lvl1pPr marL="457200" lvl="0" indent="-311150">
               <a:spcBef>
                 <a:spcPts val="0"/>
               </a:spcBef>
@@ -5315,7 +5378,7 @@
               <a:buChar char="●"/>
               <a:defRPr/>
             </a:lvl1pPr>
-            <a:lvl2pPr indent="-298450" lvl="1" marL="914400">
+            <a:lvl2pPr marL="914400" lvl="1" indent="-298450">
               <a:spcBef>
                 <a:spcPts val="1600"/>
               </a:spcBef>
@@ -5326,7 +5389,7 @@
               <a:buChar char="○"/>
               <a:defRPr/>
             </a:lvl2pPr>
-            <a:lvl3pPr indent="-298450" lvl="2" marL="1371600">
+            <a:lvl3pPr marL="1371600" lvl="2" indent="-298450">
               <a:spcBef>
                 <a:spcPts val="1600"/>
               </a:spcBef>
@@ -5337,7 +5400,7 @@
               <a:buChar char="■"/>
               <a:defRPr/>
             </a:lvl3pPr>
-            <a:lvl4pPr indent="-298450" lvl="3" marL="1828800">
+            <a:lvl4pPr marL="1828800" lvl="3" indent="-298450">
               <a:spcBef>
                 <a:spcPts val="1600"/>
               </a:spcBef>
@@ -5348,7 +5411,7 @@
               <a:buChar char="●"/>
               <a:defRPr/>
             </a:lvl4pPr>
-            <a:lvl5pPr indent="-298450" lvl="4" marL="2286000">
+            <a:lvl5pPr marL="2286000" lvl="4" indent="-298450">
               <a:spcBef>
                 <a:spcPts val="1600"/>
               </a:spcBef>
@@ -5359,7 +5422,7 @@
               <a:buChar char="○"/>
               <a:defRPr/>
             </a:lvl5pPr>
-            <a:lvl6pPr indent="-298450" lvl="5" marL="2743200">
+            <a:lvl6pPr marL="2743200" lvl="5" indent="-298450">
               <a:spcBef>
                 <a:spcPts val="1600"/>
               </a:spcBef>
@@ -5370,7 +5433,7 @@
               <a:buChar char="■"/>
               <a:defRPr/>
             </a:lvl6pPr>
-            <a:lvl7pPr indent="-298450" lvl="6" marL="3200400">
+            <a:lvl7pPr marL="3200400" lvl="6" indent="-298450">
               <a:spcBef>
                 <a:spcPts val="1600"/>
               </a:spcBef>
@@ -5381,7 +5444,7 @@
               <a:buChar char="●"/>
               <a:defRPr/>
             </a:lvl7pPr>
-            <a:lvl8pPr indent="-298450" lvl="7" marL="3657600">
+            <a:lvl8pPr marL="3657600" lvl="7" indent="-298450">
               <a:spcBef>
                 <a:spcPts val="1600"/>
               </a:spcBef>
@@ -5392,7 +5455,7 @@
               <a:buChar char="○"/>
               <a:defRPr/>
             </a:lvl8pPr>
-            <a:lvl9pPr indent="-298450" lvl="8" marL="4114800">
+            <a:lvl9pPr marL="4114800" lvl="8" indent="-298450">
               <a:spcBef>
                 <a:spcPts val="1600"/>
               </a:spcBef>
@@ -5404,15 +5467,19 @@
               <a:defRPr/>
             </a:lvl9pPr>
           </a:lstStyle>
-          <a:p/>
+          <a:p>
+            <a:endParaRPr/>
+          </a:p>
         </p:txBody>
       </p:sp>
       <p:sp>
         <p:nvSpPr>
           <p:cNvPr id="54" name="Google Shape;54;p7"/>
-          <p:cNvSpPr txBox="1"/>
+          <p:cNvSpPr txBox="1">
+            <a:spLocks noGrp="1"/>
+          </p:cNvSpPr>
           <p:nvPr>
-            <p:ph idx="12" type="sldNum"/>
+            <p:ph type="sldNum" idx="12"/>
           </p:nvPr>
         </p:nvSpPr>
         <p:spPr>
@@ -5425,7 +5492,7 @@
           </a:prstGeom>
         </p:spPr>
         <p:txBody>
-          <a:bodyPr anchorCtr="0" anchor="ctr" bIns="91425" lIns="91425" spcFirstLastPara="1" rIns="91425" wrap="square" tIns="91425">
+          <a:bodyPr spcFirstLastPara="1" wrap="square" lIns="91425" tIns="91425" rIns="91425" bIns="91425" anchor="ctr" anchorCtr="0">
             <a:noAutofit/>
           </a:bodyPr>
           <a:lstStyle>
@@ -5467,7 +5534,7 @@
             </a:lvl9pPr>
           </a:lstStyle>
           <a:p>
-            <a:pPr indent="0" lvl="0" marL="0" rtl="0" algn="r">
+            <a:pPr marL="0" lvl="0" indent="0" algn="r" rtl="0">
               <a:spcBef>
                 <a:spcPts val="0"/>
               </a:spcBef>
@@ -5493,18 +5560,19 @@
 </file>
 
 <file path=ppt/slideLayouts/slideLayout7.xml><?xml version="1.0" encoding="utf-8"?>
-<p:sldLayout xmlns:a="http://schemas.openxmlformats.org/drawingml/2006/main" xmlns:r="http://schemas.openxmlformats.org/officeDocument/2006/relationships" xmlns:mc="http://schemas.openxmlformats.org/markup-compatibility/2006" xmlns:mv="urn:schemas-microsoft-com:mac:vml" xmlns:p="http://schemas.openxmlformats.org/presentationml/2006/main" xmlns:c="http://schemas.openxmlformats.org/drawingml/2006/chart" xmlns:dgm="http://schemas.openxmlformats.org/drawingml/2006/diagram" xmlns:o="urn:schemas-microsoft-com:office:office" xmlns:v="urn:schemas-microsoft-com:vml" xmlns:pvml="urn:schemas-microsoft-com:office:powerpoint" xmlns:com="http://schemas.openxmlformats.org/drawingml/2006/compatibility" xmlns:p14="http://schemas.microsoft.com/office/powerpoint/2010/main" xmlns:p15="http://schemas.microsoft.com/office/powerpoint/2012/main" xmlns:ahyp="http://schemas.microsoft.com/office/drawing/2018/hyperlinkcolor" matchingName="Main point">
+<p:sldLayout xmlns:a="http://schemas.openxmlformats.org/drawingml/2006/main" xmlns:r="http://schemas.openxmlformats.org/officeDocument/2006/relationships" xmlns:p="http://schemas.openxmlformats.org/presentationml/2006/main" matchingName="Main point">
   <p:cSld name="MAIN_POINT">
     <p:bg>
       <p:bgPr>
         <a:solidFill>
           <a:schemeClr val="accent3"/>
         </a:solidFill>
+        <a:effectLst/>
       </p:bgPr>
     </p:bg>
     <p:spTree>
       <p:nvGrpSpPr>
-        <p:cNvPr id="55" name="Shape 55"/>
+        <p:cNvPr id="1" name="Shape 55"/>
         <p:cNvGrpSpPr/>
         <p:nvPr/>
       </p:nvGrpSpPr>
@@ -5552,12 +5620,12 @@
             </a:ln>
           </p:spPr>
           <p:txBody>
-            <a:bodyPr anchorCtr="0" anchor="ctr" bIns="91425" lIns="91425" spcFirstLastPara="1" rIns="91425" wrap="square" tIns="91425">
+            <a:bodyPr spcFirstLastPara="1" wrap="square" lIns="91425" tIns="91425" rIns="91425" bIns="91425" anchor="ctr" anchorCtr="0">
               <a:noAutofit/>
             </a:bodyPr>
             <a:lstStyle/>
             <a:p>
-              <a:pPr indent="0" lvl="0" marL="0" rtl="0" algn="l">
+              <a:pPr marL="0" lvl="0" indent="0" algn="l" rtl="0">
                 <a:spcBef>
                   <a:spcPts val="0"/>
                 </a:spcBef>
@@ -5566,9 +5634,6 @@
                 </a:spcAft>
                 <a:buNone/>
               </a:pPr>
-              <a:r>
-                <a:t/>
-              </a:r>
               <a:endParaRPr/>
             </a:p>
           </p:txBody>
@@ -5595,12 +5660,12 @@
             </a:ln>
           </p:spPr>
           <p:txBody>
-            <a:bodyPr anchorCtr="0" anchor="ctr" bIns="91425" lIns="91425" spcFirstLastPara="1" rIns="91425" wrap="square" tIns="91425">
+            <a:bodyPr spcFirstLastPara="1" wrap="square" lIns="91425" tIns="91425" rIns="91425" bIns="91425" anchor="ctr" anchorCtr="0">
               <a:noAutofit/>
             </a:bodyPr>
             <a:lstStyle/>
             <a:p>
-              <a:pPr indent="0" lvl="0" marL="0" rtl="0" algn="l">
+              <a:pPr marL="0" lvl="0" indent="0" algn="l" rtl="0">
                 <a:spcBef>
                   <a:spcPts val="0"/>
                 </a:spcBef>
@@ -5609,9 +5674,6 @@
                 </a:spcAft>
                 <a:buNone/>
               </a:pPr>
-              <a:r>
-                <a:t/>
-              </a:r>
               <a:endParaRPr/>
             </a:p>
           </p:txBody>
@@ -5620,7 +5682,9 @@
       <p:sp>
         <p:nvSpPr>
           <p:cNvPr id="59" name="Google Shape;59;p8"/>
-          <p:cNvSpPr txBox="1"/>
+          <p:cNvSpPr txBox="1">
+            <a:spLocks noGrp="1"/>
+          </p:cNvSpPr>
           <p:nvPr>
             <p:ph type="title"/>
           </p:nvPr>
@@ -5635,7 +5699,7 @@
           </a:prstGeom>
         </p:spPr>
         <p:txBody>
-          <a:bodyPr anchorCtr="0" anchor="ctr" bIns="91425" lIns="91425" spcFirstLastPara="1" rIns="91425" wrap="square" tIns="91425">
+          <a:bodyPr spcFirstLastPara="1" wrap="square" lIns="91425" tIns="91425" rIns="91425" bIns="91425" anchor="ctr" anchorCtr="0">
             <a:noAutofit/>
           </a:bodyPr>
           <a:lstStyle>
@@ -5802,15 +5866,19 @@
               </a:defRPr>
             </a:lvl9pPr>
           </a:lstStyle>
-          <a:p/>
+          <a:p>
+            <a:endParaRPr/>
+          </a:p>
         </p:txBody>
       </p:sp>
       <p:sp>
         <p:nvSpPr>
           <p:cNvPr id="60" name="Google Shape;60;p8"/>
-          <p:cNvSpPr txBox="1"/>
+          <p:cNvSpPr txBox="1">
+            <a:spLocks noGrp="1"/>
+          </p:cNvSpPr>
           <p:nvPr>
-            <p:ph idx="12" type="sldNum"/>
+            <p:ph type="sldNum" idx="12"/>
           </p:nvPr>
         </p:nvSpPr>
         <p:spPr>
@@ -5823,7 +5891,7 @@
           </a:prstGeom>
         </p:spPr>
         <p:txBody>
-          <a:bodyPr anchorCtr="0" anchor="ctr" bIns="91425" lIns="91425" spcFirstLastPara="1" rIns="91425" wrap="square" tIns="91425">
+          <a:bodyPr spcFirstLastPara="1" wrap="square" lIns="91425" tIns="91425" rIns="91425" bIns="91425" anchor="ctr" anchorCtr="0">
             <a:noAutofit/>
           </a:bodyPr>
           <a:lstStyle>
@@ -5901,7 +5969,7 @@
             </a:lvl9pPr>
           </a:lstStyle>
           <a:p>
-            <a:pPr indent="0" lvl="0" marL="0" rtl="0" algn="r">
+            <a:pPr marL="0" lvl="0" indent="0" algn="r" rtl="0">
               <a:spcBef>
                 <a:spcPts val="0"/>
               </a:spcBef>
@@ -5927,11 +5995,11 @@
 </file>
 
 <file path=ppt/slideLayouts/slideLayout8.xml><?xml version="1.0" encoding="utf-8"?>
-<p:sldLayout xmlns:a="http://schemas.openxmlformats.org/drawingml/2006/main" xmlns:r="http://schemas.openxmlformats.org/officeDocument/2006/relationships" xmlns:mc="http://schemas.openxmlformats.org/markup-compatibility/2006" xmlns:mv="urn:schemas-microsoft-com:mac:vml" xmlns:p="http://schemas.openxmlformats.org/presentationml/2006/main" xmlns:c="http://schemas.openxmlformats.org/drawingml/2006/chart" xmlns:dgm="http://schemas.openxmlformats.org/drawingml/2006/diagram" xmlns:o="urn:schemas-microsoft-com:office:office" xmlns:v="urn:schemas-microsoft-com:vml" xmlns:pvml="urn:schemas-microsoft-com:office:powerpoint" xmlns:com="http://schemas.openxmlformats.org/drawingml/2006/compatibility" xmlns:p14="http://schemas.microsoft.com/office/powerpoint/2010/main" xmlns:p15="http://schemas.microsoft.com/office/powerpoint/2012/main" xmlns:ahyp="http://schemas.microsoft.com/office/drawing/2018/hyperlinkcolor" matchingName="Section title and description">
+<p:sldLayout xmlns:a="http://schemas.openxmlformats.org/drawingml/2006/main" xmlns:r="http://schemas.openxmlformats.org/officeDocument/2006/relationships" xmlns:p="http://schemas.openxmlformats.org/presentationml/2006/main" matchingName="Section title and description">
   <p:cSld name="SECTION_TITLE_AND_DESCRIPTION">
     <p:spTree>
       <p:nvGrpSpPr>
-        <p:cNvPr id="61" name="Shape 61"/>
+        <p:cNvPr id="1" name="Shape 61"/>
         <p:cNvGrpSpPr/>
         <p:nvPr/>
       </p:nvGrpSpPr>
@@ -5965,12 +6033,12 @@
           </a:ln>
         </p:spPr>
         <p:txBody>
-          <a:bodyPr anchorCtr="0" anchor="ctr" bIns="91425" lIns="91425" spcFirstLastPara="1" rIns="91425" wrap="square" tIns="91425">
+          <a:bodyPr spcFirstLastPara="1" wrap="square" lIns="91425" tIns="91425" rIns="91425" bIns="91425" anchor="ctr" anchorCtr="0">
             <a:noAutofit/>
           </a:bodyPr>
           <a:lstStyle/>
           <a:p>
-            <a:pPr indent="0" lvl="0" marL="0" rtl="0" algn="l">
+            <a:pPr marL="0" lvl="0" indent="0" algn="l" rtl="0">
               <a:spcBef>
                 <a:spcPts val="0"/>
               </a:spcBef>
@@ -5979,9 +6047,6 @@
               </a:spcAft>
               <a:buNone/>
             </a:pPr>
-            <a:r>
-              <a:t/>
-            </a:r>
             <a:endParaRPr/>
           </a:p>
         </p:txBody>
@@ -6022,12 +6087,12 @@
             </a:ln>
           </p:spPr>
           <p:txBody>
-            <a:bodyPr anchorCtr="0" anchor="ctr" bIns="91425" lIns="91425" spcFirstLastPara="1" rIns="91425" wrap="square" tIns="91425">
+            <a:bodyPr spcFirstLastPara="1" wrap="square" lIns="91425" tIns="91425" rIns="91425" bIns="91425" anchor="ctr" anchorCtr="0">
               <a:noAutofit/>
             </a:bodyPr>
             <a:lstStyle/>
             <a:p>
-              <a:pPr indent="0" lvl="0" marL="0" rtl="0" algn="l">
+              <a:pPr marL="0" lvl="0" indent="0" algn="l" rtl="0">
                 <a:spcBef>
                   <a:spcPts val="0"/>
                 </a:spcBef>
@@ -6036,9 +6101,6 @@
                 </a:spcAft>
                 <a:buNone/>
               </a:pPr>
-              <a:r>
-                <a:t/>
-              </a:r>
               <a:endParaRPr/>
             </a:p>
           </p:txBody>
@@ -6065,12 +6127,12 @@
             </a:ln>
           </p:spPr>
           <p:txBody>
-            <a:bodyPr anchorCtr="0" anchor="ctr" bIns="91425" lIns="91425" spcFirstLastPara="1" rIns="91425" wrap="square" tIns="91425">
+            <a:bodyPr spcFirstLastPara="1" wrap="square" lIns="91425" tIns="91425" rIns="91425" bIns="91425" anchor="ctr" anchorCtr="0">
               <a:noAutofit/>
             </a:bodyPr>
             <a:lstStyle/>
             <a:p>
-              <a:pPr indent="0" lvl="0" marL="0" rtl="0" algn="l">
+              <a:pPr marL="0" lvl="0" indent="0" algn="l" rtl="0">
                 <a:spcBef>
                   <a:spcPts val="0"/>
                 </a:spcBef>
@@ -6079,9 +6141,6 @@
                 </a:spcAft>
                 <a:buNone/>
               </a:pPr>
-              <a:r>
-                <a:t/>
-              </a:r>
               <a:endParaRPr/>
             </a:p>
           </p:txBody>
@@ -6090,7 +6149,9 @@
       <p:sp>
         <p:nvSpPr>
           <p:cNvPr id="66" name="Google Shape;66;p9"/>
-          <p:cNvSpPr txBox="1"/>
+          <p:cNvSpPr txBox="1">
+            <a:spLocks noGrp="1"/>
+          </p:cNvSpPr>
           <p:nvPr>
             <p:ph type="title"/>
           </p:nvPr>
@@ -6105,7 +6166,7 @@
           </a:prstGeom>
         </p:spPr>
         <p:txBody>
-          <a:bodyPr anchorCtr="0" anchor="t" bIns="91425" lIns="91425" spcFirstLastPara="1" rIns="91425" wrap="square" tIns="91425">
+          <a:bodyPr spcFirstLastPara="1" wrap="square" lIns="91425" tIns="91425" rIns="91425" bIns="91425" anchor="t" anchorCtr="0">
             <a:noAutofit/>
           </a:bodyPr>
           <a:lstStyle>
@@ -6272,15 +6333,19 @@
               </a:defRPr>
             </a:lvl9pPr>
           </a:lstStyle>
-          <a:p/>
+          <a:p>
+            <a:endParaRPr/>
+          </a:p>
         </p:txBody>
       </p:sp>
       <p:sp>
         <p:nvSpPr>
           <p:cNvPr id="67" name="Google Shape;67;p9"/>
-          <p:cNvSpPr txBox="1"/>
+          <p:cNvSpPr txBox="1">
+            <a:spLocks noGrp="1"/>
+          </p:cNvSpPr>
           <p:nvPr>
-            <p:ph idx="1" type="subTitle"/>
+            <p:ph type="subTitle" idx="1"/>
           </p:nvPr>
         </p:nvSpPr>
         <p:spPr>
@@ -6293,7 +6358,7 @@
           </a:prstGeom>
         </p:spPr>
         <p:txBody>
-          <a:bodyPr anchorCtr="0" anchor="t" bIns="91425" lIns="91425" spcFirstLastPara="1" rIns="91425" wrap="square" tIns="91425">
+          <a:bodyPr spcFirstLastPara="1" wrap="square" lIns="91425" tIns="91425" rIns="91425" bIns="91425" anchor="t" anchorCtr="0">
             <a:noAutofit/>
           </a:bodyPr>
           <a:lstStyle>
@@ -6424,15 +6489,19 @@
               <a:defRPr sz="1600"/>
             </a:lvl9pPr>
           </a:lstStyle>
-          <a:p/>
+          <a:p>
+            <a:endParaRPr/>
+          </a:p>
         </p:txBody>
       </p:sp>
       <p:sp>
         <p:nvSpPr>
           <p:cNvPr id="68" name="Google Shape;68;p9"/>
-          <p:cNvSpPr txBox="1"/>
+          <p:cNvSpPr txBox="1">
+            <a:spLocks noGrp="1"/>
+          </p:cNvSpPr>
           <p:nvPr>
-            <p:ph idx="2" type="body"/>
+            <p:ph type="body" idx="2"/>
           </p:nvPr>
         </p:nvSpPr>
         <p:spPr>
@@ -6445,11 +6514,11 @@
           </a:prstGeom>
         </p:spPr>
         <p:txBody>
-          <a:bodyPr anchorCtr="0" anchor="t" bIns="91425" lIns="91425" spcFirstLastPara="1" rIns="91425" wrap="square" tIns="91425">
+          <a:bodyPr spcFirstLastPara="1" wrap="square" lIns="91425" tIns="91425" rIns="91425" bIns="91425" anchor="t" anchorCtr="0">
             <a:noAutofit/>
           </a:bodyPr>
           <a:lstStyle>
-            <a:lvl1pPr indent="-311150" lvl="0" marL="457200">
+            <a:lvl1pPr marL="457200" lvl="0" indent="-311150">
               <a:spcBef>
                 <a:spcPts val="0"/>
               </a:spcBef>
@@ -6460,7 +6529,7 @@
               <a:buChar char="●"/>
               <a:defRPr/>
             </a:lvl1pPr>
-            <a:lvl2pPr indent="-298450" lvl="1" marL="914400">
+            <a:lvl2pPr marL="914400" lvl="1" indent="-298450">
               <a:spcBef>
                 <a:spcPts val="1600"/>
               </a:spcBef>
@@ -6471,7 +6540,7 @@
               <a:buChar char="○"/>
               <a:defRPr/>
             </a:lvl2pPr>
-            <a:lvl3pPr indent="-298450" lvl="2" marL="1371600">
+            <a:lvl3pPr marL="1371600" lvl="2" indent="-298450">
               <a:spcBef>
                 <a:spcPts val="1600"/>
               </a:spcBef>
@@ -6482,7 +6551,7 @@
               <a:buChar char="■"/>
               <a:defRPr/>
             </a:lvl3pPr>
-            <a:lvl4pPr indent="-298450" lvl="3" marL="1828800">
+            <a:lvl4pPr marL="1828800" lvl="3" indent="-298450">
               <a:spcBef>
                 <a:spcPts val="1600"/>
               </a:spcBef>
@@ -6493,7 +6562,7 @@
               <a:buChar char="●"/>
               <a:defRPr/>
             </a:lvl4pPr>
-            <a:lvl5pPr indent="-298450" lvl="4" marL="2286000">
+            <a:lvl5pPr marL="2286000" lvl="4" indent="-298450">
               <a:spcBef>
                 <a:spcPts val="1600"/>
               </a:spcBef>
@@ -6504,7 +6573,7 @@
               <a:buChar char="○"/>
               <a:defRPr/>
             </a:lvl5pPr>
-            <a:lvl6pPr indent="-298450" lvl="5" marL="2743200">
+            <a:lvl6pPr marL="2743200" lvl="5" indent="-298450">
               <a:spcBef>
                 <a:spcPts val="1600"/>
               </a:spcBef>
@@ -6515,7 +6584,7 @@
               <a:buChar char="■"/>
               <a:defRPr/>
             </a:lvl6pPr>
-            <a:lvl7pPr indent="-298450" lvl="6" marL="3200400">
+            <a:lvl7pPr marL="3200400" lvl="6" indent="-298450">
               <a:spcBef>
                 <a:spcPts val="1600"/>
               </a:spcBef>
@@ -6526,7 +6595,7 @@
               <a:buChar char="●"/>
               <a:defRPr/>
             </a:lvl7pPr>
-            <a:lvl8pPr indent="-298450" lvl="7" marL="3657600">
+            <a:lvl8pPr marL="3657600" lvl="7" indent="-298450">
               <a:spcBef>
                 <a:spcPts val="1600"/>
               </a:spcBef>
@@ -6537,7 +6606,7 @@
               <a:buChar char="○"/>
               <a:defRPr/>
             </a:lvl8pPr>
-            <a:lvl9pPr indent="-298450" lvl="8" marL="4114800">
+            <a:lvl9pPr marL="4114800" lvl="8" indent="-298450">
               <a:spcBef>
                 <a:spcPts val="1600"/>
               </a:spcBef>
@@ -6549,15 +6618,19 @@
               <a:defRPr/>
             </a:lvl9pPr>
           </a:lstStyle>
-          <a:p/>
+          <a:p>
+            <a:endParaRPr/>
+          </a:p>
         </p:txBody>
       </p:sp>
       <p:sp>
         <p:nvSpPr>
           <p:cNvPr id="69" name="Google Shape;69;p9"/>
-          <p:cNvSpPr txBox="1"/>
+          <p:cNvSpPr txBox="1">
+            <a:spLocks noGrp="1"/>
+          </p:cNvSpPr>
           <p:nvPr>
-            <p:ph idx="12" type="sldNum"/>
+            <p:ph type="sldNum" idx="12"/>
           </p:nvPr>
         </p:nvSpPr>
         <p:spPr>
@@ -6570,7 +6643,7 @@
           </a:prstGeom>
         </p:spPr>
         <p:txBody>
-          <a:bodyPr anchorCtr="0" anchor="ctr" bIns="91425" lIns="91425" spcFirstLastPara="1" rIns="91425" wrap="square" tIns="91425">
+          <a:bodyPr spcFirstLastPara="1" wrap="square" lIns="91425" tIns="91425" rIns="91425" bIns="91425" anchor="ctr" anchorCtr="0">
             <a:noAutofit/>
           </a:bodyPr>
           <a:lstStyle>
@@ -6612,7 +6685,7 @@
             </a:lvl9pPr>
           </a:lstStyle>
           <a:p>
-            <a:pPr indent="0" lvl="0" marL="0" rtl="0" algn="r">
+            <a:pPr marL="0" lvl="0" indent="0" algn="r" rtl="0">
               <a:spcBef>
                 <a:spcPts val="0"/>
               </a:spcBef>
@@ -6638,11 +6711,11 @@
 </file>
 
 <file path=ppt/slideLayouts/slideLayout9.xml><?xml version="1.0" encoding="utf-8"?>
-<p:sldLayout xmlns:a="http://schemas.openxmlformats.org/drawingml/2006/main" xmlns:r="http://schemas.openxmlformats.org/officeDocument/2006/relationships" xmlns:mc="http://schemas.openxmlformats.org/markup-compatibility/2006" xmlns:mv="urn:schemas-microsoft-com:mac:vml" xmlns:p="http://schemas.openxmlformats.org/presentationml/2006/main" xmlns:c="http://schemas.openxmlformats.org/drawingml/2006/chart" xmlns:dgm="http://schemas.openxmlformats.org/drawingml/2006/diagram" xmlns:o="urn:schemas-microsoft-com:office:office" xmlns:v="urn:schemas-microsoft-com:vml" xmlns:pvml="urn:schemas-microsoft-com:office:powerpoint" xmlns:com="http://schemas.openxmlformats.org/drawingml/2006/compatibility" xmlns:p14="http://schemas.microsoft.com/office/powerpoint/2010/main" xmlns:p15="http://schemas.microsoft.com/office/powerpoint/2012/main" xmlns:ahyp="http://schemas.microsoft.com/office/drawing/2018/hyperlinkcolor" matchingName="Caption">
+<p:sldLayout xmlns:a="http://schemas.openxmlformats.org/drawingml/2006/main" xmlns:r="http://schemas.openxmlformats.org/officeDocument/2006/relationships" xmlns:p="http://schemas.openxmlformats.org/presentationml/2006/main" matchingName="Caption">
   <p:cSld name="CAPTION_ONLY">
     <p:spTree>
       <p:nvGrpSpPr>
-        <p:cNvPr id="70" name="Shape 70"/>
+        <p:cNvPr id="1" name="Shape 70"/>
         <p:cNvGrpSpPr/>
         <p:nvPr/>
       </p:nvGrpSpPr>
@@ -6657,9 +6730,11 @@
       <p:sp>
         <p:nvSpPr>
           <p:cNvPr id="71" name="Google Shape;71;p10"/>
-          <p:cNvSpPr txBox="1"/>
+          <p:cNvSpPr txBox="1">
+            <a:spLocks noGrp="1"/>
+          </p:cNvSpPr>
           <p:nvPr>
-            <p:ph idx="1" type="body"/>
+            <p:ph type="body" idx="1"/>
           </p:nvPr>
         </p:nvSpPr>
         <p:spPr>
@@ -6672,11 +6747,11 @@
           </a:prstGeom>
         </p:spPr>
         <p:txBody>
-          <a:bodyPr anchorCtr="0" anchor="ctr" bIns="91425" lIns="91425" spcFirstLastPara="1" rIns="91425" wrap="square" tIns="91425">
+          <a:bodyPr spcFirstLastPara="1" wrap="square" lIns="91425" tIns="91425" rIns="91425" bIns="91425" anchor="ctr" anchorCtr="0">
             <a:noAutofit/>
           </a:bodyPr>
           <a:lstStyle>
-            <a:lvl1pPr indent="-228600" lvl="0" marL="457200">
+            <a:lvl1pPr marL="457200" lvl="0" indent="-228600">
               <a:lnSpc>
                 <a:spcPct val="100000"/>
               </a:lnSpc>
@@ -6691,15 +6766,19 @@
               <a:defRPr/>
             </a:lvl1pPr>
           </a:lstStyle>
-          <a:p/>
+          <a:p>
+            <a:endParaRPr/>
+          </a:p>
         </p:txBody>
       </p:sp>
       <p:sp>
         <p:nvSpPr>
           <p:cNvPr id="72" name="Google Shape;72;p10"/>
-          <p:cNvSpPr txBox="1"/>
+          <p:cNvSpPr txBox="1">
+            <a:spLocks noGrp="1"/>
+          </p:cNvSpPr>
           <p:nvPr>
-            <p:ph idx="12" type="sldNum"/>
+            <p:ph type="sldNum" idx="12"/>
           </p:nvPr>
         </p:nvSpPr>
         <p:spPr>
@@ -6712,7 +6791,7 @@
           </a:prstGeom>
         </p:spPr>
         <p:txBody>
-          <a:bodyPr anchorCtr="0" anchor="ctr" bIns="91425" lIns="91425" spcFirstLastPara="1" rIns="91425" wrap="square" tIns="91425">
+          <a:bodyPr spcFirstLastPara="1" wrap="square" lIns="91425" tIns="91425" rIns="91425" bIns="91425" anchor="ctr" anchorCtr="0">
             <a:noAutofit/>
           </a:bodyPr>
           <a:lstStyle>
@@ -6754,7 +6833,7 @@
             </a:lvl9pPr>
           </a:lstStyle>
           <a:p>
-            <a:pPr indent="0" lvl="0" marL="0" rtl="0" algn="r">
+            <a:pPr marL="0" lvl="0" indent="0" algn="r" rtl="0">
               <a:spcBef>
                 <a:spcPts val="0"/>
               </a:spcBef>
@@ -6780,18 +6859,19 @@
 </file>
 
 <file path=ppt/slideMasters/slideMaster1.xml><?xml version="1.0" encoding="utf-8"?>
-<p:sldMaster xmlns:a="http://schemas.openxmlformats.org/drawingml/2006/main" xmlns:r="http://schemas.openxmlformats.org/officeDocument/2006/relationships" xmlns:mc="http://schemas.openxmlformats.org/markup-compatibility/2006" xmlns:mv="urn:schemas-microsoft-com:mac:vml" xmlns:p="http://schemas.openxmlformats.org/presentationml/2006/main" xmlns:c="http://schemas.openxmlformats.org/drawingml/2006/chart" xmlns:dgm="http://schemas.openxmlformats.org/drawingml/2006/diagram" xmlns:o="urn:schemas-microsoft-com:office:office" xmlns:v="urn:schemas-microsoft-com:vml" xmlns:pvml="urn:schemas-microsoft-com:office:powerpoint" xmlns:com="http://schemas.openxmlformats.org/drawingml/2006/compatibility" xmlns:p14="http://schemas.microsoft.com/office/powerpoint/2010/main" xmlns:p15="http://schemas.microsoft.com/office/powerpoint/2012/main" xmlns:ahyp="http://schemas.microsoft.com/office/drawing/2018/hyperlinkcolor">
+<p:sldMaster xmlns:a="http://schemas.openxmlformats.org/drawingml/2006/main" xmlns:r="http://schemas.openxmlformats.org/officeDocument/2006/relationships" xmlns:p="http://schemas.openxmlformats.org/presentationml/2006/main">
   <p:cSld name="streamline">
     <p:bg>
       <p:bgPr>
         <a:solidFill>
           <a:schemeClr val="lt1"/>
         </a:solidFill>
+        <a:effectLst/>
       </p:bgPr>
     </p:bg>
     <p:spTree>
       <p:nvGrpSpPr>
-        <p:cNvPr id="5" name="Shape 5"/>
+        <p:cNvPr id="1" name="Shape 5"/>
         <p:cNvGrpSpPr/>
         <p:nvPr/>
       </p:nvGrpSpPr>
@@ -6806,7 +6886,9 @@
       <p:sp>
         <p:nvSpPr>
           <p:cNvPr id="6" name="Google Shape;6;p1"/>
-          <p:cNvSpPr txBox="1"/>
+          <p:cNvSpPr txBox="1">
+            <a:spLocks noGrp="1"/>
+          </p:cNvSpPr>
           <p:nvPr>
             <p:ph type="title"/>
           </p:nvPr>
@@ -6825,7 +6907,7 @@
           </a:ln>
         </p:spPr>
         <p:txBody>
-          <a:bodyPr anchorCtr="0" anchor="t" bIns="91425" lIns="91425" spcFirstLastPara="1" rIns="91425" wrap="square" tIns="91425">
+          <a:bodyPr spcFirstLastPara="1" wrap="square" lIns="91425" tIns="91425" rIns="91425" bIns="91425" anchor="t" anchorCtr="0">
             <a:noAutofit/>
           </a:bodyPr>
           <a:lstStyle>
@@ -6839,7 +6921,7 @@
               <a:buSzPts val="2800"/>
               <a:buFont typeface="Raleway"/>
               <a:buNone/>
-              <a:defRPr b="1" sz="2800">
+              <a:defRPr sz="2800" b="1">
                 <a:latin typeface="Raleway"/>
                 <a:ea typeface="Raleway"/>
                 <a:cs typeface="Raleway"/>
@@ -6856,7 +6938,7 @@
               <a:buSzPts val="2800"/>
               <a:buFont typeface="Raleway"/>
               <a:buNone/>
-              <a:defRPr b="1" sz="2800">
+              <a:defRPr sz="2800" b="1">
                 <a:latin typeface="Raleway"/>
                 <a:ea typeface="Raleway"/>
                 <a:cs typeface="Raleway"/>
@@ -6873,7 +6955,7 @@
               <a:buSzPts val="2800"/>
               <a:buFont typeface="Raleway"/>
               <a:buNone/>
-              <a:defRPr b="1" sz="2800">
+              <a:defRPr sz="2800" b="1">
                 <a:latin typeface="Raleway"/>
                 <a:ea typeface="Raleway"/>
                 <a:cs typeface="Raleway"/>
@@ -6890,7 +6972,7 @@
               <a:buSzPts val="2800"/>
               <a:buFont typeface="Raleway"/>
               <a:buNone/>
-              <a:defRPr b="1" sz="2800">
+              <a:defRPr sz="2800" b="1">
                 <a:latin typeface="Raleway"/>
                 <a:ea typeface="Raleway"/>
                 <a:cs typeface="Raleway"/>
@@ -6907,7 +6989,7 @@
               <a:buSzPts val="2800"/>
               <a:buFont typeface="Raleway"/>
               <a:buNone/>
-              <a:defRPr b="1" sz="2800">
+              <a:defRPr sz="2800" b="1">
                 <a:latin typeface="Raleway"/>
                 <a:ea typeface="Raleway"/>
                 <a:cs typeface="Raleway"/>
@@ -6924,7 +7006,7 @@
               <a:buSzPts val="2800"/>
               <a:buFont typeface="Raleway"/>
               <a:buNone/>
-              <a:defRPr b="1" sz="2800">
+              <a:defRPr sz="2800" b="1">
                 <a:latin typeface="Raleway"/>
                 <a:ea typeface="Raleway"/>
                 <a:cs typeface="Raleway"/>
@@ -6941,7 +7023,7 @@
               <a:buSzPts val="2800"/>
               <a:buFont typeface="Raleway"/>
               <a:buNone/>
-              <a:defRPr b="1" sz="2800">
+              <a:defRPr sz="2800" b="1">
                 <a:latin typeface="Raleway"/>
                 <a:ea typeface="Raleway"/>
                 <a:cs typeface="Raleway"/>
@@ -6958,7 +7040,7 @@
               <a:buSzPts val="2800"/>
               <a:buFont typeface="Raleway"/>
               <a:buNone/>
-              <a:defRPr b="1" sz="2800">
+              <a:defRPr sz="2800" b="1">
                 <a:latin typeface="Raleway"/>
                 <a:ea typeface="Raleway"/>
                 <a:cs typeface="Raleway"/>
@@ -6975,7 +7057,7 @@
               <a:buSzPts val="2800"/>
               <a:buFont typeface="Raleway"/>
               <a:buNone/>
-              <a:defRPr b="1" sz="2800">
+              <a:defRPr sz="2800" b="1">
                 <a:latin typeface="Raleway"/>
                 <a:ea typeface="Raleway"/>
                 <a:cs typeface="Raleway"/>
@@ -6983,15 +7065,19 @@
               </a:defRPr>
             </a:lvl9pPr>
           </a:lstStyle>
-          <a:p/>
+          <a:p>
+            <a:endParaRPr/>
+          </a:p>
         </p:txBody>
       </p:sp>
       <p:sp>
         <p:nvSpPr>
           <p:cNvPr id="7" name="Google Shape;7;p1"/>
-          <p:cNvSpPr txBox="1"/>
+          <p:cNvSpPr txBox="1">
+            <a:spLocks noGrp="1"/>
+          </p:cNvSpPr>
           <p:nvPr>
-            <p:ph idx="1" type="body"/>
+            <p:ph type="body" idx="1"/>
           </p:nvPr>
         </p:nvSpPr>
         <p:spPr>
@@ -7008,11 +7094,11 @@
           </a:ln>
         </p:spPr>
         <p:txBody>
-          <a:bodyPr anchorCtr="0" anchor="t" bIns="91425" lIns="91425" spcFirstLastPara="1" rIns="91425" wrap="square" tIns="91425">
+          <a:bodyPr spcFirstLastPara="1" wrap="square" lIns="91425" tIns="91425" rIns="91425" bIns="91425" anchor="t" anchorCtr="0">
             <a:noAutofit/>
           </a:bodyPr>
           <a:lstStyle>
-            <a:lvl1pPr indent="-311150" lvl="0" marL="457200">
+            <a:lvl1pPr marL="457200" lvl="0" indent="-311150">
               <a:lnSpc>
                 <a:spcPct val="115000"/>
               </a:lnSpc>
@@ -7038,7 +7124,7 @@
                 <a:sym typeface="Lato"/>
               </a:defRPr>
             </a:lvl1pPr>
-            <a:lvl2pPr indent="-298450" lvl="1" marL="914400">
+            <a:lvl2pPr marL="914400" lvl="1" indent="-298450">
               <a:lnSpc>
                 <a:spcPct val="115000"/>
               </a:lnSpc>
@@ -7064,7 +7150,7 @@
                 <a:sym typeface="Lato"/>
               </a:defRPr>
             </a:lvl2pPr>
-            <a:lvl3pPr indent="-298450" lvl="2" marL="1371600">
+            <a:lvl3pPr marL="1371600" lvl="2" indent="-298450">
               <a:lnSpc>
                 <a:spcPct val="115000"/>
               </a:lnSpc>
@@ -7090,7 +7176,7 @@
                 <a:sym typeface="Lato"/>
               </a:defRPr>
             </a:lvl3pPr>
-            <a:lvl4pPr indent="-298450" lvl="3" marL="1828800">
+            <a:lvl4pPr marL="1828800" lvl="3" indent="-298450">
               <a:lnSpc>
                 <a:spcPct val="115000"/>
               </a:lnSpc>
@@ -7116,7 +7202,7 @@
                 <a:sym typeface="Lato"/>
               </a:defRPr>
             </a:lvl4pPr>
-            <a:lvl5pPr indent="-298450" lvl="4" marL="2286000">
+            <a:lvl5pPr marL="2286000" lvl="4" indent="-298450">
               <a:lnSpc>
                 <a:spcPct val="115000"/>
               </a:lnSpc>
@@ -7142,7 +7228,7 @@
                 <a:sym typeface="Lato"/>
               </a:defRPr>
             </a:lvl5pPr>
-            <a:lvl6pPr indent="-298450" lvl="5" marL="2743200">
+            <a:lvl6pPr marL="2743200" lvl="5" indent="-298450">
               <a:lnSpc>
                 <a:spcPct val="115000"/>
               </a:lnSpc>
@@ -7168,7 +7254,7 @@
                 <a:sym typeface="Lato"/>
               </a:defRPr>
             </a:lvl6pPr>
-            <a:lvl7pPr indent="-298450" lvl="6" marL="3200400">
+            <a:lvl7pPr marL="3200400" lvl="6" indent="-298450">
               <a:lnSpc>
                 <a:spcPct val="115000"/>
               </a:lnSpc>
@@ -7194,7 +7280,7 @@
                 <a:sym typeface="Lato"/>
               </a:defRPr>
             </a:lvl7pPr>
-            <a:lvl8pPr indent="-298450" lvl="7" marL="3657600">
+            <a:lvl8pPr marL="3657600" lvl="7" indent="-298450">
               <a:lnSpc>
                 <a:spcPct val="115000"/>
               </a:lnSpc>
@@ -7220,7 +7306,7 @@
                 <a:sym typeface="Lato"/>
               </a:defRPr>
             </a:lvl8pPr>
-            <a:lvl9pPr indent="-298450" lvl="8" marL="4114800">
+            <a:lvl9pPr marL="4114800" lvl="8" indent="-298450">
               <a:lnSpc>
                 <a:spcPct val="115000"/>
               </a:lnSpc>
@@ -7247,15 +7333,19 @@
               </a:defRPr>
             </a:lvl9pPr>
           </a:lstStyle>
-          <a:p/>
+          <a:p>
+            <a:endParaRPr/>
+          </a:p>
         </p:txBody>
       </p:sp>
       <p:sp>
         <p:nvSpPr>
           <p:cNvPr id="8" name="Google Shape;8;p1"/>
-          <p:cNvSpPr txBox="1"/>
+          <p:cNvSpPr txBox="1">
+            <a:spLocks noGrp="1"/>
+          </p:cNvSpPr>
           <p:nvPr>
-            <p:ph idx="12" type="sldNum"/>
+            <p:ph type="sldNum" idx="12"/>
           </p:nvPr>
         </p:nvSpPr>
         <p:spPr>
@@ -7272,7 +7362,7 @@
           </a:ln>
         </p:spPr>
         <p:txBody>
-          <a:bodyPr anchorCtr="0" anchor="ctr" bIns="91425" lIns="91425" spcFirstLastPara="1" rIns="91425" wrap="square" tIns="91425">
+          <a:bodyPr spcFirstLastPara="1" wrap="square" lIns="91425" tIns="91425" rIns="91425" bIns="91425" anchor="ctr" anchorCtr="0">
             <a:noAutofit/>
           </a:bodyPr>
           <a:lstStyle>
@@ -7386,7 +7476,7 @@
             </a:lvl9pPr>
           </a:lstStyle>
           <a:p>
-            <a:pPr indent="0" lvl="0" marL="0" rtl="0" algn="r">
+            <a:pPr marL="0" lvl="0" indent="0" algn="r" rtl="0">
               <a:spcBef>
                 <a:spcPts val="0"/>
               </a:spcBef>
@@ -7405,7 +7495,7 @@
       </p:sp>
     </p:spTree>
   </p:cSld>
-  <p:clrMap accent1="accent1" accent2="accent2" accent3="accent3" accent4="accent4" accent5="accent5" accent6="accent6" bg1="lt1" bg2="dk2" tx1="dk1" tx2="lt2" folHlink="folHlink" hlink="hlink"/>
+  <p:clrMap bg1="lt1" tx1="dk1" bg2="dk2" tx2="lt2" accent1="accent1" accent2="accent2" accent3="accent3" accent4="accent4" accent5="accent5" accent6="accent6" hlink="hlink" folHlink="folHlink"/>
   <p:sldLayoutIdLst>
     <p:sldLayoutId id="2147483648" r:id="rId1"/>
     <p:sldLayoutId id="2147483649" r:id="rId2"/>
@@ -7419,10 +7509,10 @@
     <p:sldLayoutId id="2147483657" r:id="rId10"/>
     <p:sldLayoutId id="2147483658" r:id="rId11"/>
   </p:sldLayoutIdLst>
-  <p:hf dt="0" ftr="0" hdr="0" sldNum="0"/>
+  <p:hf sldNum="0" hdr="0" ftr="0" dt="0"/>
   <p:txStyles>
     <p:titleStyle>
-      <a:defPPr lvl="0" marR="0" rtl="0" algn="l">
+      <a:defPPr marR="0" lvl="0" algn="l" rtl="0">
         <a:lnSpc>
           <a:spcPct val="100000"/>
         </a:lnSpc>
@@ -7433,7 +7523,7 @@
           <a:spcPts val="0"/>
         </a:spcAft>
       </a:defPPr>
-      <a:lvl1pPr lvl="0" marR="0" rtl="0" algn="l">
+      <a:lvl1pPr marR="0" lvl="0" algn="l" rtl="0">
         <a:lnSpc>
           <a:spcPct val="100000"/>
         </a:lnSpc>
@@ -7447,7 +7537,7 @@
           <a:srgbClr val="000000"/>
         </a:buClr>
         <a:buFont typeface="Arial"/>
-        <a:defRPr b="0" i="0" sz="1400" u="none" cap="none" strike="noStrike">
+        <a:defRPr sz="1400" b="0" i="0" u="none" strike="noStrike" cap="none">
           <a:solidFill>
             <a:srgbClr val="000000"/>
           </a:solidFill>
@@ -7457,7 +7547,7 @@
           <a:sym typeface="Arial"/>
         </a:defRPr>
       </a:lvl1pPr>
-      <a:lvl2pPr lvl="1" marR="0" rtl="0" algn="l">
+      <a:lvl2pPr marR="0" lvl="1" algn="l" rtl="0">
         <a:lnSpc>
           <a:spcPct val="100000"/>
         </a:lnSpc>
@@ -7471,7 +7561,7 @@
           <a:srgbClr val="000000"/>
         </a:buClr>
         <a:buFont typeface="Arial"/>
-        <a:defRPr b="0" i="0" sz="1400" u="none" cap="none" strike="noStrike">
+        <a:defRPr sz="1400" b="0" i="0" u="none" strike="noStrike" cap="none">
           <a:solidFill>
             <a:srgbClr val="000000"/>
           </a:solidFill>
@@ -7481,7 +7571,7 @@
           <a:sym typeface="Arial"/>
         </a:defRPr>
       </a:lvl2pPr>
-      <a:lvl3pPr lvl="2" marR="0" rtl="0" algn="l">
+      <a:lvl3pPr marR="0" lvl="2" algn="l" rtl="0">
         <a:lnSpc>
           <a:spcPct val="100000"/>
         </a:lnSpc>
@@ -7495,7 +7585,7 @@
           <a:srgbClr val="000000"/>
         </a:buClr>
         <a:buFont typeface="Arial"/>
-        <a:defRPr b="0" i="0" sz="1400" u="none" cap="none" strike="noStrike">
+        <a:defRPr sz="1400" b="0" i="0" u="none" strike="noStrike" cap="none">
           <a:solidFill>
             <a:srgbClr val="000000"/>
           </a:solidFill>
@@ -7505,7 +7595,7 @@
           <a:sym typeface="Arial"/>
         </a:defRPr>
       </a:lvl3pPr>
-      <a:lvl4pPr lvl="3" marR="0" rtl="0" algn="l">
+      <a:lvl4pPr marR="0" lvl="3" algn="l" rtl="0">
         <a:lnSpc>
           <a:spcPct val="100000"/>
         </a:lnSpc>
@@ -7519,7 +7609,7 @@
           <a:srgbClr val="000000"/>
         </a:buClr>
         <a:buFont typeface="Arial"/>
-        <a:defRPr b="0" i="0" sz="1400" u="none" cap="none" strike="noStrike">
+        <a:defRPr sz="1400" b="0" i="0" u="none" strike="noStrike" cap="none">
           <a:solidFill>
             <a:srgbClr val="000000"/>
           </a:solidFill>
@@ -7529,7 +7619,7 @@
           <a:sym typeface="Arial"/>
         </a:defRPr>
       </a:lvl4pPr>
-      <a:lvl5pPr lvl="4" marR="0" rtl="0" algn="l">
+      <a:lvl5pPr marR="0" lvl="4" algn="l" rtl="0">
         <a:lnSpc>
           <a:spcPct val="100000"/>
         </a:lnSpc>
@@ -7543,7 +7633,7 @@
           <a:srgbClr val="000000"/>
         </a:buClr>
         <a:buFont typeface="Arial"/>
-        <a:defRPr b="0" i="0" sz="1400" u="none" cap="none" strike="noStrike">
+        <a:defRPr sz="1400" b="0" i="0" u="none" strike="noStrike" cap="none">
           <a:solidFill>
             <a:srgbClr val="000000"/>
           </a:solidFill>
@@ -7553,7 +7643,7 @@
           <a:sym typeface="Arial"/>
         </a:defRPr>
       </a:lvl5pPr>
-      <a:lvl6pPr lvl="5" marR="0" rtl="0" algn="l">
+      <a:lvl6pPr marR="0" lvl="5" algn="l" rtl="0">
         <a:lnSpc>
           <a:spcPct val="100000"/>
         </a:lnSpc>
@@ -7567,7 +7657,7 @@
           <a:srgbClr val="000000"/>
         </a:buClr>
         <a:buFont typeface="Arial"/>
-        <a:defRPr b="0" i="0" sz="1400" u="none" cap="none" strike="noStrike">
+        <a:defRPr sz="1400" b="0" i="0" u="none" strike="noStrike" cap="none">
           <a:solidFill>
             <a:srgbClr val="000000"/>
           </a:solidFill>
@@ -7577,7 +7667,7 @@
           <a:sym typeface="Arial"/>
         </a:defRPr>
       </a:lvl6pPr>
-      <a:lvl7pPr lvl="6" marR="0" rtl="0" algn="l">
+      <a:lvl7pPr marR="0" lvl="6" algn="l" rtl="0">
         <a:lnSpc>
           <a:spcPct val="100000"/>
         </a:lnSpc>
@@ -7591,7 +7681,7 @@
           <a:srgbClr val="000000"/>
         </a:buClr>
         <a:buFont typeface="Arial"/>
-        <a:defRPr b="0" i="0" sz="1400" u="none" cap="none" strike="noStrike">
+        <a:defRPr sz="1400" b="0" i="0" u="none" strike="noStrike" cap="none">
           <a:solidFill>
             <a:srgbClr val="000000"/>
           </a:solidFill>
@@ -7601,7 +7691,7 @@
           <a:sym typeface="Arial"/>
         </a:defRPr>
       </a:lvl7pPr>
-      <a:lvl8pPr lvl="7" marR="0" rtl="0" algn="l">
+      <a:lvl8pPr marR="0" lvl="7" algn="l" rtl="0">
         <a:lnSpc>
           <a:spcPct val="100000"/>
         </a:lnSpc>
@@ -7615,7 +7705,7 @@
           <a:srgbClr val="000000"/>
         </a:buClr>
         <a:buFont typeface="Arial"/>
-        <a:defRPr b="0" i="0" sz="1400" u="none" cap="none" strike="noStrike">
+        <a:defRPr sz="1400" b="0" i="0" u="none" strike="noStrike" cap="none">
           <a:solidFill>
             <a:srgbClr val="000000"/>
           </a:solidFill>
@@ -7625,7 +7715,7 @@
           <a:sym typeface="Arial"/>
         </a:defRPr>
       </a:lvl8pPr>
-      <a:lvl9pPr lvl="8" marR="0" rtl="0" algn="l">
+      <a:lvl9pPr marR="0" lvl="8" algn="l" rtl="0">
         <a:lnSpc>
           <a:spcPct val="100000"/>
         </a:lnSpc>
@@ -7639,7 +7729,7 @@
           <a:srgbClr val="000000"/>
         </a:buClr>
         <a:buFont typeface="Arial"/>
-        <a:defRPr b="0" i="0" sz="1400" u="none" cap="none" strike="noStrike">
+        <a:defRPr sz="1400" b="0" i="0" u="none" strike="noStrike" cap="none">
           <a:solidFill>
             <a:srgbClr val="000000"/>
           </a:solidFill>
@@ -7651,7 +7741,7 @@
       </a:lvl9pPr>
     </p:titleStyle>
     <p:bodyStyle>
-      <a:defPPr lvl="0" marR="0" rtl="0" algn="l">
+      <a:defPPr marR="0" lvl="0" algn="l" rtl="0">
         <a:lnSpc>
           <a:spcPct val="100000"/>
         </a:lnSpc>
@@ -7662,7 +7752,7 @@
           <a:spcPts val="0"/>
         </a:spcAft>
       </a:defPPr>
-      <a:lvl1pPr lvl="0" marR="0" rtl="0" algn="l">
+      <a:lvl1pPr marR="0" lvl="0" algn="l" rtl="0">
         <a:lnSpc>
           <a:spcPct val="100000"/>
         </a:lnSpc>
@@ -7676,7 +7766,7 @@
           <a:srgbClr val="000000"/>
         </a:buClr>
         <a:buFont typeface="Arial"/>
-        <a:defRPr b="0" i="0" sz="1400" u="none" cap="none" strike="noStrike">
+        <a:defRPr sz="1400" b="0" i="0" u="none" strike="noStrike" cap="none">
           <a:solidFill>
             <a:srgbClr val="000000"/>
           </a:solidFill>
@@ -7686,7 +7776,7 @@
           <a:sym typeface="Arial"/>
         </a:defRPr>
       </a:lvl1pPr>
-      <a:lvl2pPr lvl="1" marR="0" rtl="0" algn="l">
+      <a:lvl2pPr marR="0" lvl="1" algn="l" rtl="0">
         <a:lnSpc>
           <a:spcPct val="100000"/>
         </a:lnSpc>
@@ -7700,7 +7790,7 @@
           <a:srgbClr val="000000"/>
         </a:buClr>
         <a:buFont typeface="Arial"/>
-        <a:defRPr b="0" i="0" sz="1400" u="none" cap="none" strike="noStrike">
+        <a:defRPr sz="1400" b="0" i="0" u="none" strike="noStrike" cap="none">
           <a:solidFill>
             <a:srgbClr val="000000"/>
           </a:solidFill>
@@ -7710,7 +7800,7 @@
           <a:sym typeface="Arial"/>
         </a:defRPr>
       </a:lvl2pPr>
-      <a:lvl3pPr lvl="2" marR="0" rtl="0" algn="l">
+      <a:lvl3pPr marR="0" lvl="2" algn="l" rtl="0">
         <a:lnSpc>
           <a:spcPct val="100000"/>
         </a:lnSpc>
@@ -7724,7 +7814,7 @@
           <a:srgbClr val="000000"/>
         </a:buClr>
         <a:buFont typeface="Arial"/>
-        <a:defRPr b="0" i="0" sz="1400" u="none" cap="none" strike="noStrike">
+        <a:defRPr sz="1400" b="0" i="0" u="none" strike="noStrike" cap="none">
           <a:solidFill>
             <a:srgbClr val="000000"/>
           </a:solidFill>
@@ -7734,7 +7824,7 @@
           <a:sym typeface="Arial"/>
         </a:defRPr>
       </a:lvl3pPr>
-      <a:lvl4pPr lvl="3" marR="0" rtl="0" algn="l">
+      <a:lvl4pPr marR="0" lvl="3" algn="l" rtl="0">
         <a:lnSpc>
           <a:spcPct val="100000"/>
         </a:lnSpc>
@@ -7748,7 +7838,7 @@
           <a:srgbClr val="000000"/>
         </a:buClr>
         <a:buFont typeface="Arial"/>
-        <a:defRPr b="0" i="0" sz="1400" u="none" cap="none" strike="noStrike">
+        <a:defRPr sz="1400" b="0" i="0" u="none" strike="noStrike" cap="none">
           <a:solidFill>
             <a:srgbClr val="000000"/>
           </a:solidFill>
@@ -7758,7 +7848,7 @@
           <a:sym typeface="Arial"/>
         </a:defRPr>
       </a:lvl4pPr>
-      <a:lvl5pPr lvl="4" marR="0" rtl="0" algn="l">
+      <a:lvl5pPr marR="0" lvl="4" algn="l" rtl="0">
         <a:lnSpc>
           <a:spcPct val="100000"/>
         </a:lnSpc>
@@ -7772,7 +7862,7 @@
           <a:srgbClr val="000000"/>
         </a:buClr>
         <a:buFont typeface="Arial"/>
-        <a:defRPr b="0" i="0" sz="1400" u="none" cap="none" strike="noStrike">
+        <a:defRPr sz="1400" b="0" i="0" u="none" strike="noStrike" cap="none">
           <a:solidFill>
             <a:srgbClr val="000000"/>
           </a:solidFill>
@@ -7782,7 +7872,7 @@
           <a:sym typeface="Arial"/>
         </a:defRPr>
       </a:lvl5pPr>
-      <a:lvl6pPr lvl="5" marR="0" rtl="0" algn="l">
+      <a:lvl6pPr marR="0" lvl="5" algn="l" rtl="0">
         <a:lnSpc>
           <a:spcPct val="100000"/>
         </a:lnSpc>
@@ -7796,7 +7886,7 @@
           <a:srgbClr val="000000"/>
         </a:buClr>
         <a:buFont typeface="Arial"/>
-        <a:defRPr b="0" i="0" sz="1400" u="none" cap="none" strike="noStrike">
+        <a:defRPr sz="1400" b="0" i="0" u="none" strike="noStrike" cap="none">
           <a:solidFill>
             <a:srgbClr val="000000"/>
           </a:solidFill>
@@ -7806,7 +7896,7 @@
           <a:sym typeface="Arial"/>
         </a:defRPr>
       </a:lvl6pPr>
-      <a:lvl7pPr lvl="6" marR="0" rtl="0" algn="l">
+      <a:lvl7pPr marR="0" lvl="6" algn="l" rtl="0">
         <a:lnSpc>
           <a:spcPct val="100000"/>
         </a:lnSpc>
@@ -7820,7 +7910,7 @@
           <a:srgbClr val="000000"/>
         </a:buClr>
         <a:buFont typeface="Arial"/>
-        <a:defRPr b="0" i="0" sz="1400" u="none" cap="none" strike="noStrike">
+        <a:defRPr sz="1400" b="0" i="0" u="none" strike="noStrike" cap="none">
           <a:solidFill>
             <a:srgbClr val="000000"/>
           </a:solidFill>
@@ -7830,7 +7920,7 @@
           <a:sym typeface="Arial"/>
         </a:defRPr>
       </a:lvl7pPr>
-      <a:lvl8pPr lvl="7" marR="0" rtl="0" algn="l">
+      <a:lvl8pPr marR="0" lvl="7" algn="l" rtl="0">
         <a:lnSpc>
           <a:spcPct val="100000"/>
         </a:lnSpc>
@@ -7844,7 +7934,7 @@
           <a:srgbClr val="000000"/>
         </a:buClr>
         <a:buFont typeface="Arial"/>
-        <a:defRPr b="0" i="0" sz="1400" u="none" cap="none" strike="noStrike">
+        <a:defRPr sz="1400" b="0" i="0" u="none" strike="noStrike" cap="none">
           <a:solidFill>
             <a:srgbClr val="000000"/>
           </a:solidFill>
@@ -7854,7 +7944,7 @@
           <a:sym typeface="Arial"/>
         </a:defRPr>
       </a:lvl8pPr>
-      <a:lvl9pPr lvl="8" marR="0" rtl="0" algn="l">
+      <a:lvl9pPr marR="0" lvl="8" algn="l" rtl="0">
         <a:lnSpc>
           <a:spcPct val="100000"/>
         </a:lnSpc>
@@ -7868,7 +7958,7 @@
           <a:srgbClr val="000000"/>
         </a:buClr>
         <a:buFont typeface="Arial"/>
-        <a:defRPr b="0" i="0" sz="1400" u="none" cap="none" strike="noStrike">
+        <a:defRPr sz="1400" b="0" i="0" u="none" strike="noStrike" cap="none">
           <a:solidFill>
             <a:srgbClr val="000000"/>
           </a:solidFill>
@@ -7880,7 +7970,7 @@
       </a:lvl9pPr>
     </p:bodyStyle>
     <p:otherStyle>
-      <a:defPPr lvl="0" marR="0" rtl="0" algn="l">
+      <a:defPPr marR="0" lvl="0" algn="l" rtl="0">
         <a:lnSpc>
           <a:spcPct val="100000"/>
         </a:lnSpc>
@@ -7891,7 +7981,7 @@
           <a:spcPts val="0"/>
         </a:spcAft>
       </a:defPPr>
-      <a:lvl1pPr lvl="0" marR="0" rtl="0" algn="l">
+      <a:lvl1pPr marR="0" lvl="0" algn="l" rtl="0">
         <a:lnSpc>
           <a:spcPct val="100000"/>
         </a:lnSpc>
@@ -7905,7 +7995,7 @@
           <a:srgbClr val="000000"/>
         </a:buClr>
         <a:buFont typeface="Arial"/>
-        <a:defRPr b="0" i="0" sz="1400" u="none" cap="none" strike="noStrike">
+        <a:defRPr sz="1400" b="0" i="0" u="none" strike="noStrike" cap="none">
           <a:solidFill>
             <a:srgbClr val="000000"/>
           </a:solidFill>
@@ -7915,7 +8005,7 @@
           <a:sym typeface="Arial"/>
         </a:defRPr>
       </a:lvl1pPr>
-      <a:lvl2pPr lvl="1" marR="0" rtl="0" algn="l">
+      <a:lvl2pPr marR="0" lvl="1" algn="l" rtl="0">
         <a:lnSpc>
           <a:spcPct val="100000"/>
         </a:lnSpc>
@@ -7929,7 +8019,7 @@
           <a:srgbClr val="000000"/>
         </a:buClr>
         <a:buFont typeface="Arial"/>
-        <a:defRPr b="0" i="0" sz="1400" u="none" cap="none" strike="noStrike">
+        <a:defRPr sz="1400" b="0" i="0" u="none" strike="noStrike" cap="none">
           <a:solidFill>
             <a:srgbClr val="000000"/>
           </a:solidFill>
@@ -7939,7 +8029,7 @@
           <a:sym typeface="Arial"/>
         </a:defRPr>
       </a:lvl2pPr>
-      <a:lvl3pPr lvl="2" marR="0" rtl="0" algn="l">
+      <a:lvl3pPr marR="0" lvl="2" algn="l" rtl="0">
         <a:lnSpc>
           <a:spcPct val="100000"/>
         </a:lnSpc>
@@ -7953,7 +8043,7 @@
           <a:srgbClr val="000000"/>
         </a:buClr>
         <a:buFont typeface="Arial"/>
-        <a:defRPr b="0" i="0" sz="1400" u="none" cap="none" strike="noStrike">
+        <a:defRPr sz="1400" b="0" i="0" u="none" strike="noStrike" cap="none">
           <a:solidFill>
             <a:srgbClr val="000000"/>
           </a:solidFill>
@@ -7963,7 +8053,7 @@
           <a:sym typeface="Arial"/>
         </a:defRPr>
       </a:lvl3pPr>
-      <a:lvl4pPr lvl="3" marR="0" rtl="0" algn="l">
+      <a:lvl4pPr marR="0" lvl="3" algn="l" rtl="0">
         <a:lnSpc>
           <a:spcPct val="100000"/>
         </a:lnSpc>
@@ -7977,7 +8067,7 @@
           <a:srgbClr val="000000"/>
         </a:buClr>
         <a:buFont typeface="Arial"/>
-        <a:defRPr b="0" i="0" sz="1400" u="none" cap="none" strike="noStrike">
+        <a:defRPr sz="1400" b="0" i="0" u="none" strike="noStrike" cap="none">
           <a:solidFill>
             <a:srgbClr val="000000"/>
           </a:solidFill>
@@ -7987,7 +8077,7 @@
           <a:sym typeface="Arial"/>
         </a:defRPr>
       </a:lvl4pPr>
-      <a:lvl5pPr lvl="4" marR="0" rtl="0" algn="l">
+      <a:lvl5pPr marR="0" lvl="4" algn="l" rtl="0">
         <a:lnSpc>
           <a:spcPct val="100000"/>
         </a:lnSpc>
@@ -8001,7 +8091,7 @@
           <a:srgbClr val="000000"/>
         </a:buClr>
         <a:buFont typeface="Arial"/>
-        <a:defRPr b="0" i="0" sz="1400" u="none" cap="none" strike="noStrike">
+        <a:defRPr sz="1400" b="0" i="0" u="none" strike="noStrike" cap="none">
           <a:solidFill>
             <a:srgbClr val="000000"/>
           </a:solidFill>
@@ -8011,7 +8101,7 @@
           <a:sym typeface="Arial"/>
         </a:defRPr>
       </a:lvl5pPr>
-      <a:lvl6pPr lvl="5" marR="0" rtl="0" algn="l">
+      <a:lvl6pPr marR="0" lvl="5" algn="l" rtl="0">
         <a:lnSpc>
           <a:spcPct val="100000"/>
         </a:lnSpc>
@@ -8025,7 +8115,7 @@
           <a:srgbClr val="000000"/>
         </a:buClr>
         <a:buFont typeface="Arial"/>
-        <a:defRPr b="0" i="0" sz="1400" u="none" cap="none" strike="noStrike">
+        <a:defRPr sz="1400" b="0" i="0" u="none" strike="noStrike" cap="none">
           <a:solidFill>
             <a:srgbClr val="000000"/>
           </a:solidFill>
@@ -8035,7 +8125,7 @@
           <a:sym typeface="Arial"/>
         </a:defRPr>
       </a:lvl6pPr>
-      <a:lvl7pPr lvl="6" marR="0" rtl="0" algn="l">
+      <a:lvl7pPr marR="0" lvl="6" algn="l" rtl="0">
         <a:lnSpc>
           <a:spcPct val="100000"/>
         </a:lnSpc>
@@ -8049,7 +8139,7 @@
           <a:srgbClr val="000000"/>
         </a:buClr>
         <a:buFont typeface="Arial"/>
-        <a:defRPr b="0" i="0" sz="1400" u="none" cap="none" strike="noStrike">
+        <a:defRPr sz="1400" b="0" i="0" u="none" strike="noStrike" cap="none">
           <a:solidFill>
             <a:srgbClr val="000000"/>
           </a:solidFill>
@@ -8059,7 +8149,7 @@
           <a:sym typeface="Arial"/>
         </a:defRPr>
       </a:lvl7pPr>
-      <a:lvl8pPr lvl="7" marR="0" rtl="0" algn="l">
+      <a:lvl8pPr marR="0" lvl="7" algn="l" rtl="0">
         <a:lnSpc>
           <a:spcPct val="100000"/>
         </a:lnSpc>
@@ -8073,7 +8163,7 @@
           <a:srgbClr val="000000"/>
         </a:buClr>
         <a:buFont typeface="Arial"/>
-        <a:defRPr b="0" i="0" sz="1400" u="none" cap="none" strike="noStrike">
+        <a:defRPr sz="1400" b="0" i="0" u="none" strike="noStrike" cap="none">
           <a:solidFill>
             <a:srgbClr val="000000"/>
           </a:solidFill>
@@ -8083,7 +8173,7 @@
           <a:sym typeface="Arial"/>
         </a:defRPr>
       </a:lvl8pPr>
-      <a:lvl9pPr lvl="8" marR="0" rtl="0" algn="l">
+      <a:lvl9pPr marR="0" lvl="8" algn="l" rtl="0">
         <a:lnSpc>
           <a:spcPct val="100000"/>
         </a:lnSpc>
@@ -8097,7 +8187,7 @@
           <a:srgbClr val="000000"/>
         </a:buClr>
         <a:buFont typeface="Arial"/>
-        <a:defRPr b="0" i="0" sz="1400" u="none" cap="none" strike="noStrike">
+        <a:defRPr sz="1400" b="0" i="0" u="none" strike="noStrike" cap="none">
           <a:solidFill>
             <a:srgbClr val="000000"/>
           </a:solidFill>
@@ -8113,11 +8203,11 @@
 </file>
 
 <file path=ppt/slides/slide1.xml><?xml version="1.0" encoding="utf-8"?>
-<p:sld xmlns:a="http://schemas.openxmlformats.org/drawingml/2006/main" xmlns:r="http://schemas.openxmlformats.org/officeDocument/2006/relationships" xmlns:mc="http://schemas.openxmlformats.org/markup-compatibility/2006" xmlns:mv="urn:schemas-microsoft-com:mac:vml" xmlns:p="http://schemas.openxmlformats.org/presentationml/2006/main" xmlns:c="http://schemas.openxmlformats.org/drawingml/2006/chart" xmlns:dgm="http://schemas.openxmlformats.org/drawingml/2006/diagram" xmlns:o="urn:schemas-microsoft-com:office:office" xmlns:v="urn:schemas-microsoft-com:vml" xmlns:pvml="urn:schemas-microsoft-com:office:powerpoint" xmlns:com="http://schemas.openxmlformats.org/drawingml/2006/compatibility" xmlns:p14="http://schemas.microsoft.com/office/powerpoint/2010/main" xmlns:p15="http://schemas.microsoft.com/office/powerpoint/2012/main" xmlns:ahyp="http://schemas.microsoft.com/office/drawing/2018/hyperlinkcolor">
+<p:sld xmlns:a="http://schemas.openxmlformats.org/drawingml/2006/main" xmlns:r="http://schemas.openxmlformats.org/officeDocument/2006/relationships" xmlns:p="http://schemas.openxmlformats.org/presentationml/2006/main">
   <p:cSld>
     <p:spTree>
       <p:nvGrpSpPr>
-        <p:cNvPr id="85" name="Shape 85"/>
+        <p:cNvPr id="1" name="Shape 85"/>
         <p:cNvGrpSpPr/>
         <p:nvPr/>
       </p:nvGrpSpPr>
@@ -8132,7 +8222,9 @@
       <p:sp>
         <p:nvSpPr>
           <p:cNvPr id="86" name="Google Shape;86;p13"/>
-          <p:cNvSpPr txBox="1"/>
+          <p:cNvSpPr txBox="1">
+            <a:spLocks noGrp="1"/>
+          </p:cNvSpPr>
           <p:nvPr>
             <p:ph type="ctrTitle"/>
           </p:nvPr>
@@ -8147,12 +8239,12 @@
           </a:prstGeom>
         </p:spPr>
         <p:txBody>
-          <a:bodyPr anchorCtr="0" anchor="t" bIns="91425" lIns="91425" spcFirstLastPara="1" rIns="91425" wrap="square" tIns="91425">
+          <a:bodyPr spcFirstLastPara="1" wrap="square" lIns="91425" tIns="91425" rIns="91425" bIns="91425" anchor="t" anchorCtr="0">
             <a:noAutofit/>
           </a:bodyPr>
           <a:lstStyle/>
           <a:p>
-            <a:pPr indent="0" lvl="0" marL="0" rtl="0" algn="ctr">
+            <a:pPr marL="0" lvl="0" indent="0" algn="ctr" rtl="0">
               <a:spcBef>
                 <a:spcPts val="0"/>
               </a:spcBef>
@@ -8168,7 +8260,7 @@
             <a:endParaRPr sz="3500"/>
           </a:p>
           <a:p>
-            <a:pPr indent="0" lvl="0" marL="0" rtl="0" algn="ctr">
+            <a:pPr marL="0" lvl="0" indent="0" algn="ctr" rtl="0">
               <a:spcBef>
                 <a:spcPts val="0"/>
               </a:spcBef>
@@ -8208,7 +8300,7 @@
             </a:endParaRPr>
           </a:p>
           <a:p>
-            <a:pPr indent="0" lvl="0" marL="0" rtl="0" algn="l">
+            <a:pPr marL="0" lvl="0" indent="0" algn="l" rtl="0">
               <a:spcBef>
                 <a:spcPts val="0"/>
               </a:spcBef>
@@ -8217,9 +8309,6 @@
               </a:spcAft>
               <a:buNone/>
             </a:pPr>
-            <a:r>
-              <a:t/>
-            </a:r>
             <a:endParaRPr sz="3500"/>
           </a:p>
         </p:txBody>
@@ -8227,9 +8316,11 @@
       <p:sp>
         <p:nvSpPr>
           <p:cNvPr id="87" name="Google Shape;87;p13"/>
-          <p:cNvSpPr txBox="1"/>
+          <p:cNvSpPr txBox="1">
+            <a:spLocks noGrp="1"/>
+          </p:cNvSpPr>
           <p:nvPr>
-            <p:ph idx="1" type="subTitle"/>
+            <p:ph type="subTitle" idx="1"/>
           </p:nvPr>
         </p:nvSpPr>
         <p:spPr>
@@ -8242,12 +8333,12 @@
           </a:prstGeom>
         </p:spPr>
         <p:txBody>
-          <a:bodyPr anchorCtr="0" anchor="t" bIns="91425" lIns="91425" spcFirstLastPara="1" rIns="91425" wrap="square" tIns="91425">
+          <a:bodyPr spcFirstLastPara="1" wrap="square" lIns="91425" tIns="91425" rIns="91425" bIns="91425" anchor="t" anchorCtr="0">
             <a:noAutofit/>
           </a:bodyPr>
           <a:lstStyle/>
           <a:p>
-            <a:pPr indent="0" lvl="0" marL="0" rtl="0" algn="ctr">
+            <a:pPr marL="0" lvl="0" indent="0" algn="ctr" rtl="0">
               <a:spcBef>
                 <a:spcPts val="0"/>
               </a:spcBef>
@@ -8263,7 +8354,7 @@
             <a:endParaRPr/>
           </a:p>
           <a:p>
-            <a:pPr indent="0" lvl="0" marL="0" rtl="0" algn="ctr">
+            <a:pPr marL="0" lvl="0" indent="0" algn="ctr" rtl="0">
               <a:spcBef>
                 <a:spcPts val="0"/>
               </a:spcBef>
@@ -8289,11 +8380,11 @@
 </file>
 
 <file path=ppt/slides/slide2.xml><?xml version="1.0" encoding="utf-8"?>
-<p:sld xmlns:a="http://schemas.openxmlformats.org/drawingml/2006/main" xmlns:r="http://schemas.openxmlformats.org/officeDocument/2006/relationships" xmlns:mc="http://schemas.openxmlformats.org/markup-compatibility/2006" xmlns:mv="urn:schemas-microsoft-com:mac:vml" xmlns:p="http://schemas.openxmlformats.org/presentationml/2006/main" xmlns:c="http://schemas.openxmlformats.org/drawingml/2006/chart" xmlns:dgm="http://schemas.openxmlformats.org/drawingml/2006/diagram" xmlns:o="urn:schemas-microsoft-com:office:office" xmlns:v="urn:schemas-microsoft-com:vml" xmlns:pvml="urn:schemas-microsoft-com:office:powerpoint" xmlns:com="http://schemas.openxmlformats.org/drawingml/2006/compatibility" xmlns:p14="http://schemas.microsoft.com/office/powerpoint/2010/main" xmlns:p15="http://schemas.microsoft.com/office/powerpoint/2012/main" xmlns:ahyp="http://schemas.microsoft.com/office/drawing/2018/hyperlinkcolor">
+<p:sld xmlns:a="http://schemas.openxmlformats.org/drawingml/2006/main" xmlns:r="http://schemas.openxmlformats.org/officeDocument/2006/relationships" xmlns:p="http://schemas.openxmlformats.org/presentationml/2006/main">
   <p:cSld>
     <p:spTree>
       <p:nvGrpSpPr>
-        <p:cNvPr id="91" name="Shape 91"/>
+        <p:cNvPr id="1" name="Shape 91"/>
         <p:cNvGrpSpPr/>
         <p:nvPr/>
       </p:nvGrpSpPr>
@@ -8308,7 +8399,9 @@
       <p:sp>
         <p:nvSpPr>
           <p:cNvPr id="92" name="Google Shape;92;p14"/>
-          <p:cNvSpPr txBox="1"/>
+          <p:cNvSpPr txBox="1">
+            <a:spLocks noGrp="1"/>
+          </p:cNvSpPr>
           <p:nvPr>
             <p:ph type="title"/>
           </p:nvPr>
@@ -8323,12 +8416,12 @@
           </a:prstGeom>
         </p:spPr>
         <p:txBody>
-          <a:bodyPr anchorCtr="0" anchor="t" bIns="91425" lIns="91425" spcFirstLastPara="1" rIns="91425" wrap="square" tIns="91425">
+          <a:bodyPr spcFirstLastPara="1" wrap="square" lIns="91425" tIns="91425" rIns="91425" bIns="91425" anchor="t" anchorCtr="0">
             <a:noAutofit/>
           </a:bodyPr>
           <a:lstStyle/>
           <a:p>
-            <a:pPr indent="0" lvl="0" marL="0" rtl="0" algn="l">
+            <a:pPr marL="0" lvl="0" indent="0" algn="l" rtl="0">
               <a:spcBef>
                 <a:spcPts val="0"/>
               </a:spcBef>
@@ -8348,9 +8441,11 @@
       <p:sp>
         <p:nvSpPr>
           <p:cNvPr id="93" name="Google Shape;93;p14"/>
-          <p:cNvSpPr txBox="1"/>
+          <p:cNvSpPr txBox="1">
+            <a:spLocks noGrp="1"/>
+          </p:cNvSpPr>
           <p:nvPr>
-            <p:ph idx="1" type="body"/>
+            <p:ph type="body" idx="1"/>
           </p:nvPr>
         </p:nvSpPr>
         <p:spPr>
@@ -8363,12 +8458,12 @@
           </a:prstGeom>
         </p:spPr>
         <p:txBody>
-          <a:bodyPr anchorCtr="0" anchor="t" bIns="91425" lIns="91425" spcFirstLastPara="1" rIns="91425" wrap="square" tIns="91425">
+          <a:bodyPr spcFirstLastPara="1" wrap="square" lIns="91425" tIns="91425" rIns="91425" bIns="91425" anchor="t" anchorCtr="0">
             <a:noAutofit/>
           </a:bodyPr>
           <a:lstStyle/>
           <a:p>
-            <a:pPr indent="0" lvl="0" marL="0" rtl="0" algn="l">
+            <a:pPr marL="0" lvl="0" indent="0" algn="l" rtl="0">
               <a:spcBef>
                 <a:spcPts val="0"/>
               </a:spcBef>
@@ -8384,7 +8479,7 @@
             <a:endParaRPr/>
           </a:p>
           <a:p>
-            <a:pPr indent="0" lvl="0" marL="0" rtl="0" algn="l">
+            <a:pPr marL="0" lvl="0" indent="0" algn="l" rtl="0">
               <a:spcBef>
                 <a:spcPts val="1600"/>
               </a:spcBef>
@@ -8400,7 +8495,7 @@
             <a:endParaRPr/>
           </a:p>
           <a:p>
-            <a:pPr indent="0" lvl="0" marL="0" rtl="0" algn="l">
+            <a:pPr marL="0" lvl="0" indent="0" algn="l" rtl="0">
               <a:spcBef>
                 <a:spcPts val="1600"/>
               </a:spcBef>
@@ -8420,9 +8515,11 @@
       <p:sp>
         <p:nvSpPr>
           <p:cNvPr id="94" name="Google Shape;94;p14"/>
-          <p:cNvSpPr txBox="1"/>
+          <p:cNvSpPr txBox="1">
+            <a:spLocks noGrp="1"/>
+          </p:cNvSpPr>
           <p:nvPr>
-            <p:ph idx="2" type="body"/>
+            <p:ph type="body" idx="2"/>
           </p:nvPr>
         </p:nvSpPr>
         <p:spPr>
@@ -8435,12 +8532,12 @@
           </a:prstGeom>
         </p:spPr>
         <p:txBody>
-          <a:bodyPr anchorCtr="0" anchor="t" bIns="91425" lIns="91425" spcFirstLastPara="1" rIns="91425" wrap="square" tIns="91425">
+          <a:bodyPr spcFirstLastPara="1" wrap="square" lIns="91425" tIns="91425" rIns="91425" bIns="91425" anchor="t" anchorCtr="0">
             <a:noAutofit/>
           </a:bodyPr>
           <a:lstStyle/>
           <a:p>
-            <a:pPr indent="-311150" lvl="0" marL="457200" rtl="0" algn="l">
+            <a:pPr marL="457200" lvl="0" indent="-311150" algn="l" rtl="0">
               <a:spcBef>
                 <a:spcPts val="0"/>
               </a:spcBef>
@@ -8457,7 +8554,7 @@
             <a:endParaRPr/>
           </a:p>
           <a:p>
-            <a:pPr indent="-311150" lvl="0" marL="457200" rtl="0" algn="l">
+            <a:pPr marL="457200" lvl="0" indent="-311150" algn="l" rtl="0">
               <a:spcBef>
                 <a:spcPts val="0"/>
               </a:spcBef>
@@ -8474,7 +8571,7 @@
             <a:endParaRPr/>
           </a:p>
           <a:p>
-            <a:pPr indent="-311150" lvl="0" marL="457200" rtl="0" algn="l">
+            <a:pPr marL="457200" lvl="0" indent="-311150" algn="l" rtl="0">
               <a:spcBef>
                 <a:spcPts val="0"/>
               </a:spcBef>
@@ -8501,11 +8598,11 @@
 </file>
 
 <file path=ppt/slides/slide3.xml><?xml version="1.0" encoding="utf-8"?>
-<p:sld xmlns:a="http://schemas.openxmlformats.org/drawingml/2006/main" xmlns:r="http://schemas.openxmlformats.org/officeDocument/2006/relationships" xmlns:mc="http://schemas.openxmlformats.org/markup-compatibility/2006" xmlns:mv="urn:schemas-microsoft-com:mac:vml" xmlns:p="http://schemas.openxmlformats.org/presentationml/2006/main" xmlns:c="http://schemas.openxmlformats.org/drawingml/2006/chart" xmlns:dgm="http://schemas.openxmlformats.org/drawingml/2006/diagram" xmlns:o="urn:schemas-microsoft-com:office:office" xmlns:v="urn:schemas-microsoft-com:vml" xmlns:pvml="urn:schemas-microsoft-com:office:powerpoint" xmlns:com="http://schemas.openxmlformats.org/drawingml/2006/compatibility" xmlns:p14="http://schemas.microsoft.com/office/powerpoint/2010/main" xmlns:p15="http://schemas.microsoft.com/office/powerpoint/2012/main" xmlns:ahyp="http://schemas.microsoft.com/office/drawing/2018/hyperlinkcolor">
+<p:sld xmlns:a="http://schemas.openxmlformats.org/drawingml/2006/main" xmlns:r="http://schemas.openxmlformats.org/officeDocument/2006/relationships" xmlns:p="http://schemas.openxmlformats.org/presentationml/2006/main">
   <p:cSld>
     <p:spTree>
       <p:nvGrpSpPr>
-        <p:cNvPr id="98" name="Shape 98"/>
+        <p:cNvPr id="1" name="Shape 98"/>
         <p:cNvGrpSpPr/>
         <p:nvPr/>
       </p:nvGrpSpPr>
@@ -8520,7 +8617,9 @@
       <p:sp>
         <p:nvSpPr>
           <p:cNvPr id="99" name="Google Shape;99;p15"/>
-          <p:cNvSpPr txBox="1"/>
+          <p:cNvSpPr txBox="1">
+            <a:spLocks noGrp="1"/>
+          </p:cNvSpPr>
           <p:nvPr>
             <p:ph type="title"/>
           </p:nvPr>
@@ -8535,12 +8634,12 @@
           </a:prstGeom>
         </p:spPr>
         <p:txBody>
-          <a:bodyPr anchorCtr="0" anchor="t" bIns="91425" lIns="91425" spcFirstLastPara="1" rIns="91425" wrap="square" tIns="91425">
+          <a:bodyPr spcFirstLastPara="1" wrap="square" lIns="91425" tIns="91425" rIns="91425" bIns="91425" anchor="t" anchorCtr="0">
             <a:noAutofit/>
           </a:bodyPr>
           <a:lstStyle/>
           <a:p>
-            <a:pPr indent="0" lvl="0" marL="0" rtl="0" algn="l">
+            <a:pPr marL="0" lvl="0" indent="0" algn="l" rtl="0">
               <a:spcBef>
                 <a:spcPts val="0"/>
               </a:spcBef>
@@ -8560,9 +8659,11 @@
       <p:sp>
         <p:nvSpPr>
           <p:cNvPr id="100" name="Google Shape;100;p15"/>
-          <p:cNvSpPr txBox="1"/>
+          <p:cNvSpPr txBox="1">
+            <a:spLocks noGrp="1"/>
+          </p:cNvSpPr>
           <p:nvPr>
-            <p:ph idx="1" type="body"/>
+            <p:ph type="body" idx="1"/>
           </p:nvPr>
         </p:nvSpPr>
         <p:spPr>
@@ -8575,12 +8676,12 @@
           </a:prstGeom>
         </p:spPr>
         <p:txBody>
-          <a:bodyPr anchorCtr="0" anchor="t" bIns="91425" lIns="91425" spcFirstLastPara="1" rIns="91425" wrap="square" tIns="91425">
+          <a:bodyPr spcFirstLastPara="1" wrap="square" lIns="91425" tIns="91425" rIns="91425" bIns="91425" anchor="t" anchorCtr="0">
             <a:noAutofit/>
           </a:bodyPr>
           <a:lstStyle/>
           <a:p>
-            <a:pPr indent="-311150" lvl="0" marL="457200" rtl="0" algn="l">
+            <a:pPr marL="457200" lvl="0" indent="-311150" algn="l" rtl="0">
               <a:spcBef>
                 <a:spcPts val="0"/>
               </a:spcBef>
@@ -8597,7 +8698,7 @@
             <a:endParaRPr/>
           </a:p>
           <a:p>
-            <a:pPr indent="-311150" lvl="0" marL="457200" rtl="0" algn="l">
+            <a:pPr marL="457200" lvl="0" indent="-311150" algn="l" rtl="0">
               <a:spcBef>
                 <a:spcPts val="0"/>
               </a:spcBef>
@@ -8614,7 +8715,7 @@
             <a:endParaRPr/>
           </a:p>
           <a:p>
-            <a:pPr indent="-298450" lvl="1" marL="914400" rtl="0" algn="l">
+            <a:pPr marL="914400" lvl="1" indent="-298450" algn="l" rtl="0">
               <a:spcBef>
                 <a:spcPts val="0"/>
               </a:spcBef>
@@ -8631,7 +8732,7 @@
             <a:endParaRPr/>
           </a:p>
           <a:p>
-            <a:pPr indent="-298450" lvl="1" marL="914400" rtl="0" algn="l">
+            <a:pPr marL="914400" lvl="1" indent="-298450" algn="l" rtl="0">
               <a:spcBef>
                 <a:spcPts val="0"/>
               </a:spcBef>
@@ -8648,7 +8749,7 @@
             <a:endParaRPr/>
           </a:p>
           <a:p>
-            <a:pPr indent="-298450" lvl="1" marL="914400" rtl="0" algn="l">
+            <a:pPr marL="914400" lvl="1" indent="-298450" algn="l" rtl="0">
               <a:spcBef>
                 <a:spcPts val="0"/>
               </a:spcBef>
@@ -8665,7 +8766,7 @@
             <a:endParaRPr/>
           </a:p>
           <a:p>
-            <a:pPr indent="-311150" lvl="0" marL="457200" rtl="0" algn="l">
+            <a:pPr marL="457200" lvl="0" indent="-311150" algn="l" rtl="0">
               <a:spcBef>
                 <a:spcPts val="0"/>
               </a:spcBef>
@@ -8682,7 +8783,7 @@
             <a:endParaRPr/>
           </a:p>
           <a:p>
-            <a:pPr indent="0" lvl="0" marL="914400" rtl="0" algn="l">
+            <a:pPr marL="914400" lvl="0" indent="0" algn="l" rtl="0">
               <a:spcBef>
                 <a:spcPts val="1600"/>
               </a:spcBef>
@@ -8691,13 +8792,10 @@
               </a:spcAft>
               <a:buNone/>
             </a:pPr>
-            <a:r>
-              <a:t/>
-            </a:r>
             <a:endParaRPr/>
           </a:p>
           <a:p>
-            <a:pPr indent="0" lvl="0" marL="914400" rtl="0" algn="l">
+            <a:pPr marL="914400" lvl="0" indent="0" algn="l" rtl="0">
               <a:spcBef>
                 <a:spcPts val="1600"/>
               </a:spcBef>
@@ -8706,9 +8804,6 @@
               </a:spcAft>
               <a:buNone/>
             </a:pPr>
-            <a:r>
-              <a:t/>
-            </a:r>
             <a:endParaRPr/>
           </a:p>
         </p:txBody>
@@ -8716,9 +8811,11 @@
       <p:sp>
         <p:nvSpPr>
           <p:cNvPr id="101" name="Google Shape;101;p15"/>
-          <p:cNvSpPr txBox="1"/>
+          <p:cNvSpPr txBox="1">
+            <a:spLocks noGrp="1"/>
+          </p:cNvSpPr>
           <p:nvPr>
-            <p:ph idx="2" type="body"/>
+            <p:ph type="body" idx="2"/>
           </p:nvPr>
         </p:nvSpPr>
         <p:spPr>
@@ -8731,12 +8828,12 @@
           </a:prstGeom>
         </p:spPr>
         <p:txBody>
-          <a:bodyPr anchorCtr="0" anchor="t" bIns="91425" lIns="91425" spcFirstLastPara="1" rIns="91425" wrap="square" tIns="91425">
+          <a:bodyPr spcFirstLastPara="1" wrap="square" lIns="91425" tIns="91425" rIns="91425" bIns="91425" anchor="t" anchorCtr="0">
             <a:noAutofit/>
           </a:bodyPr>
           <a:lstStyle/>
           <a:p>
-            <a:pPr indent="-311150" lvl="0" marL="457200" rtl="0" algn="l">
+            <a:pPr marL="457200" lvl="0" indent="-311150" algn="l" rtl="0">
               <a:spcBef>
                 <a:spcPts val="0"/>
               </a:spcBef>
@@ -8753,7 +8850,7 @@
             <a:endParaRPr/>
           </a:p>
           <a:p>
-            <a:pPr indent="-298450" lvl="1" marL="914400" rtl="0" algn="l">
+            <a:pPr marL="914400" lvl="1" indent="-298450" algn="l" rtl="0">
               <a:spcBef>
                 <a:spcPts val="0"/>
               </a:spcBef>
@@ -8770,7 +8867,7 @@
             <a:endParaRPr/>
           </a:p>
           <a:p>
-            <a:pPr indent="-311150" lvl="0" marL="457200" rtl="0" algn="l">
+            <a:pPr marL="457200" lvl="0" indent="-311150" algn="l" rtl="0">
               <a:spcBef>
                 <a:spcPts val="0"/>
               </a:spcBef>
@@ -8787,7 +8884,7 @@
             <a:endParaRPr/>
           </a:p>
           <a:p>
-            <a:pPr indent="-298450" lvl="1" marL="914400" rtl="0" algn="l">
+            <a:pPr marL="914400" lvl="1" indent="-298450" algn="l" rtl="0">
               <a:spcBef>
                 <a:spcPts val="0"/>
               </a:spcBef>
@@ -8804,7 +8901,7 @@
             <a:endParaRPr/>
           </a:p>
           <a:p>
-            <a:pPr indent="-311150" lvl="0" marL="457200" rtl="0" algn="l">
+            <a:pPr marL="457200" lvl="0" indent="-311150" algn="l" rtl="0">
               <a:spcBef>
                 <a:spcPts val="0"/>
               </a:spcBef>
@@ -8821,7 +8918,7 @@
             <a:endParaRPr/>
           </a:p>
           <a:p>
-            <a:pPr indent="-298450" lvl="1" marL="914400" rtl="0" algn="l">
+            <a:pPr marL="914400" lvl="1" indent="-298450" algn="l" rtl="0">
               <a:spcBef>
                 <a:spcPts val="0"/>
               </a:spcBef>
@@ -8838,7 +8935,7 @@
             <a:endParaRPr/>
           </a:p>
           <a:p>
-            <a:pPr indent="0" lvl="0" marL="914400" rtl="0" algn="l">
+            <a:pPr marL="914400" lvl="0" indent="0" algn="l" rtl="0">
               <a:spcBef>
                 <a:spcPts val="1600"/>
               </a:spcBef>
@@ -8847,9 +8944,6 @@
               </a:spcAft>
               <a:buNone/>
             </a:pPr>
-            <a:r>
-              <a:t/>
-            </a:r>
             <a:endParaRPr/>
           </a:p>
         </p:txBody>
@@ -8863,11 +8957,11 @@
 </file>
 
 <file path=ppt/slides/slide4.xml><?xml version="1.0" encoding="utf-8"?>
-<p:sld xmlns:a="http://schemas.openxmlformats.org/drawingml/2006/main" xmlns:r="http://schemas.openxmlformats.org/officeDocument/2006/relationships" xmlns:mc="http://schemas.openxmlformats.org/markup-compatibility/2006" xmlns:mv="urn:schemas-microsoft-com:mac:vml" xmlns:p="http://schemas.openxmlformats.org/presentationml/2006/main" xmlns:c="http://schemas.openxmlformats.org/drawingml/2006/chart" xmlns:dgm="http://schemas.openxmlformats.org/drawingml/2006/diagram" xmlns:o="urn:schemas-microsoft-com:office:office" xmlns:v="urn:schemas-microsoft-com:vml" xmlns:pvml="urn:schemas-microsoft-com:office:powerpoint" xmlns:com="http://schemas.openxmlformats.org/drawingml/2006/compatibility" xmlns:p14="http://schemas.microsoft.com/office/powerpoint/2010/main" xmlns:p15="http://schemas.microsoft.com/office/powerpoint/2012/main" xmlns:ahyp="http://schemas.microsoft.com/office/drawing/2018/hyperlinkcolor">
+<p:sld xmlns:a="http://schemas.openxmlformats.org/drawingml/2006/main" xmlns:r="http://schemas.openxmlformats.org/officeDocument/2006/relationships" xmlns:p="http://schemas.openxmlformats.org/presentationml/2006/main">
   <p:cSld>
     <p:spTree>
       <p:nvGrpSpPr>
-        <p:cNvPr id="105" name="Shape 105"/>
+        <p:cNvPr id="1" name="Shape 105"/>
         <p:cNvGrpSpPr/>
         <p:nvPr/>
       </p:nvGrpSpPr>
@@ -8882,7 +8976,9 @@
       <p:sp>
         <p:nvSpPr>
           <p:cNvPr id="106" name="Google Shape;106;p16"/>
-          <p:cNvSpPr txBox="1"/>
+          <p:cNvSpPr txBox="1">
+            <a:spLocks noGrp="1"/>
+          </p:cNvSpPr>
           <p:nvPr>
             <p:ph type="title"/>
           </p:nvPr>
@@ -8897,12 +8993,12 @@
           </a:prstGeom>
         </p:spPr>
         <p:txBody>
-          <a:bodyPr anchorCtr="0" anchor="t" bIns="91425" lIns="91425" spcFirstLastPara="1" rIns="91425" wrap="square" tIns="91425">
+          <a:bodyPr spcFirstLastPara="1" wrap="square" lIns="91425" tIns="91425" rIns="91425" bIns="91425" anchor="t" anchorCtr="0">
             <a:noAutofit/>
           </a:bodyPr>
           <a:lstStyle/>
           <a:p>
-            <a:pPr indent="0" lvl="0" marL="0" rtl="0" algn="l">
+            <a:pPr marL="0" lvl="0" indent="0" algn="l" rtl="0">
               <a:spcBef>
                 <a:spcPts val="0"/>
               </a:spcBef>
@@ -8922,9 +9018,11 @@
       <p:sp>
         <p:nvSpPr>
           <p:cNvPr id="107" name="Google Shape;107;p16"/>
-          <p:cNvSpPr txBox="1"/>
+          <p:cNvSpPr txBox="1">
+            <a:spLocks noGrp="1"/>
+          </p:cNvSpPr>
           <p:nvPr>
-            <p:ph idx="1" type="body"/>
+            <p:ph type="body" idx="1"/>
           </p:nvPr>
         </p:nvSpPr>
         <p:spPr>
@@ -8937,12 +9035,12 @@
           </a:prstGeom>
         </p:spPr>
         <p:txBody>
-          <a:bodyPr anchorCtr="0" anchor="t" bIns="91425" lIns="91425" spcFirstLastPara="1" rIns="91425" wrap="square" tIns="91425">
+          <a:bodyPr spcFirstLastPara="1" wrap="square" lIns="91425" tIns="91425" rIns="91425" bIns="91425" anchor="t" anchorCtr="0">
             <a:noAutofit/>
           </a:bodyPr>
           <a:lstStyle/>
           <a:p>
-            <a:pPr indent="0" lvl="0" marL="0" rtl="0" algn="l">
+            <a:pPr marL="0" lvl="0" indent="0" algn="l" rtl="0">
               <a:spcBef>
                 <a:spcPts val="0"/>
               </a:spcBef>
@@ -8962,9 +9060,11 @@
       <p:sp>
         <p:nvSpPr>
           <p:cNvPr id="108" name="Google Shape;108;p16"/>
-          <p:cNvSpPr txBox="1"/>
+          <p:cNvSpPr txBox="1">
+            <a:spLocks noGrp="1"/>
+          </p:cNvSpPr>
           <p:nvPr>
-            <p:ph idx="2" type="body"/>
+            <p:ph type="body" idx="2"/>
           </p:nvPr>
         </p:nvSpPr>
         <p:spPr>
@@ -8977,12 +9077,12 @@
           </a:prstGeom>
         </p:spPr>
         <p:txBody>
-          <a:bodyPr anchorCtr="0" anchor="t" bIns="91425" lIns="91425" spcFirstLastPara="1" rIns="91425" wrap="square" tIns="91425">
+          <a:bodyPr spcFirstLastPara="1" wrap="square" lIns="91425" tIns="91425" rIns="91425" bIns="91425" anchor="t" anchorCtr="0">
             <a:noAutofit/>
           </a:bodyPr>
           <a:lstStyle/>
           <a:p>
-            <a:pPr indent="0" lvl="0" marL="0" rtl="0" algn="l">
+            <a:pPr marL="0" lvl="0" indent="0" algn="l" rtl="0">
               <a:spcBef>
                 <a:spcPts val="0"/>
               </a:spcBef>
@@ -9002,9 +9102,11 @@
       <p:sp>
         <p:nvSpPr>
           <p:cNvPr id="109" name="Google Shape;109;p16"/>
-          <p:cNvSpPr txBox="1"/>
+          <p:cNvSpPr txBox="1">
+            <a:spLocks noGrp="1"/>
+          </p:cNvSpPr>
           <p:nvPr>
-            <p:ph idx="2" type="body"/>
+            <p:ph type="body" idx="2"/>
           </p:nvPr>
         </p:nvSpPr>
         <p:spPr>
@@ -9017,12 +9119,12 @@
           </a:prstGeom>
         </p:spPr>
         <p:txBody>
-          <a:bodyPr anchorCtr="0" anchor="t" bIns="91425" lIns="91425" spcFirstLastPara="1" rIns="91425" wrap="square" tIns="91425">
+          <a:bodyPr spcFirstLastPara="1" wrap="square" lIns="91425" tIns="91425" rIns="91425" bIns="91425" anchor="t" anchorCtr="0">
             <a:noAutofit/>
           </a:bodyPr>
           <a:lstStyle/>
           <a:p>
-            <a:pPr indent="0" lvl="0" marL="0" rtl="0" algn="l">
+            <a:pPr marL="0" lvl="0" indent="0" algn="l" rtl="0">
               <a:spcBef>
                 <a:spcPts val="0"/>
               </a:spcBef>
@@ -9033,11 +9135,7 @@
             </a:pPr>
             <a:r>
               <a:rPr lang="en"/>
-              <a:t>Climate </a:t>
-            </a:r>
-            <a:r>
-              <a:rPr lang="en"/>
-              <a:t>Data:</a:t>
+              <a:t>Climate Data:</a:t>
             </a:r>
             <a:endParaRPr/>
           </a:p>
@@ -9052,11 +9150,11 @@
 </file>
 
 <file path=ppt/slides/slide5.xml><?xml version="1.0" encoding="utf-8"?>
-<p:sld xmlns:a="http://schemas.openxmlformats.org/drawingml/2006/main" xmlns:r="http://schemas.openxmlformats.org/officeDocument/2006/relationships" xmlns:mc="http://schemas.openxmlformats.org/markup-compatibility/2006" xmlns:mv="urn:schemas-microsoft-com:mac:vml" xmlns:p="http://schemas.openxmlformats.org/presentationml/2006/main" xmlns:c="http://schemas.openxmlformats.org/drawingml/2006/chart" xmlns:dgm="http://schemas.openxmlformats.org/drawingml/2006/diagram" xmlns:o="urn:schemas-microsoft-com:office:office" xmlns:v="urn:schemas-microsoft-com:vml" xmlns:pvml="urn:schemas-microsoft-com:office:powerpoint" xmlns:com="http://schemas.openxmlformats.org/drawingml/2006/compatibility" xmlns:p14="http://schemas.microsoft.com/office/powerpoint/2010/main" xmlns:p15="http://schemas.microsoft.com/office/powerpoint/2012/main" xmlns:ahyp="http://schemas.microsoft.com/office/drawing/2018/hyperlinkcolor">
+<p:sld xmlns:a="http://schemas.openxmlformats.org/drawingml/2006/main" xmlns:r="http://schemas.openxmlformats.org/officeDocument/2006/relationships" xmlns:p="http://schemas.openxmlformats.org/presentationml/2006/main">
   <p:cSld>
     <p:spTree>
       <p:nvGrpSpPr>
-        <p:cNvPr id="113" name="Shape 113"/>
+        <p:cNvPr id="1" name="Shape 113"/>
         <p:cNvGrpSpPr/>
         <p:nvPr/>
       </p:nvGrpSpPr>
@@ -9071,7 +9169,9 @@
       <p:sp>
         <p:nvSpPr>
           <p:cNvPr id="114" name="Google Shape;114;p17"/>
-          <p:cNvSpPr txBox="1"/>
+          <p:cNvSpPr txBox="1">
+            <a:spLocks noGrp="1"/>
+          </p:cNvSpPr>
           <p:nvPr>
             <p:ph type="title"/>
           </p:nvPr>
@@ -9086,12 +9186,12 @@
           </a:prstGeom>
         </p:spPr>
         <p:txBody>
-          <a:bodyPr anchorCtr="0" anchor="t" bIns="91425" lIns="91425" spcFirstLastPara="1" rIns="91425" wrap="square" tIns="91425">
+          <a:bodyPr spcFirstLastPara="1" wrap="square" lIns="91425" tIns="91425" rIns="91425" bIns="91425" anchor="t" anchorCtr="0">
             <a:noAutofit/>
           </a:bodyPr>
           <a:lstStyle/>
           <a:p>
-            <a:pPr indent="0" lvl="0" marL="0" rtl="0" algn="l">
+            <a:pPr marL="0" lvl="0" indent="0" algn="l" rtl="0">
               <a:spcBef>
                 <a:spcPts val="0"/>
               </a:spcBef>
@@ -9110,49 +9210,12 @@
       </p:sp>
       <p:sp>
         <p:nvSpPr>
-          <p:cNvPr id="115" name="Google Shape;115;p17"/>
-          <p:cNvSpPr txBox="1"/>
+          <p:cNvPr id="116" name="Google Shape;116;p17"/>
+          <p:cNvSpPr txBox="1">
+            <a:spLocks noGrp="1"/>
+          </p:cNvSpPr>
           <p:nvPr>
-            <p:ph idx="1" type="body"/>
-          </p:nvPr>
-        </p:nvSpPr>
-        <p:spPr>
-          <a:xfrm>
-            <a:off x="729325" y="2078875"/>
-            <a:ext cx="3774300" cy="2261100"/>
-          </a:xfrm>
-          <a:prstGeom prst="rect">
-            <a:avLst/>
-          </a:prstGeom>
-        </p:spPr>
-        <p:txBody>
-          <a:bodyPr anchorCtr="0" anchor="t" bIns="91425" lIns="91425" spcFirstLastPara="1" rIns="91425" wrap="square" tIns="91425">
-            <a:noAutofit/>
-          </a:bodyPr>
-          <a:lstStyle/>
-          <a:p>
-            <a:pPr indent="0" lvl="0" marL="0" rtl="0" algn="l">
-              <a:spcBef>
-                <a:spcPts val="0"/>
-              </a:spcBef>
-              <a:spcAft>
-                <a:spcPts val="1600"/>
-              </a:spcAft>
-              <a:buNone/>
-            </a:pPr>
-            <a:r>
-              <a:t/>
-            </a:r>
-            <a:endParaRPr/>
-          </a:p>
-        </p:txBody>
-      </p:sp>
-      <p:sp>
-        <p:nvSpPr>
-          <p:cNvPr id="116" name="Google Shape;116;p17"/>
-          <p:cNvSpPr txBox="1"/>
-          <p:nvPr>
-            <p:ph idx="2" type="body"/>
+            <p:ph type="body" idx="2"/>
           </p:nvPr>
         </p:nvSpPr>
         <p:spPr>
@@ -9165,69 +9228,862 @@
           </a:prstGeom>
         </p:spPr>
         <p:txBody>
-          <a:bodyPr anchorCtr="0" anchor="t" bIns="91425" lIns="91425" spcFirstLastPara="1" rIns="91425" wrap="square" tIns="91425">
+          <a:bodyPr spcFirstLastPara="1" wrap="square" lIns="91425" tIns="91425" rIns="91425" bIns="91425" anchor="t" anchorCtr="0">
             <a:noAutofit/>
           </a:bodyPr>
           <a:lstStyle/>
           <a:p>
-            <a:pPr indent="0" lvl="0" marL="0" rtl="0" algn="l">
-              <a:spcBef>
-                <a:spcPts val="0"/>
-              </a:spcBef>
-              <a:spcAft>
-                <a:spcPts val="0"/>
-              </a:spcAft>
+            <a:pPr marL="0" lvl="0" indent="0" algn="l" rtl="0">
+              <a:spcBef>
+                <a:spcPts val="0"/>
+              </a:spcBef>
+              <a:spcAft>
+                <a:spcPts val="0"/>
+              </a:spcAft>
+              <a:buNone/>
+            </a:pPr>
+            <a:endParaRPr/>
+          </a:p>
+          <a:p>
+            <a:pPr marL="0" lvl="0" indent="0" algn="l" rtl="0">
+              <a:spcBef>
+                <a:spcPts val="1600"/>
+              </a:spcBef>
+              <a:spcAft>
+                <a:spcPts val="0"/>
+              </a:spcAft>
+              <a:buNone/>
+            </a:pPr>
+            <a:endParaRPr/>
+          </a:p>
+          <a:p>
+            <a:pPr marL="0" lvl="0" indent="0" algn="l" rtl="0">
+              <a:spcBef>
+                <a:spcPts val="1600"/>
+              </a:spcBef>
+              <a:spcAft>
+                <a:spcPts val="0"/>
+              </a:spcAft>
+              <a:buNone/>
+            </a:pPr>
+            <a:endParaRPr/>
+          </a:p>
+          <a:p>
+            <a:pPr marL="0" lvl="0" indent="0" algn="l" rtl="0">
+              <a:spcBef>
+                <a:spcPts val="1600"/>
+              </a:spcBef>
+              <a:spcAft>
+                <a:spcPts val="1600"/>
+              </a:spcAft>
+              <a:buNone/>
+            </a:pPr>
+            <a:endParaRPr/>
+          </a:p>
+        </p:txBody>
+      </p:sp>
+      <p:sp>
+        <p:nvSpPr>
+          <p:cNvPr id="5" name="Google Shape;122;p18">
+            <a:extLst>
+              <a:ext uri="{FF2B5EF4-FFF2-40B4-BE49-F238E27FC236}">
+                <a16:creationId xmlns:a16="http://schemas.microsoft.com/office/drawing/2014/main" id="{7B597DFD-3F07-4292-826D-9E4EE9AD0E88}"/>
+              </a:ext>
+            </a:extLst>
+          </p:cNvPr>
+          <p:cNvSpPr txBox="1">
+            <a:spLocks/>
+          </p:cNvSpPr>
+          <p:nvPr/>
+        </p:nvSpPr>
+        <p:spPr>
+          <a:xfrm>
+            <a:off x="524443" y="1982246"/>
+            <a:ext cx="4119161" cy="2261100"/>
+          </a:xfrm>
+          <a:prstGeom prst="rect">
+            <a:avLst/>
+          </a:prstGeom>
+          <a:noFill/>
+          <a:ln>
+            <a:noFill/>
+          </a:ln>
+        </p:spPr>
+        <p:txBody>
+          <a:bodyPr spcFirstLastPara="1" wrap="square" lIns="91425" tIns="91425" rIns="91425" bIns="91425" anchor="t" anchorCtr="0">
+            <a:noAutofit/>
+          </a:bodyPr>
+          <a:lstStyle>
+            <a:defPPr marR="0" lvl="0" algn="l" rtl="0">
+              <a:lnSpc>
+                <a:spcPct val="100000"/>
+              </a:lnSpc>
+              <a:spcBef>
+                <a:spcPts val="0"/>
+              </a:spcBef>
+              <a:spcAft>
+                <a:spcPts val="0"/>
+              </a:spcAft>
+            </a:defPPr>
+            <a:lvl1pPr marL="457200" marR="0" lvl="0" indent="-311150" algn="l" rtl="0">
+              <a:lnSpc>
+                <a:spcPct val="115000"/>
+              </a:lnSpc>
+              <a:spcBef>
+                <a:spcPts val="0"/>
+              </a:spcBef>
+              <a:spcAft>
+                <a:spcPts val="0"/>
+              </a:spcAft>
+              <a:buClr>
+                <a:schemeClr val="accent1"/>
+              </a:buClr>
+              <a:buSzPts val="1300"/>
+              <a:buFont typeface="Lato"/>
+              <a:buChar char="●"/>
+              <a:defRPr sz="1300" b="0" i="0" u="none" strike="noStrike" cap="none">
+                <a:solidFill>
+                  <a:schemeClr val="accent1"/>
+                </a:solidFill>
+                <a:latin typeface="Lato"/>
+                <a:ea typeface="Lato"/>
+                <a:cs typeface="Lato"/>
+                <a:sym typeface="Lato"/>
+              </a:defRPr>
+            </a:lvl1pPr>
+            <a:lvl2pPr marL="914400" marR="0" lvl="1" indent="-298450" algn="l" rtl="0">
+              <a:lnSpc>
+                <a:spcPct val="115000"/>
+              </a:lnSpc>
+              <a:spcBef>
+                <a:spcPts val="1600"/>
+              </a:spcBef>
+              <a:spcAft>
+                <a:spcPts val="0"/>
+              </a:spcAft>
+              <a:buClr>
+                <a:schemeClr val="accent1"/>
+              </a:buClr>
+              <a:buSzPts val="1100"/>
+              <a:buFont typeface="Lato"/>
+              <a:buChar char="○"/>
+              <a:defRPr sz="1100" b="0" i="0" u="none" strike="noStrike" cap="none">
+                <a:solidFill>
+                  <a:schemeClr val="accent1"/>
+                </a:solidFill>
+                <a:latin typeface="Lato"/>
+                <a:ea typeface="Lato"/>
+                <a:cs typeface="Lato"/>
+                <a:sym typeface="Lato"/>
+              </a:defRPr>
+            </a:lvl2pPr>
+            <a:lvl3pPr marL="1371600" marR="0" lvl="2" indent="-298450" algn="l" rtl="0">
+              <a:lnSpc>
+                <a:spcPct val="115000"/>
+              </a:lnSpc>
+              <a:spcBef>
+                <a:spcPts val="1600"/>
+              </a:spcBef>
+              <a:spcAft>
+                <a:spcPts val="0"/>
+              </a:spcAft>
+              <a:buClr>
+                <a:schemeClr val="accent1"/>
+              </a:buClr>
+              <a:buSzPts val="1100"/>
+              <a:buFont typeface="Lato"/>
+              <a:buChar char="■"/>
+              <a:defRPr sz="1100" b="0" i="0" u="none" strike="noStrike" cap="none">
+                <a:solidFill>
+                  <a:schemeClr val="accent1"/>
+                </a:solidFill>
+                <a:latin typeface="Lato"/>
+                <a:ea typeface="Lato"/>
+                <a:cs typeface="Lato"/>
+                <a:sym typeface="Lato"/>
+              </a:defRPr>
+            </a:lvl3pPr>
+            <a:lvl4pPr marL="1828800" marR="0" lvl="3" indent="-298450" algn="l" rtl="0">
+              <a:lnSpc>
+                <a:spcPct val="115000"/>
+              </a:lnSpc>
+              <a:spcBef>
+                <a:spcPts val="1600"/>
+              </a:spcBef>
+              <a:spcAft>
+                <a:spcPts val="0"/>
+              </a:spcAft>
+              <a:buClr>
+                <a:schemeClr val="accent1"/>
+              </a:buClr>
+              <a:buSzPts val="1100"/>
+              <a:buFont typeface="Lato"/>
+              <a:buChar char="●"/>
+              <a:defRPr sz="1100" b="0" i="0" u="none" strike="noStrike" cap="none">
+                <a:solidFill>
+                  <a:schemeClr val="accent1"/>
+                </a:solidFill>
+                <a:latin typeface="Lato"/>
+                <a:ea typeface="Lato"/>
+                <a:cs typeface="Lato"/>
+                <a:sym typeface="Lato"/>
+              </a:defRPr>
+            </a:lvl4pPr>
+            <a:lvl5pPr marL="2286000" marR="0" lvl="4" indent="-298450" algn="l" rtl="0">
+              <a:lnSpc>
+                <a:spcPct val="115000"/>
+              </a:lnSpc>
+              <a:spcBef>
+                <a:spcPts val="1600"/>
+              </a:spcBef>
+              <a:spcAft>
+                <a:spcPts val="0"/>
+              </a:spcAft>
+              <a:buClr>
+                <a:schemeClr val="accent1"/>
+              </a:buClr>
+              <a:buSzPts val="1100"/>
+              <a:buFont typeface="Lato"/>
+              <a:buChar char="○"/>
+              <a:defRPr sz="1100" b="0" i="0" u="none" strike="noStrike" cap="none">
+                <a:solidFill>
+                  <a:schemeClr val="accent1"/>
+                </a:solidFill>
+                <a:latin typeface="Lato"/>
+                <a:ea typeface="Lato"/>
+                <a:cs typeface="Lato"/>
+                <a:sym typeface="Lato"/>
+              </a:defRPr>
+            </a:lvl5pPr>
+            <a:lvl6pPr marL="2743200" marR="0" lvl="5" indent="-298450" algn="l" rtl="0">
+              <a:lnSpc>
+                <a:spcPct val="115000"/>
+              </a:lnSpc>
+              <a:spcBef>
+                <a:spcPts val="1600"/>
+              </a:spcBef>
+              <a:spcAft>
+                <a:spcPts val="0"/>
+              </a:spcAft>
+              <a:buClr>
+                <a:schemeClr val="accent1"/>
+              </a:buClr>
+              <a:buSzPts val="1100"/>
+              <a:buFont typeface="Lato"/>
+              <a:buChar char="■"/>
+              <a:defRPr sz="1100" b="0" i="0" u="none" strike="noStrike" cap="none">
+                <a:solidFill>
+                  <a:schemeClr val="accent1"/>
+                </a:solidFill>
+                <a:latin typeface="Lato"/>
+                <a:ea typeface="Lato"/>
+                <a:cs typeface="Lato"/>
+                <a:sym typeface="Lato"/>
+              </a:defRPr>
+            </a:lvl6pPr>
+            <a:lvl7pPr marL="3200400" marR="0" lvl="6" indent="-298450" algn="l" rtl="0">
+              <a:lnSpc>
+                <a:spcPct val="115000"/>
+              </a:lnSpc>
+              <a:spcBef>
+                <a:spcPts val="1600"/>
+              </a:spcBef>
+              <a:spcAft>
+                <a:spcPts val="0"/>
+              </a:spcAft>
+              <a:buClr>
+                <a:schemeClr val="accent1"/>
+              </a:buClr>
+              <a:buSzPts val="1100"/>
+              <a:buFont typeface="Lato"/>
+              <a:buChar char="●"/>
+              <a:defRPr sz="1100" b="0" i="0" u="none" strike="noStrike" cap="none">
+                <a:solidFill>
+                  <a:schemeClr val="accent1"/>
+                </a:solidFill>
+                <a:latin typeface="Lato"/>
+                <a:ea typeface="Lato"/>
+                <a:cs typeface="Lato"/>
+                <a:sym typeface="Lato"/>
+              </a:defRPr>
+            </a:lvl7pPr>
+            <a:lvl8pPr marL="3657600" marR="0" lvl="7" indent="-298450" algn="l" rtl="0">
+              <a:lnSpc>
+                <a:spcPct val="115000"/>
+              </a:lnSpc>
+              <a:spcBef>
+                <a:spcPts val="1600"/>
+              </a:spcBef>
+              <a:spcAft>
+                <a:spcPts val="0"/>
+              </a:spcAft>
+              <a:buClr>
+                <a:schemeClr val="accent1"/>
+              </a:buClr>
+              <a:buSzPts val="1100"/>
+              <a:buFont typeface="Lato"/>
+              <a:buChar char="○"/>
+              <a:defRPr sz="1100" b="0" i="0" u="none" strike="noStrike" cap="none">
+                <a:solidFill>
+                  <a:schemeClr val="accent1"/>
+                </a:solidFill>
+                <a:latin typeface="Lato"/>
+                <a:ea typeface="Lato"/>
+                <a:cs typeface="Lato"/>
+                <a:sym typeface="Lato"/>
+              </a:defRPr>
+            </a:lvl8pPr>
+            <a:lvl9pPr marL="4114800" marR="0" lvl="8" indent="-298450" algn="l" rtl="0">
+              <a:lnSpc>
+                <a:spcPct val="115000"/>
+              </a:lnSpc>
+              <a:spcBef>
+                <a:spcPts val="1600"/>
+              </a:spcBef>
+              <a:spcAft>
+                <a:spcPts val="1600"/>
+              </a:spcAft>
+              <a:buClr>
+                <a:schemeClr val="accent1"/>
+              </a:buClr>
+              <a:buSzPts val="1100"/>
+              <a:buFont typeface="Lato"/>
+              <a:buChar char="■"/>
+              <a:defRPr sz="1100" b="0" i="0" u="none" strike="noStrike" cap="none">
+                <a:solidFill>
+                  <a:schemeClr val="accent1"/>
+                </a:solidFill>
+                <a:latin typeface="Lato"/>
+                <a:ea typeface="Lato"/>
+                <a:cs typeface="Lato"/>
+                <a:sym typeface="Lato"/>
+              </a:defRPr>
+            </a:lvl9pPr>
+          </a:lstStyle>
+          <a:p>
+            <a:pPr marL="0" indent="0">
+              <a:buFont typeface="Lato"/>
               <a:buNone/>
             </a:pPr>
             <a:r>
-              <a:t/>
+              <a:rPr lang="en-US" sz="1200" b="1" dirty="0"/>
+              <a:t>3 Data Sources:</a:t>
             </a:r>
-            <a:endParaRPr/>
-          </a:p>
-          <a:p>
-            <a:pPr indent="0" lvl="0" marL="0" rtl="0" algn="l">
-              <a:spcBef>
-                <a:spcPts val="1600"/>
-              </a:spcBef>
-              <a:spcAft>
-                <a:spcPts val="0"/>
-              </a:spcAft>
-              <a:buNone/>
+          </a:p>
+          <a:p>
+            <a:pPr marL="171450" indent="-171450">
+              <a:buFont typeface="Wingdings" panose="05000000000000000000" pitchFamily="2" charset="2"/>
+              <a:buChar char="Ø"/>
             </a:pPr>
             <a:r>
-              <a:t/>
+              <a:rPr lang="en-US" sz="1200" dirty="0"/>
+              <a:t>National Parks Service REST API</a:t>
             </a:r>
-            <a:endParaRPr/>
-          </a:p>
-          <a:p>
-            <a:pPr indent="0" lvl="0" marL="0" rtl="0" algn="l">
-              <a:spcBef>
-                <a:spcPts val="1600"/>
-              </a:spcBef>
-              <a:spcAft>
-                <a:spcPts val="0"/>
-              </a:spcAft>
-              <a:buNone/>
+          </a:p>
+          <a:p>
+            <a:pPr marL="628650" lvl="1" indent="-171450">
+              <a:spcBef>
+                <a:spcPts val="0"/>
+              </a:spcBef>
+              <a:buFont typeface="Arial" panose="020B0604020202020204" pitchFamily="34" charset="0"/>
+              <a:buChar char="•"/>
             </a:pPr>
             <a:r>
-              <a:t/>
+              <a:rPr lang="en-US" sz="1000" dirty="0"/>
+              <a:t>Parks</a:t>
             </a:r>
-            <a:endParaRPr/>
-          </a:p>
-          <a:p>
-            <a:pPr indent="0" lvl="0" marL="0" rtl="0" algn="l">
-              <a:spcBef>
-                <a:spcPts val="1600"/>
-              </a:spcBef>
-              <a:spcAft>
-                <a:spcPts val="1600"/>
-              </a:spcAft>
-              <a:buNone/>
+          </a:p>
+          <a:p>
+            <a:pPr marL="628650" lvl="1" indent="-171450">
+              <a:spcBef>
+                <a:spcPts val="0"/>
+              </a:spcBef>
+              <a:buFont typeface="Arial" panose="020B0604020202020204" pitchFamily="34" charset="0"/>
+              <a:buChar char="•"/>
             </a:pPr>
             <a:r>
-              <a:t/>
+              <a:rPr lang="en-US" sz="1000" dirty="0"/>
+              <a:t>Park Classifications</a:t>
             </a:r>
-            <a:endParaRPr/>
+          </a:p>
+          <a:p>
+            <a:pPr marL="628650" lvl="1" indent="-171450">
+              <a:spcBef>
+                <a:spcPts val="0"/>
+              </a:spcBef>
+              <a:buFont typeface="Arial" panose="020B0604020202020204" pitchFamily="34" charset="0"/>
+              <a:buChar char="•"/>
+            </a:pPr>
+            <a:r>
+              <a:rPr lang="en-US" sz="1000" dirty="0"/>
+              <a:t>Region</a:t>
+            </a:r>
+          </a:p>
+          <a:p>
+            <a:pPr marL="628650" lvl="1" indent="-171450">
+              <a:spcBef>
+                <a:spcPts val="0"/>
+              </a:spcBef>
+              <a:buFont typeface="Arial" panose="020B0604020202020204" pitchFamily="34" charset="0"/>
+              <a:buChar char="•"/>
+            </a:pPr>
+            <a:r>
+              <a:rPr lang="en-US" sz="1000" dirty="0"/>
+              <a:t>Activities</a:t>
+            </a:r>
+          </a:p>
+          <a:p>
+            <a:pPr marL="628650" lvl="1" indent="-171450">
+              <a:spcBef>
+                <a:spcPts val="0"/>
+              </a:spcBef>
+              <a:buFont typeface="Arial" panose="020B0604020202020204" pitchFamily="34" charset="0"/>
+              <a:buChar char="•"/>
+            </a:pPr>
+            <a:r>
+              <a:rPr lang="en-US" sz="1000" dirty="0"/>
+              <a:t>Topics (History, Geology, etc.)</a:t>
+            </a:r>
+          </a:p>
+          <a:p>
+            <a:pPr marL="628650" lvl="1" indent="-171450">
+              <a:spcBef>
+                <a:spcPts val="0"/>
+              </a:spcBef>
+              <a:buFont typeface="Arial" panose="020B0604020202020204" pitchFamily="34" charset="0"/>
+              <a:buChar char="•"/>
+            </a:pPr>
+            <a:r>
+              <a:rPr lang="en-US" sz="1000" dirty="0"/>
+              <a:t>Entrance Fees</a:t>
+            </a:r>
+          </a:p>
+          <a:p>
+            <a:pPr marL="171450" indent="-171450">
+              <a:buFont typeface="Wingdings" panose="05000000000000000000" pitchFamily="2" charset="2"/>
+              <a:buChar char="Ø"/>
+            </a:pPr>
+            <a:r>
+              <a:rPr lang="en-US" sz="1200" dirty="0"/>
+              <a:t>Integrated Resource Management Applications (IRMA)</a:t>
+            </a:r>
+          </a:p>
+          <a:p>
+            <a:pPr marL="628650" lvl="1" indent="-171450">
+              <a:spcBef>
+                <a:spcPts val="0"/>
+              </a:spcBef>
+              <a:buFont typeface="Arial" panose="020B0604020202020204" pitchFamily="34" charset="0"/>
+              <a:buChar char="•"/>
+            </a:pPr>
+            <a:r>
+              <a:rPr lang="en-US" sz="1000" dirty="0"/>
+              <a:t>Acreages (Fee/Private/Gross Area)</a:t>
+            </a:r>
+          </a:p>
+          <a:p>
+            <a:pPr marL="628650" lvl="1" indent="-171450">
+              <a:spcBef>
+                <a:spcPts val="0"/>
+              </a:spcBef>
+              <a:buFont typeface="Arial" panose="020B0604020202020204" pitchFamily="34" charset="0"/>
+              <a:buChar char="•"/>
+            </a:pPr>
+            <a:r>
+              <a:rPr lang="en-US" sz="1000" dirty="0"/>
+              <a:t>Monthly Visitation (by person)</a:t>
+            </a:r>
+          </a:p>
+          <a:p>
+            <a:pPr marL="628650" lvl="1" indent="-171450">
+              <a:spcBef>
+                <a:spcPts val="0"/>
+              </a:spcBef>
+              <a:buFont typeface="Arial" panose="020B0604020202020204" pitchFamily="34" charset="0"/>
+              <a:buChar char="•"/>
+            </a:pPr>
+            <a:r>
+              <a:rPr lang="en-US" sz="1000" dirty="0"/>
+              <a:t>Monthly Visitation (by hours)</a:t>
+            </a:r>
+          </a:p>
+          <a:p>
+            <a:pPr marL="171450" indent="-171450">
+              <a:buFont typeface="Wingdings" panose="05000000000000000000" pitchFamily="2" charset="2"/>
+              <a:buChar char="Ø"/>
+            </a:pPr>
+            <a:r>
+              <a:rPr lang="en-US" sz="1200" dirty="0"/>
+              <a:t>Park Anniversaries Page (NPS Website)</a:t>
+            </a:r>
+          </a:p>
+          <a:p>
+            <a:pPr marL="628650" lvl="1" indent="-171450">
+              <a:spcBef>
+                <a:spcPts val="0"/>
+              </a:spcBef>
+              <a:buFont typeface="Arial" panose="020B0604020202020204" pitchFamily="34" charset="0"/>
+              <a:buChar char="•"/>
+            </a:pPr>
+            <a:r>
+              <a:rPr lang="en-US" sz="1000" dirty="0"/>
+              <a:t>Park Age</a:t>
+            </a:r>
+          </a:p>
+        </p:txBody>
+      </p:sp>
+      <p:sp>
+        <p:nvSpPr>
+          <p:cNvPr id="6" name="Google Shape;123;p18">
+            <a:extLst>
+              <a:ext uri="{FF2B5EF4-FFF2-40B4-BE49-F238E27FC236}">
+                <a16:creationId xmlns:a16="http://schemas.microsoft.com/office/drawing/2014/main" id="{45AF5D0F-D180-40F1-83D9-DEE3FD7E2D75}"/>
+              </a:ext>
+            </a:extLst>
+          </p:cNvPr>
+          <p:cNvSpPr txBox="1">
+            <a:spLocks/>
+          </p:cNvSpPr>
+          <p:nvPr/>
+        </p:nvSpPr>
+        <p:spPr>
+          <a:xfrm>
+            <a:off x="4796004" y="2142561"/>
+            <a:ext cx="3774300" cy="2422439"/>
+          </a:xfrm>
+          <a:prstGeom prst="rect">
+            <a:avLst/>
+          </a:prstGeom>
+          <a:noFill/>
+          <a:ln>
+            <a:noFill/>
+          </a:ln>
+        </p:spPr>
+        <p:txBody>
+          <a:bodyPr spcFirstLastPara="1" wrap="square" lIns="91425" tIns="91425" rIns="91425" bIns="91425" anchor="t" anchorCtr="0">
+            <a:noAutofit/>
+          </a:bodyPr>
+          <a:lstStyle>
+            <a:defPPr marR="0" lvl="0" algn="l" rtl="0">
+              <a:lnSpc>
+                <a:spcPct val="100000"/>
+              </a:lnSpc>
+              <a:spcBef>
+                <a:spcPts val="0"/>
+              </a:spcBef>
+              <a:spcAft>
+                <a:spcPts val="0"/>
+              </a:spcAft>
+            </a:defPPr>
+            <a:lvl1pPr marL="457200" marR="0" lvl="0" indent="-311150" algn="l" rtl="0">
+              <a:lnSpc>
+                <a:spcPct val="115000"/>
+              </a:lnSpc>
+              <a:spcBef>
+                <a:spcPts val="0"/>
+              </a:spcBef>
+              <a:spcAft>
+                <a:spcPts val="0"/>
+              </a:spcAft>
+              <a:buClr>
+                <a:schemeClr val="accent1"/>
+              </a:buClr>
+              <a:buSzPts val="1300"/>
+              <a:buFont typeface="Lato"/>
+              <a:buChar char="●"/>
+              <a:defRPr sz="1300" b="0" i="0" u="none" strike="noStrike" cap="none">
+                <a:solidFill>
+                  <a:schemeClr val="accent1"/>
+                </a:solidFill>
+                <a:latin typeface="Lato"/>
+                <a:ea typeface="Lato"/>
+                <a:cs typeface="Lato"/>
+                <a:sym typeface="Lato"/>
+              </a:defRPr>
+            </a:lvl1pPr>
+            <a:lvl2pPr marL="914400" marR="0" lvl="1" indent="-298450" algn="l" rtl="0">
+              <a:lnSpc>
+                <a:spcPct val="115000"/>
+              </a:lnSpc>
+              <a:spcBef>
+                <a:spcPts val="1600"/>
+              </a:spcBef>
+              <a:spcAft>
+                <a:spcPts val="0"/>
+              </a:spcAft>
+              <a:buClr>
+                <a:schemeClr val="accent1"/>
+              </a:buClr>
+              <a:buSzPts val="1100"/>
+              <a:buFont typeface="Lato"/>
+              <a:buChar char="○"/>
+              <a:defRPr sz="1100" b="0" i="0" u="none" strike="noStrike" cap="none">
+                <a:solidFill>
+                  <a:schemeClr val="accent1"/>
+                </a:solidFill>
+                <a:latin typeface="Lato"/>
+                <a:ea typeface="Lato"/>
+                <a:cs typeface="Lato"/>
+                <a:sym typeface="Lato"/>
+              </a:defRPr>
+            </a:lvl2pPr>
+            <a:lvl3pPr marL="1371600" marR="0" lvl="2" indent="-298450" algn="l" rtl="0">
+              <a:lnSpc>
+                <a:spcPct val="115000"/>
+              </a:lnSpc>
+              <a:spcBef>
+                <a:spcPts val="1600"/>
+              </a:spcBef>
+              <a:spcAft>
+                <a:spcPts val="0"/>
+              </a:spcAft>
+              <a:buClr>
+                <a:schemeClr val="accent1"/>
+              </a:buClr>
+              <a:buSzPts val="1100"/>
+              <a:buFont typeface="Lato"/>
+              <a:buChar char="■"/>
+              <a:defRPr sz="1100" b="0" i="0" u="none" strike="noStrike" cap="none">
+                <a:solidFill>
+                  <a:schemeClr val="accent1"/>
+                </a:solidFill>
+                <a:latin typeface="Lato"/>
+                <a:ea typeface="Lato"/>
+                <a:cs typeface="Lato"/>
+                <a:sym typeface="Lato"/>
+              </a:defRPr>
+            </a:lvl3pPr>
+            <a:lvl4pPr marL="1828800" marR="0" lvl="3" indent="-298450" algn="l" rtl="0">
+              <a:lnSpc>
+                <a:spcPct val="115000"/>
+              </a:lnSpc>
+              <a:spcBef>
+                <a:spcPts val="1600"/>
+              </a:spcBef>
+              <a:spcAft>
+                <a:spcPts val="0"/>
+              </a:spcAft>
+              <a:buClr>
+                <a:schemeClr val="accent1"/>
+              </a:buClr>
+              <a:buSzPts val="1100"/>
+              <a:buFont typeface="Lato"/>
+              <a:buChar char="●"/>
+              <a:defRPr sz="1100" b="0" i="0" u="none" strike="noStrike" cap="none">
+                <a:solidFill>
+                  <a:schemeClr val="accent1"/>
+                </a:solidFill>
+                <a:latin typeface="Lato"/>
+                <a:ea typeface="Lato"/>
+                <a:cs typeface="Lato"/>
+                <a:sym typeface="Lato"/>
+              </a:defRPr>
+            </a:lvl4pPr>
+            <a:lvl5pPr marL="2286000" marR="0" lvl="4" indent="-298450" algn="l" rtl="0">
+              <a:lnSpc>
+                <a:spcPct val="115000"/>
+              </a:lnSpc>
+              <a:spcBef>
+                <a:spcPts val="1600"/>
+              </a:spcBef>
+              <a:spcAft>
+                <a:spcPts val="0"/>
+              </a:spcAft>
+              <a:buClr>
+                <a:schemeClr val="accent1"/>
+              </a:buClr>
+              <a:buSzPts val="1100"/>
+              <a:buFont typeface="Lato"/>
+              <a:buChar char="○"/>
+              <a:defRPr sz="1100" b="0" i="0" u="none" strike="noStrike" cap="none">
+                <a:solidFill>
+                  <a:schemeClr val="accent1"/>
+                </a:solidFill>
+                <a:latin typeface="Lato"/>
+                <a:ea typeface="Lato"/>
+                <a:cs typeface="Lato"/>
+                <a:sym typeface="Lato"/>
+              </a:defRPr>
+            </a:lvl5pPr>
+            <a:lvl6pPr marL="2743200" marR="0" lvl="5" indent="-298450" algn="l" rtl="0">
+              <a:lnSpc>
+                <a:spcPct val="115000"/>
+              </a:lnSpc>
+              <a:spcBef>
+                <a:spcPts val="1600"/>
+              </a:spcBef>
+              <a:spcAft>
+                <a:spcPts val="0"/>
+              </a:spcAft>
+              <a:buClr>
+                <a:schemeClr val="accent1"/>
+              </a:buClr>
+              <a:buSzPts val="1100"/>
+              <a:buFont typeface="Lato"/>
+              <a:buChar char="■"/>
+              <a:defRPr sz="1100" b="0" i="0" u="none" strike="noStrike" cap="none">
+                <a:solidFill>
+                  <a:schemeClr val="accent1"/>
+                </a:solidFill>
+                <a:latin typeface="Lato"/>
+                <a:ea typeface="Lato"/>
+                <a:cs typeface="Lato"/>
+                <a:sym typeface="Lato"/>
+              </a:defRPr>
+            </a:lvl6pPr>
+            <a:lvl7pPr marL="3200400" marR="0" lvl="6" indent="-298450" algn="l" rtl="0">
+              <a:lnSpc>
+                <a:spcPct val="115000"/>
+              </a:lnSpc>
+              <a:spcBef>
+                <a:spcPts val="1600"/>
+              </a:spcBef>
+              <a:spcAft>
+                <a:spcPts val="0"/>
+              </a:spcAft>
+              <a:buClr>
+                <a:schemeClr val="accent1"/>
+              </a:buClr>
+              <a:buSzPts val="1100"/>
+              <a:buFont typeface="Lato"/>
+              <a:buChar char="●"/>
+              <a:defRPr sz="1100" b="0" i="0" u="none" strike="noStrike" cap="none">
+                <a:solidFill>
+                  <a:schemeClr val="accent1"/>
+                </a:solidFill>
+                <a:latin typeface="Lato"/>
+                <a:ea typeface="Lato"/>
+                <a:cs typeface="Lato"/>
+                <a:sym typeface="Lato"/>
+              </a:defRPr>
+            </a:lvl7pPr>
+            <a:lvl8pPr marL="3657600" marR="0" lvl="7" indent="-298450" algn="l" rtl="0">
+              <a:lnSpc>
+                <a:spcPct val="115000"/>
+              </a:lnSpc>
+              <a:spcBef>
+                <a:spcPts val="1600"/>
+              </a:spcBef>
+              <a:spcAft>
+                <a:spcPts val="0"/>
+              </a:spcAft>
+              <a:buClr>
+                <a:schemeClr val="accent1"/>
+              </a:buClr>
+              <a:buSzPts val="1100"/>
+              <a:buFont typeface="Lato"/>
+              <a:buChar char="○"/>
+              <a:defRPr sz="1100" b="0" i="0" u="none" strike="noStrike" cap="none">
+                <a:solidFill>
+                  <a:schemeClr val="accent1"/>
+                </a:solidFill>
+                <a:latin typeface="Lato"/>
+                <a:ea typeface="Lato"/>
+                <a:cs typeface="Lato"/>
+                <a:sym typeface="Lato"/>
+              </a:defRPr>
+            </a:lvl8pPr>
+            <a:lvl9pPr marL="4114800" marR="0" lvl="8" indent="-298450" algn="l" rtl="0">
+              <a:lnSpc>
+                <a:spcPct val="115000"/>
+              </a:lnSpc>
+              <a:spcBef>
+                <a:spcPts val="1600"/>
+              </a:spcBef>
+              <a:spcAft>
+                <a:spcPts val="1600"/>
+              </a:spcAft>
+              <a:buClr>
+                <a:schemeClr val="accent1"/>
+              </a:buClr>
+              <a:buSzPts val="1100"/>
+              <a:buFont typeface="Lato"/>
+              <a:buChar char="■"/>
+              <a:defRPr sz="1100" b="0" i="0" u="none" strike="noStrike" cap="none">
+                <a:solidFill>
+                  <a:schemeClr val="accent1"/>
+                </a:solidFill>
+                <a:latin typeface="Lato"/>
+                <a:ea typeface="Lato"/>
+                <a:cs typeface="Lato"/>
+                <a:sym typeface="Lato"/>
+              </a:defRPr>
+            </a:lvl9pPr>
+          </a:lstStyle>
+          <a:p>
+            <a:pPr marL="0" indent="0">
+              <a:buFont typeface="Lato"/>
+              <a:buNone/>
+            </a:pPr>
+            <a:r>
+              <a:rPr lang="en-US" sz="1200" dirty="0"/>
+              <a:t>Initial data processing required:</a:t>
+            </a:r>
+          </a:p>
+          <a:p>
+            <a:pPr marL="171450" indent="-171450"/>
+            <a:r>
+              <a:rPr lang="en-US" sz="1200" dirty="0"/>
+              <a:t>Accessing the API state-by-state</a:t>
+            </a:r>
+          </a:p>
+          <a:p>
+            <a:pPr marL="171450" indent="-171450"/>
+            <a:r>
+              <a:rPr lang="en-US" sz="1200" dirty="0"/>
+              <a:t>Parsing JSON formatted data into R</a:t>
+            </a:r>
+          </a:p>
+          <a:p>
+            <a:pPr marL="171450" indent="-171450"/>
+            <a:r>
+              <a:rPr lang="en-US" sz="1200" dirty="0"/>
+              <a:t>Stacking state level data on top of one another.</a:t>
+            </a:r>
+          </a:p>
+          <a:p>
+            <a:pPr marL="0" indent="0">
+              <a:spcBef>
+                <a:spcPts val="1600"/>
+              </a:spcBef>
+              <a:buFont typeface="Lato"/>
+              <a:buNone/>
+            </a:pPr>
+            <a:r>
+              <a:rPr lang="en-US" dirty="0"/>
+              <a:t>Results in </a:t>
+            </a:r>
+            <a:r>
+              <a:rPr lang="en-US" b="1" i="1" u="sng" dirty="0"/>
+              <a:t>one line per month per park </a:t>
+            </a:r>
+            <a:r>
+              <a:rPr lang="en-US" dirty="0"/>
+              <a:t>on which the other data collected would be merged.</a:t>
+            </a:r>
+          </a:p>
+          <a:p>
+            <a:pPr marL="0" indent="0">
+              <a:spcBef>
+                <a:spcPts val="1600"/>
+              </a:spcBef>
+              <a:buFont typeface="Lato"/>
+              <a:buNone/>
+            </a:pPr>
+            <a:endParaRPr lang="en-US" dirty="0"/>
+          </a:p>
+          <a:p>
+            <a:pPr marL="0" indent="0">
+              <a:spcBef>
+                <a:spcPts val="1600"/>
+              </a:spcBef>
+              <a:spcAft>
+                <a:spcPts val="1600"/>
+              </a:spcAft>
+              <a:buFont typeface="Lato"/>
+              <a:buNone/>
+            </a:pPr>
+            <a:endParaRPr lang="en-US" dirty="0"/>
           </a:p>
         </p:txBody>
       </p:sp>
@@ -9240,11 +10096,11 @@
 </file>
 
 <file path=ppt/slides/slide6.xml><?xml version="1.0" encoding="utf-8"?>
-<p:sld xmlns:a="http://schemas.openxmlformats.org/drawingml/2006/main" xmlns:r="http://schemas.openxmlformats.org/officeDocument/2006/relationships" xmlns:mc="http://schemas.openxmlformats.org/markup-compatibility/2006" xmlns:mv="urn:schemas-microsoft-com:mac:vml" xmlns:p="http://schemas.openxmlformats.org/presentationml/2006/main" xmlns:c="http://schemas.openxmlformats.org/drawingml/2006/chart" xmlns:dgm="http://schemas.openxmlformats.org/drawingml/2006/diagram" xmlns:o="urn:schemas-microsoft-com:office:office" xmlns:v="urn:schemas-microsoft-com:vml" xmlns:pvml="urn:schemas-microsoft-com:office:powerpoint" xmlns:com="http://schemas.openxmlformats.org/drawingml/2006/compatibility" xmlns:p14="http://schemas.microsoft.com/office/powerpoint/2010/main" xmlns:p15="http://schemas.microsoft.com/office/powerpoint/2012/main" xmlns:ahyp="http://schemas.microsoft.com/office/drawing/2018/hyperlinkcolor">
+<p:sld xmlns:a="http://schemas.openxmlformats.org/drawingml/2006/main" xmlns:r="http://schemas.openxmlformats.org/officeDocument/2006/relationships" xmlns:p="http://schemas.openxmlformats.org/presentationml/2006/main">
   <p:cSld>
     <p:spTree>
       <p:nvGrpSpPr>
-        <p:cNvPr id="120" name="Shape 120"/>
+        <p:cNvPr id="1" name="Shape 120"/>
         <p:cNvGrpSpPr/>
         <p:nvPr/>
       </p:nvGrpSpPr>
@@ -9259,7 +10115,9 @@
       <p:sp>
         <p:nvSpPr>
           <p:cNvPr id="121" name="Google Shape;121;p18"/>
-          <p:cNvSpPr txBox="1"/>
+          <p:cNvSpPr txBox="1">
+            <a:spLocks noGrp="1"/>
+          </p:cNvSpPr>
           <p:nvPr>
             <p:ph type="title"/>
           </p:nvPr>
@@ -9274,12 +10132,12 @@
           </a:prstGeom>
         </p:spPr>
         <p:txBody>
-          <a:bodyPr anchorCtr="0" anchor="t" bIns="91425" lIns="91425" spcFirstLastPara="1" rIns="91425" wrap="square" tIns="91425">
+          <a:bodyPr spcFirstLastPara="1" wrap="square" lIns="91425" tIns="91425" rIns="91425" bIns="91425" anchor="t" anchorCtr="0">
             <a:noAutofit/>
           </a:bodyPr>
           <a:lstStyle/>
           <a:p>
-            <a:pPr indent="0" lvl="0" marL="0" rtl="0" algn="l">
+            <a:pPr marL="0" lvl="0" indent="0" algn="l" rtl="0">
               <a:spcBef>
                 <a:spcPts val="0"/>
               </a:spcBef>
@@ -9299,9 +10157,11 @@
       <p:sp>
         <p:nvSpPr>
           <p:cNvPr id="122" name="Google Shape;122;p18"/>
-          <p:cNvSpPr txBox="1"/>
+          <p:cNvSpPr txBox="1">
+            <a:spLocks noGrp="1"/>
+          </p:cNvSpPr>
           <p:nvPr>
-            <p:ph idx="1" type="body"/>
+            <p:ph type="body" idx="1"/>
           </p:nvPr>
         </p:nvSpPr>
         <p:spPr>
@@ -9314,12 +10174,12 @@
           </a:prstGeom>
         </p:spPr>
         <p:txBody>
-          <a:bodyPr anchorCtr="0" anchor="t" bIns="91425" lIns="91425" spcFirstLastPara="1" rIns="91425" wrap="square" tIns="91425">
+          <a:bodyPr spcFirstLastPara="1" wrap="square" lIns="91425" tIns="91425" rIns="91425" bIns="91425" anchor="t" anchorCtr="0">
             <a:noAutofit/>
           </a:bodyPr>
           <a:lstStyle/>
           <a:p>
-            <a:pPr indent="0" lvl="0" marL="0" rtl="0" algn="l">
+            <a:pPr marL="0" lvl="0" indent="0" algn="l" rtl="0">
               <a:spcBef>
                 <a:spcPts val="0"/>
               </a:spcBef>
@@ -9329,13 +10189,13 @@
               <a:buNone/>
             </a:pPr>
             <a:r>
-              <a:rPr lang="en" sz="1200"/>
+              <a:rPr lang="en" sz="1200" dirty="0"/>
               <a:t>Small Area Income and Poverty Estimates (SAIPE)</a:t>
             </a:r>
-            <a:endParaRPr sz="1200"/>
-          </a:p>
-          <a:p>
-            <a:pPr indent="-304800" lvl="0" marL="457200" rtl="0" algn="l">
+            <a:endParaRPr sz="1200" dirty="0"/>
+          </a:p>
+          <a:p>
+            <a:pPr marL="457200" lvl="0" indent="-304800" algn="l" rtl="0">
               <a:spcBef>
                 <a:spcPts val="0"/>
               </a:spcBef>
@@ -9346,13 +10206,13 @@
               <a:buChar char="●"/>
             </a:pPr>
             <a:r>
-              <a:rPr lang="en" sz="1200"/>
+              <a:rPr lang="en" sz="1200" dirty="0"/>
               <a:t>State, National, and County collection available</a:t>
             </a:r>
-            <a:endParaRPr sz="1200"/>
-          </a:p>
-          <a:p>
-            <a:pPr indent="-304800" lvl="0" marL="457200" rtl="0" algn="l">
+            <a:endParaRPr sz="1200" dirty="0"/>
+          </a:p>
+          <a:p>
+            <a:pPr marL="457200" lvl="0" indent="-304800" algn="l" rtl="0">
               <a:spcBef>
                 <a:spcPts val="0"/>
               </a:spcBef>
@@ -9363,13 +10223,13 @@
               <a:buChar char="●"/>
             </a:pPr>
             <a:r>
-              <a:rPr lang="en" sz="1200"/>
+              <a:rPr lang="en" sz="1200" dirty="0"/>
               <a:t>1989-2018</a:t>
             </a:r>
-            <a:endParaRPr sz="1200"/>
-          </a:p>
-          <a:p>
-            <a:pPr indent="-304800" lvl="0" marL="457200" rtl="0" algn="l">
+            <a:endParaRPr sz="1200" dirty="0"/>
+          </a:p>
+          <a:p>
+            <a:pPr marL="457200" lvl="0" indent="-304800" algn="l" rtl="0">
               <a:spcBef>
                 <a:spcPts val="0"/>
               </a:spcBef>
@@ -9380,13 +10240,13 @@
               <a:buChar char="●"/>
             </a:pPr>
             <a:r>
-              <a:rPr lang="en" sz="1200"/>
+              <a:rPr lang="en" sz="1200" dirty="0"/>
               <a:t>State-level data from 1995-2018 </a:t>
             </a:r>
-            <a:endParaRPr sz="1200"/>
-          </a:p>
-          <a:p>
-            <a:pPr indent="-304800" lvl="0" marL="457200" rtl="0" algn="l">
+            <a:endParaRPr sz="1200" dirty="0"/>
+          </a:p>
+          <a:p>
+            <a:pPr marL="457200" lvl="0" indent="-304800" algn="l" rtl="0">
               <a:spcBef>
                 <a:spcPts val="0"/>
               </a:spcBef>
@@ -9397,13 +10257,13 @@
               <a:buChar char="●"/>
             </a:pPr>
             <a:r>
-              <a:rPr lang="en" sz="1200"/>
+              <a:rPr lang="en" sz="1200" dirty="0"/>
               <a:t>Varying formats (csv, excel, .dat)</a:t>
             </a:r>
-            <a:endParaRPr sz="1200"/>
-          </a:p>
-          <a:p>
-            <a:pPr indent="-304800" lvl="0" marL="457200" rtl="0" algn="l">
+            <a:endParaRPr sz="1200" dirty="0"/>
+          </a:p>
+          <a:p>
+            <a:pPr marL="457200" lvl="0" indent="-304800" algn="l" rtl="0">
               <a:spcBef>
                 <a:spcPts val="0"/>
               </a:spcBef>
@@ -9414,13 +10274,13 @@
               <a:buChar char="●"/>
             </a:pPr>
             <a:r>
-              <a:rPr lang="en" sz="1200"/>
+              <a:rPr lang="en" sz="1200" dirty="0"/>
               <a:t>Removal of superfluous columns (confidence intervals)</a:t>
             </a:r>
-            <a:endParaRPr sz="1200"/>
-          </a:p>
-          <a:p>
-            <a:pPr indent="-304800" lvl="0" marL="457200" rtl="0" algn="l">
+            <a:endParaRPr sz="1200" dirty="0"/>
+          </a:p>
+          <a:p>
+            <a:pPr marL="457200" lvl="0" indent="-304800" algn="l" rtl="0">
               <a:spcBef>
                 <a:spcPts val="0"/>
               </a:spcBef>
@@ -9431,19 +10291,21 @@
               <a:buChar char="●"/>
             </a:pPr>
             <a:r>
-              <a:rPr lang="en" sz="1200"/>
+              <a:rPr lang="en" sz="1200" dirty="0"/>
               <a:t>Rearrangement of column order for older SAIPE records</a:t>
             </a:r>
-            <a:endParaRPr sz="1200"/>
+            <a:endParaRPr sz="1200" dirty="0"/>
           </a:p>
         </p:txBody>
       </p:sp>
       <p:sp>
         <p:nvSpPr>
           <p:cNvPr id="123" name="Google Shape;123;p18"/>
-          <p:cNvSpPr txBox="1"/>
+          <p:cNvSpPr txBox="1">
+            <a:spLocks noGrp="1"/>
+          </p:cNvSpPr>
           <p:nvPr>
-            <p:ph idx="2" type="body"/>
+            <p:ph type="body" idx="2"/>
           </p:nvPr>
         </p:nvSpPr>
         <p:spPr>
@@ -9456,12 +10318,12 @@
           </a:prstGeom>
         </p:spPr>
         <p:txBody>
-          <a:bodyPr anchorCtr="0" anchor="t" bIns="91425" lIns="91425" spcFirstLastPara="1" rIns="91425" wrap="square" tIns="91425">
+          <a:bodyPr spcFirstLastPara="1" wrap="square" lIns="91425" tIns="91425" rIns="91425" bIns="91425" anchor="t" anchorCtr="0">
             <a:noAutofit/>
           </a:bodyPr>
           <a:lstStyle/>
           <a:p>
-            <a:pPr indent="0" lvl="0" marL="0" rtl="0" algn="l">
+            <a:pPr marL="0" lvl="0" indent="0" algn="l" rtl="0">
               <a:spcBef>
                 <a:spcPts val="0"/>
               </a:spcBef>
@@ -9471,13 +10333,13 @@
               <a:buNone/>
             </a:pPr>
             <a:r>
-              <a:rPr lang="en" sz="1200"/>
+              <a:rPr lang="en" sz="1200" dirty="0"/>
               <a:t>Data Contents by Year:</a:t>
             </a:r>
-            <a:endParaRPr sz="1200"/>
-          </a:p>
-          <a:p>
-            <a:pPr indent="-304800" lvl="0" marL="457200" rtl="0" algn="l">
+            <a:endParaRPr sz="1200" dirty="0"/>
+          </a:p>
+          <a:p>
+            <a:pPr marL="457200" lvl="0" indent="-304800" algn="l" rtl="0">
               <a:spcBef>
                 <a:spcPts val="0"/>
               </a:spcBef>
@@ -9488,13 +10350,13 @@
               <a:buChar char="●"/>
             </a:pPr>
             <a:r>
-              <a:rPr lang="en" sz="1200"/>
+              <a:rPr lang="en" sz="1200" dirty="0"/>
               <a:t>State</a:t>
             </a:r>
-            <a:endParaRPr sz="1200"/>
-          </a:p>
-          <a:p>
-            <a:pPr indent="-304800" lvl="0" marL="457200" rtl="0" algn="l">
+            <a:endParaRPr sz="1200" dirty="0"/>
+          </a:p>
+          <a:p>
+            <a:pPr marL="457200" lvl="0" indent="-304800" algn="l" rtl="0">
               <a:spcBef>
                 <a:spcPts val="0"/>
               </a:spcBef>
@@ -9505,13 +10367,13 @@
               <a:buChar char="●"/>
             </a:pPr>
             <a:r>
-              <a:rPr lang="en" sz="1200"/>
+              <a:rPr lang="en" sz="1200" dirty="0"/>
               <a:t>Percent of Population living in Poverty</a:t>
             </a:r>
-            <a:endParaRPr sz="1200"/>
-          </a:p>
-          <a:p>
-            <a:pPr indent="-292100" lvl="1" marL="914400" rtl="0" algn="l">
+            <a:endParaRPr sz="1200" dirty="0"/>
+          </a:p>
+          <a:p>
+            <a:pPr marL="914400" lvl="1" indent="-292100" algn="l" rtl="0">
               <a:spcBef>
                 <a:spcPts val="0"/>
               </a:spcBef>
@@ -9522,13 +10384,13 @@
               <a:buChar char="○"/>
             </a:pPr>
             <a:r>
-              <a:rPr lang="en" sz="1000"/>
+              <a:rPr lang="en" sz="1000" dirty="0"/>
               <a:t>All ages</a:t>
             </a:r>
-            <a:endParaRPr sz="1000"/>
-          </a:p>
-          <a:p>
-            <a:pPr indent="-292100" lvl="1" marL="914400" rtl="0" algn="l">
+            <a:endParaRPr sz="1000" dirty="0"/>
+          </a:p>
+          <a:p>
+            <a:pPr marL="914400" lvl="1" indent="-292100" algn="l" rtl="0">
               <a:spcBef>
                 <a:spcPts val="0"/>
               </a:spcBef>
@@ -9539,13 +10401,13 @@
               <a:buChar char="○"/>
             </a:pPr>
             <a:r>
-              <a:rPr lang="en" sz="1000"/>
+              <a:rPr lang="en" sz="1000" dirty="0"/>
               <a:t>Ages 0-17</a:t>
             </a:r>
-            <a:endParaRPr sz="1000"/>
-          </a:p>
-          <a:p>
-            <a:pPr indent="-292100" lvl="1" marL="914400" rtl="0" algn="l">
+            <a:endParaRPr sz="1000" dirty="0"/>
+          </a:p>
+          <a:p>
+            <a:pPr marL="914400" lvl="1" indent="-292100" algn="l" rtl="0">
               <a:spcBef>
                 <a:spcPts val="0"/>
               </a:spcBef>
@@ -9556,13 +10418,13 @@
               <a:buChar char="○"/>
             </a:pPr>
             <a:r>
-              <a:rPr lang="en" sz="1000"/>
+              <a:rPr lang="en" sz="1000" dirty="0"/>
               <a:t>Ages 5-17, in families</a:t>
             </a:r>
-            <a:endParaRPr sz="1000"/>
-          </a:p>
-          <a:p>
-            <a:pPr indent="-292100" lvl="1" marL="914400" rtl="0" algn="l">
+            <a:endParaRPr sz="1000" dirty="0"/>
+          </a:p>
+          <a:p>
+            <a:pPr marL="914400" lvl="1" indent="-292100" algn="l" rtl="0">
               <a:spcBef>
                 <a:spcPts val="0"/>
               </a:spcBef>
@@ -9573,13 +10435,13 @@
               <a:buChar char="○"/>
             </a:pPr>
             <a:r>
-              <a:rPr lang="en" sz="1000"/>
+              <a:rPr lang="en" sz="1000" dirty="0"/>
               <a:t>Ages 0-4</a:t>
             </a:r>
-            <a:endParaRPr sz="1000"/>
-          </a:p>
-          <a:p>
-            <a:pPr indent="-292100" lvl="1" marL="914400" rtl="0" algn="l">
+            <a:endParaRPr sz="1000" dirty="0"/>
+          </a:p>
+          <a:p>
+            <a:pPr marL="914400" lvl="1" indent="-292100" algn="l" rtl="0">
               <a:spcBef>
                 <a:spcPts val="0"/>
               </a:spcBef>
@@ -9590,13 +10452,13 @@
               <a:buChar char="○"/>
             </a:pPr>
             <a:r>
-              <a:rPr lang="en" sz="1000"/>
+              <a:rPr lang="en" sz="1000" dirty="0"/>
               <a:t>Median Household Income</a:t>
             </a:r>
-            <a:endParaRPr sz="1000"/>
-          </a:p>
-          <a:p>
-            <a:pPr indent="0" lvl="0" marL="0" rtl="0" algn="l">
+            <a:endParaRPr sz="1000" dirty="0"/>
+          </a:p>
+          <a:p>
+            <a:pPr marL="0" lvl="0" indent="0" algn="l" rtl="0">
               <a:spcBef>
                 <a:spcPts val="1600"/>
               </a:spcBef>
@@ -9606,13 +10468,13 @@
               <a:buNone/>
             </a:pPr>
             <a:r>
-              <a:rPr lang="en" sz="1200"/>
+              <a:rPr lang="en" sz="1200" dirty="0"/>
               <a:t>Combining with NPS Data: </a:t>
             </a:r>
-            <a:endParaRPr sz="1200"/>
-          </a:p>
-          <a:p>
-            <a:pPr indent="-304800" lvl="0" marL="457200" rtl="0" algn="l">
+            <a:endParaRPr sz="1200" dirty="0"/>
+          </a:p>
+          <a:p>
+            <a:pPr marL="457200" lvl="0" indent="-304800" algn="l" rtl="0">
               <a:spcBef>
                 <a:spcPts val="0"/>
               </a:spcBef>
@@ -9623,13 +10485,13 @@
               <a:buChar char="●"/>
             </a:pPr>
             <a:r>
-              <a:rPr lang="en" sz="1200"/>
+              <a:rPr lang="en" sz="1200" dirty="0"/>
               <a:t>Join SAIPE with NPS by Year and also by State</a:t>
             </a:r>
-            <a:endParaRPr sz="1200"/>
-          </a:p>
-          <a:p>
-            <a:pPr indent="0" lvl="0" marL="0" rtl="0" algn="l">
+            <a:endParaRPr sz="1200" dirty="0"/>
+          </a:p>
+          <a:p>
+            <a:pPr marL="0" lvl="0" indent="0" algn="l" rtl="0">
               <a:spcBef>
                 <a:spcPts val="1600"/>
               </a:spcBef>
@@ -9638,13 +10500,10 @@
               </a:spcAft>
               <a:buNone/>
             </a:pPr>
-            <a:r>
-              <a:t/>
-            </a:r>
-            <a:endParaRPr/>
-          </a:p>
-          <a:p>
-            <a:pPr indent="0" lvl="0" marL="0" rtl="0" algn="l">
+            <a:endParaRPr dirty="0"/>
+          </a:p>
+          <a:p>
+            <a:pPr marL="0" lvl="0" indent="0" algn="l" rtl="0">
               <a:spcBef>
                 <a:spcPts val="1600"/>
               </a:spcBef>
@@ -9653,13 +10512,10 @@
               </a:spcAft>
               <a:buNone/>
             </a:pPr>
-            <a:r>
-              <a:t/>
-            </a:r>
-            <a:endParaRPr/>
-          </a:p>
-          <a:p>
-            <a:pPr indent="0" lvl="0" marL="0" rtl="0" algn="l">
+            <a:endParaRPr dirty="0"/>
+          </a:p>
+          <a:p>
+            <a:pPr marL="0" lvl="0" indent="0" algn="l" rtl="0">
               <a:spcBef>
                 <a:spcPts val="1600"/>
               </a:spcBef>
@@ -9668,10 +10524,7 @@
               </a:spcAft>
               <a:buNone/>
             </a:pPr>
-            <a:r>
-              <a:t/>
-            </a:r>
-            <a:endParaRPr/>
+            <a:endParaRPr dirty="0"/>
           </a:p>
         </p:txBody>
       </p:sp>
@@ -9684,11 +10537,11 @@
 </file>
 
 <file path=ppt/slides/slide7.xml><?xml version="1.0" encoding="utf-8"?>
-<p:sld xmlns:a="http://schemas.openxmlformats.org/drawingml/2006/main" xmlns:r="http://schemas.openxmlformats.org/officeDocument/2006/relationships" xmlns:mc="http://schemas.openxmlformats.org/markup-compatibility/2006" xmlns:mv="urn:schemas-microsoft-com:mac:vml" xmlns:p="http://schemas.openxmlformats.org/presentationml/2006/main" xmlns:c="http://schemas.openxmlformats.org/drawingml/2006/chart" xmlns:dgm="http://schemas.openxmlformats.org/drawingml/2006/diagram" xmlns:o="urn:schemas-microsoft-com:office:office" xmlns:v="urn:schemas-microsoft-com:vml" xmlns:pvml="urn:schemas-microsoft-com:office:powerpoint" xmlns:com="http://schemas.openxmlformats.org/drawingml/2006/compatibility" xmlns:p14="http://schemas.microsoft.com/office/powerpoint/2010/main" xmlns:p15="http://schemas.microsoft.com/office/powerpoint/2012/main" xmlns:ahyp="http://schemas.microsoft.com/office/drawing/2018/hyperlinkcolor">
+<p:sld xmlns:a="http://schemas.openxmlformats.org/drawingml/2006/main" xmlns:r="http://schemas.openxmlformats.org/officeDocument/2006/relationships" xmlns:p="http://schemas.openxmlformats.org/presentationml/2006/main">
   <p:cSld>
     <p:spTree>
       <p:nvGrpSpPr>
-        <p:cNvPr id="127" name="Shape 127"/>
+        <p:cNvPr id="1" name="Shape 127"/>
         <p:cNvGrpSpPr/>
         <p:nvPr/>
       </p:nvGrpSpPr>
@@ -9703,7 +10556,9 @@
       <p:sp>
         <p:nvSpPr>
           <p:cNvPr id="128" name="Google Shape;128;p19"/>
-          <p:cNvSpPr txBox="1"/>
+          <p:cNvSpPr txBox="1">
+            <a:spLocks noGrp="1"/>
+          </p:cNvSpPr>
           <p:nvPr>
             <p:ph type="title"/>
           </p:nvPr>
@@ -9718,12 +10573,12 @@
           </a:prstGeom>
         </p:spPr>
         <p:txBody>
-          <a:bodyPr anchorCtr="0" anchor="t" bIns="91425" lIns="91425" spcFirstLastPara="1" rIns="91425" wrap="square" tIns="91425">
+          <a:bodyPr spcFirstLastPara="1" wrap="square" lIns="91425" tIns="91425" rIns="91425" bIns="91425" anchor="t" anchorCtr="0">
             <a:noAutofit/>
           </a:bodyPr>
           <a:lstStyle/>
           <a:p>
-            <a:pPr indent="0" lvl="0" marL="0" rtl="0" algn="l">
+            <a:pPr marL="0" lvl="0" indent="0" algn="l" rtl="0">
               <a:spcBef>
                 <a:spcPts val="0"/>
               </a:spcBef>
@@ -9743,9 +10598,11 @@
       <p:sp>
         <p:nvSpPr>
           <p:cNvPr id="129" name="Google Shape;129;p19"/>
-          <p:cNvSpPr txBox="1"/>
+          <p:cNvSpPr txBox="1">
+            <a:spLocks noGrp="1"/>
+          </p:cNvSpPr>
           <p:nvPr>
-            <p:ph idx="1" type="body"/>
+            <p:ph type="body" idx="1"/>
           </p:nvPr>
         </p:nvSpPr>
         <p:spPr>
@@ -9758,12 +10615,12 @@
           </a:prstGeom>
         </p:spPr>
         <p:txBody>
-          <a:bodyPr anchorCtr="0" anchor="t" bIns="91425" lIns="91425" spcFirstLastPara="1" rIns="91425" wrap="square" tIns="91425">
+          <a:bodyPr spcFirstLastPara="1" wrap="square" lIns="91425" tIns="91425" rIns="91425" bIns="91425" anchor="t" anchorCtr="0">
             <a:noAutofit/>
           </a:bodyPr>
           <a:lstStyle/>
           <a:p>
-            <a:pPr indent="0" lvl="0" marL="0" rtl="0" algn="l">
+            <a:pPr marL="0" lvl="0" indent="0" algn="l" rtl="0">
               <a:spcBef>
                 <a:spcPts val="0"/>
               </a:spcBef>
@@ -9772,9 +10629,6 @@
               </a:spcAft>
               <a:buNone/>
             </a:pPr>
-            <a:r>
-              <a:t/>
-            </a:r>
             <a:endParaRPr/>
           </a:p>
         </p:txBody>
@@ -9782,9 +10636,11 @@
       <p:sp>
         <p:nvSpPr>
           <p:cNvPr id="130" name="Google Shape;130;p19"/>
-          <p:cNvSpPr txBox="1"/>
+          <p:cNvSpPr txBox="1">
+            <a:spLocks noGrp="1"/>
+          </p:cNvSpPr>
           <p:nvPr>
-            <p:ph idx="2" type="body"/>
+            <p:ph type="body" idx="2"/>
           </p:nvPr>
         </p:nvSpPr>
         <p:spPr>
@@ -9797,12 +10653,12 @@
           </a:prstGeom>
         </p:spPr>
         <p:txBody>
-          <a:bodyPr anchorCtr="0" anchor="t" bIns="91425" lIns="91425" spcFirstLastPara="1" rIns="91425" wrap="square" tIns="91425">
+          <a:bodyPr spcFirstLastPara="1" wrap="square" lIns="91425" tIns="91425" rIns="91425" bIns="91425" anchor="t" anchorCtr="0">
             <a:noAutofit/>
           </a:bodyPr>
           <a:lstStyle/>
           <a:p>
-            <a:pPr indent="0" lvl="0" marL="0" rtl="0" algn="l">
+            <a:pPr marL="0" lvl="0" indent="0" algn="l" rtl="0">
               <a:spcBef>
                 <a:spcPts val="0"/>
               </a:spcBef>
@@ -9811,9 +10667,6 @@
               </a:spcAft>
               <a:buNone/>
             </a:pPr>
-            <a:r>
-              <a:t/>
-            </a:r>
             <a:endParaRPr/>
           </a:p>
         </p:txBody>
@@ -9827,11 +10680,11 @@
 </file>
 
 <file path=ppt/slides/slide8.xml><?xml version="1.0" encoding="utf-8"?>
-<p:sld xmlns:a="http://schemas.openxmlformats.org/drawingml/2006/main" xmlns:r="http://schemas.openxmlformats.org/officeDocument/2006/relationships" xmlns:mc="http://schemas.openxmlformats.org/markup-compatibility/2006" xmlns:mv="urn:schemas-microsoft-com:mac:vml" xmlns:p="http://schemas.openxmlformats.org/presentationml/2006/main" xmlns:c="http://schemas.openxmlformats.org/drawingml/2006/chart" xmlns:dgm="http://schemas.openxmlformats.org/drawingml/2006/diagram" xmlns:o="urn:schemas-microsoft-com:office:office" xmlns:v="urn:schemas-microsoft-com:vml" xmlns:pvml="urn:schemas-microsoft-com:office:powerpoint" xmlns:com="http://schemas.openxmlformats.org/drawingml/2006/compatibility" xmlns:p14="http://schemas.microsoft.com/office/powerpoint/2010/main" xmlns:p15="http://schemas.microsoft.com/office/powerpoint/2012/main" xmlns:ahyp="http://schemas.microsoft.com/office/drawing/2018/hyperlinkcolor">
+<p:sld xmlns:a="http://schemas.openxmlformats.org/drawingml/2006/main" xmlns:r="http://schemas.openxmlformats.org/officeDocument/2006/relationships" xmlns:p="http://schemas.openxmlformats.org/presentationml/2006/main">
   <p:cSld>
     <p:spTree>
       <p:nvGrpSpPr>
-        <p:cNvPr id="134" name="Shape 134"/>
+        <p:cNvPr id="1" name="Shape 134"/>
         <p:cNvGrpSpPr/>
         <p:nvPr/>
       </p:nvGrpSpPr>
@@ -9846,7 +10699,9 @@
       <p:sp>
         <p:nvSpPr>
           <p:cNvPr id="135" name="Google Shape;135;p20"/>
-          <p:cNvSpPr txBox="1"/>
+          <p:cNvSpPr txBox="1">
+            <a:spLocks noGrp="1"/>
+          </p:cNvSpPr>
           <p:nvPr>
             <p:ph type="title"/>
           </p:nvPr>
@@ -9861,12 +10716,12 @@
           </a:prstGeom>
         </p:spPr>
         <p:txBody>
-          <a:bodyPr anchorCtr="0" anchor="t" bIns="91425" lIns="91425" spcFirstLastPara="1" rIns="91425" wrap="square" tIns="91425">
+          <a:bodyPr spcFirstLastPara="1" wrap="square" lIns="91425" tIns="91425" rIns="91425" bIns="91425" anchor="t" anchorCtr="0">
             <a:noAutofit/>
           </a:bodyPr>
           <a:lstStyle/>
           <a:p>
-            <a:pPr indent="0" lvl="0" marL="0" rtl="0" algn="l">
+            <a:pPr marL="0" lvl="0" indent="0" algn="l" rtl="0">
               <a:spcBef>
                 <a:spcPts val="0"/>
               </a:spcBef>
@@ -9886,9 +10741,11 @@
       <p:sp>
         <p:nvSpPr>
           <p:cNvPr id="136" name="Google Shape;136;p20"/>
-          <p:cNvSpPr txBox="1"/>
+          <p:cNvSpPr txBox="1">
+            <a:spLocks noGrp="1"/>
+          </p:cNvSpPr>
           <p:nvPr>
-            <p:ph idx="2" type="body"/>
+            <p:ph type="body" idx="2"/>
           </p:nvPr>
         </p:nvSpPr>
         <p:spPr>
@@ -9901,12 +10758,12 @@
           </a:prstGeom>
         </p:spPr>
         <p:txBody>
-          <a:bodyPr anchorCtr="0" anchor="t" bIns="91425" lIns="91425" spcFirstLastPara="1" rIns="91425" wrap="square" tIns="91425">
+          <a:bodyPr spcFirstLastPara="1" wrap="square" lIns="91425" tIns="91425" rIns="91425" bIns="91425" anchor="t" anchorCtr="0">
             <a:noAutofit/>
           </a:bodyPr>
           <a:lstStyle/>
           <a:p>
-            <a:pPr indent="0" lvl="0" marL="0" rtl="0" algn="l">
+            <a:pPr marL="0" lvl="0" indent="0" algn="l" rtl="0">
               <a:spcBef>
                 <a:spcPts val="0"/>
               </a:spcBef>
@@ -9926,9 +10783,11 @@
       <p:sp>
         <p:nvSpPr>
           <p:cNvPr id="137" name="Google Shape;137;p20"/>
-          <p:cNvSpPr txBox="1"/>
+          <p:cNvSpPr txBox="1">
+            <a:spLocks noGrp="1"/>
+          </p:cNvSpPr>
           <p:nvPr>
-            <p:ph idx="1" type="subTitle"/>
+            <p:ph type="subTitle" idx="1"/>
           </p:nvPr>
         </p:nvSpPr>
         <p:spPr>
@@ -9941,12 +10800,12 @@
           </a:prstGeom>
         </p:spPr>
         <p:txBody>
-          <a:bodyPr anchorCtr="0" anchor="t" bIns="91425" lIns="91425" spcFirstLastPara="1" rIns="91425" wrap="square" tIns="91425">
+          <a:bodyPr spcFirstLastPara="1" wrap="square" lIns="91425" tIns="91425" rIns="91425" bIns="91425" anchor="t" anchorCtr="0">
             <a:noAutofit/>
           </a:bodyPr>
           <a:lstStyle/>
           <a:p>
-            <a:pPr indent="0" lvl="0" marL="0" rtl="0" algn="l">
+            <a:pPr marL="0" lvl="0" indent="0" algn="l" rtl="0">
               <a:spcBef>
                 <a:spcPts val="0"/>
               </a:spcBef>
@@ -9962,7 +10821,7 @@
             <a:endParaRPr/>
           </a:p>
           <a:p>
-            <a:pPr indent="0" lvl="0" marL="0" rtl="0" algn="l">
+            <a:pPr marL="0" lvl="0" indent="0" algn="l" rtl="0">
               <a:spcBef>
                 <a:spcPts val="0"/>
               </a:spcBef>
@@ -9971,9 +10830,6 @@
               </a:spcAft>
               <a:buNone/>
             </a:pPr>
-            <a:r>
-              <a:t/>
-            </a:r>
             <a:endParaRPr/>
           </a:p>
         </p:txBody>
@@ -9987,7 +10843,7 @@
 </file>
 
 <file path=ppt/theme/theme1.xml><?xml version="1.0" encoding="utf-8"?>
-<a:theme xmlns:a="http://schemas.openxmlformats.org/drawingml/2006/main" xmlns:r="http://schemas.openxmlformats.org/officeDocument/2006/relationships" name="Streamline">
+<a:theme xmlns:a="http://schemas.openxmlformats.org/drawingml/2006/main" name="Streamline">
   <a:themeElements>
     <a:clrScheme name="Streamline">
       <a:dk1>
@@ -10262,11 +11118,13 @@
       </a:bgFillStyleLst>
     </a:fmtScheme>
   </a:themeElements>
+  <a:objectDefaults/>
+  <a:extraClrSchemeLst/>
 </a:theme>
 </file>
 
 <file path=ppt/theme/theme2.xml><?xml version="1.0" encoding="utf-8"?>
-<a:theme xmlns:a="http://schemas.openxmlformats.org/drawingml/2006/main" xmlns:r="http://schemas.openxmlformats.org/officeDocument/2006/relationships">
+<a:theme xmlns:a="http://schemas.openxmlformats.org/drawingml/2006/main">
   <a:themeElements>
     <a:clrScheme name="Default">
       <a:dk1>
@@ -10541,5 +11399,7 @@
       </a:bgFillStyleLst>
     </a:fmtScheme>
   </a:themeElements>
+  <a:objectDefaults/>
+  <a:extraClrSchemeLst/>
 </a:theme>
 </file>
--- a/Presentations/National Parks Visitations Five Minute Presentation(1).pptx
+++ b/Presentations/National Parks Visitations Five Minute Presentation(1).pptx
@@ -1377,7 +1377,7 @@
         </p:nvSpPr>
         <p:spPr>
           <a:xfrm>
-            <a:off x="381300" y="685800"/>
+            <a:off x="381000" y="685800"/>
             <a:ext cx="6096000" cy="3429000"/>
           </a:xfrm>
           <a:custGeom>
@@ -10620,16 +10620,178 @@
           </a:bodyPr>
           <a:lstStyle/>
           <a:p>
-            <a:pPr marL="0" lvl="0" indent="0" algn="l" rtl="0">
-              <a:spcBef>
-                <a:spcPts val="0"/>
-              </a:spcBef>
-              <a:spcAft>
-                <a:spcPts val="1600"/>
-              </a:spcAft>
-              <a:buNone/>
-            </a:pPr>
-            <a:endParaRPr/>
+            <a:pPr marL="0" indent="0">
+              <a:buFont typeface="Lato"/>
+              <a:buNone/>
+            </a:pPr>
+            <a:r>
+              <a:rPr lang="en-US" sz="1200" b="1" dirty="0"/>
+              <a:t>2 Data Sources (National Oceanic and Atmospheric Administration):</a:t>
+            </a:r>
+          </a:p>
+          <a:p>
+            <a:pPr marL="171450" indent="-171450">
+              <a:buFont typeface="Wingdings" panose="05000000000000000000" pitchFamily="2" charset="2"/>
+              <a:buChar char="Ø"/>
+            </a:pPr>
+            <a:r>
+              <a:rPr lang="en-US" sz="1100" dirty="0"/>
+              <a:t>National Climactic Data Center (NCDC</a:t>
+            </a:r>
+            <a:r>
+              <a:rPr lang="en-US" sz="1100"/>
+              <a:t>) Monthly Precipitation </a:t>
+            </a:r>
+            <a:r>
+              <a:rPr lang="en-US" sz="1100" dirty="0"/>
+              <a:t>Data</a:t>
+            </a:r>
+          </a:p>
+          <a:p>
+            <a:pPr marL="628650" lvl="1" indent="-171450">
+              <a:spcBef>
+                <a:spcPts val="0"/>
+              </a:spcBef>
+              <a:buFont typeface="Arial" panose="020B0604020202020204" pitchFamily="34" charset="0"/>
+              <a:buChar char="•"/>
+            </a:pPr>
+            <a:r>
+              <a:rPr lang="en-US" dirty="0"/>
+              <a:t>Station name</a:t>
+            </a:r>
+          </a:p>
+          <a:p>
+            <a:pPr marL="628650" lvl="1" indent="-171450">
+              <a:spcBef>
+                <a:spcPts val="0"/>
+              </a:spcBef>
+              <a:buFont typeface="Arial" panose="020B0604020202020204" pitchFamily="34" charset="0"/>
+              <a:buChar char="•"/>
+            </a:pPr>
+            <a:r>
+              <a:rPr lang="en-US" dirty="0"/>
+              <a:t>Precipitation amount</a:t>
+            </a:r>
+          </a:p>
+          <a:p>
+            <a:pPr marL="628650" lvl="1" indent="-171450">
+              <a:spcBef>
+                <a:spcPts val="0"/>
+              </a:spcBef>
+              <a:buFont typeface="Arial" panose="020B0604020202020204" pitchFamily="34" charset="0"/>
+              <a:buChar char="•"/>
+            </a:pPr>
+            <a:r>
+              <a:rPr lang="en-US" dirty="0"/>
+              <a:t>Requests limited to 1 county and 1 year per pull</a:t>
+            </a:r>
+          </a:p>
+          <a:p>
+            <a:pPr marL="628650" lvl="1" indent="-171450">
+              <a:spcBef>
+                <a:spcPts val="0"/>
+              </a:spcBef>
+              <a:buFont typeface="Arial" panose="020B0604020202020204" pitchFamily="34" charset="0"/>
+              <a:buChar char="•"/>
+            </a:pPr>
+            <a:r>
+              <a:rPr lang="en-US" dirty="0"/>
+              <a:t>1985-2018 used</a:t>
+            </a:r>
+          </a:p>
+          <a:p>
+            <a:pPr marL="628650" lvl="1" indent="-171450">
+              <a:spcBef>
+                <a:spcPts val="0"/>
+              </a:spcBef>
+              <a:buFont typeface="Arial" panose="020B0604020202020204" pitchFamily="34" charset="0"/>
+              <a:buChar char="•"/>
+            </a:pPr>
+            <a:r>
+              <a:rPr lang="en-US" dirty="0"/>
+              <a:t>80,800 county-years used</a:t>
+            </a:r>
+          </a:p>
+          <a:p>
+            <a:pPr marL="171450" indent="-171450">
+              <a:buFont typeface="Wingdings" panose="05000000000000000000" pitchFamily="2" charset="2"/>
+              <a:buChar char="Ø"/>
+            </a:pPr>
+            <a:r>
+              <a:rPr lang="en-US" sz="1100" dirty="0"/>
+              <a:t>NCDC Station Location Data</a:t>
+            </a:r>
+          </a:p>
+          <a:p>
+            <a:pPr marL="628650" lvl="1" indent="-171450">
+              <a:spcBef>
+                <a:spcPts val="0"/>
+              </a:spcBef>
+              <a:buFont typeface="Arial" panose="020B0604020202020204" pitchFamily="34" charset="0"/>
+              <a:buChar char="•"/>
+            </a:pPr>
+            <a:r>
+              <a:rPr lang="en-US" dirty="0"/>
+              <a:t>Station Name</a:t>
+            </a:r>
+          </a:p>
+          <a:p>
+            <a:pPr marL="628650" lvl="1" indent="-171450">
+              <a:spcBef>
+                <a:spcPts val="0"/>
+              </a:spcBef>
+              <a:buFont typeface="Arial" panose="020B0604020202020204" pitchFamily="34" charset="0"/>
+              <a:buChar char="•"/>
+            </a:pPr>
+            <a:r>
+              <a:rPr lang="en-US" dirty="0"/>
+              <a:t>Latitude</a:t>
+            </a:r>
+          </a:p>
+          <a:p>
+            <a:pPr marL="628650" lvl="1" indent="-171450">
+              <a:spcBef>
+                <a:spcPts val="0"/>
+              </a:spcBef>
+              <a:buFont typeface="Arial" panose="020B0604020202020204" pitchFamily="34" charset="0"/>
+              <a:buChar char="•"/>
+            </a:pPr>
+            <a:r>
+              <a:rPr lang="en-US" dirty="0"/>
+              <a:t>Longitude</a:t>
+            </a:r>
+          </a:p>
+          <a:p>
+            <a:pPr marL="628650" lvl="1" indent="-171450">
+              <a:spcBef>
+                <a:spcPts val="0"/>
+              </a:spcBef>
+              <a:buFont typeface="Arial" panose="020B0604020202020204" pitchFamily="34" charset="0"/>
+              <a:buChar char="•"/>
+            </a:pPr>
+            <a:r>
+              <a:rPr lang="en-US" dirty="0"/>
+              <a:t>40,000 stations used</a:t>
+            </a:r>
+          </a:p>
+          <a:p>
+            <a:pPr marL="171450" indent="-171450">
+              <a:buFont typeface="Arial" panose="020B0604020202020204" pitchFamily="34" charset="0"/>
+              <a:buChar char="•"/>
+            </a:pPr>
+            <a:r>
+              <a:rPr lang="en-US" sz="1100" dirty="0"/>
+              <a:t>Limited to 10,000 pulls per day</a:t>
+            </a:r>
+          </a:p>
+          <a:p>
+            <a:pPr marL="0" indent="0">
+              <a:lnSpc>
+                <a:spcPct val="100000"/>
+              </a:lnSpc>
+              <a:buNone/>
+            </a:pPr>
+            <a:endParaRPr lang="en-US" b="1" dirty="0"/>
           </a:p>
         </p:txBody>
       </p:sp>
@@ -10658,6 +10820,58 @@
           </a:bodyPr>
           <a:lstStyle/>
           <a:p>
+            <a:pPr marL="0" indent="0">
+              <a:buFont typeface="Lato"/>
+              <a:buNone/>
+            </a:pPr>
+            <a:r>
+              <a:rPr lang="en-US" sz="1400" dirty="0"/>
+              <a:t>Initial data processing required:</a:t>
+            </a:r>
+          </a:p>
+          <a:p>
+            <a:pPr marL="171450" indent="-171450"/>
+            <a:r>
+              <a:rPr lang="en-US" sz="1400" dirty="0"/>
+              <a:t>Accessing the API county-by-county and year by year</a:t>
+            </a:r>
+          </a:p>
+          <a:p>
+            <a:pPr marL="171450" indent="-171450"/>
+            <a:r>
+              <a:rPr lang="en-US" sz="1400" dirty="0"/>
+              <a:t>Combining many data sets together due to restrictions</a:t>
+            </a:r>
+          </a:p>
+          <a:p>
+            <a:pPr marL="171450" indent="-171450"/>
+            <a:r>
+              <a:rPr lang="en-US" sz="1400" dirty="0"/>
+              <a:t>Running in parallel due to massive amounts of data</a:t>
+            </a:r>
+          </a:p>
+          <a:p>
+            <a:pPr marL="0" indent="0">
+              <a:spcBef>
+                <a:spcPts val="1600"/>
+              </a:spcBef>
+              <a:buFont typeface="Lato"/>
+              <a:buNone/>
+            </a:pPr>
+            <a:r>
+              <a:rPr lang="en-US" dirty="0"/>
+              <a:t>Results in </a:t>
+            </a:r>
+            <a:r>
+              <a:rPr lang="en-US" b="1" i="1" u="sng" dirty="0"/>
+              <a:t>one line per month per station </a:t>
+            </a:r>
+            <a:r>
+              <a:rPr lang="en-US" dirty="0"/>
+              <a:t>on which the other data collected would be merged.</a:t>
+            </a:r>
+          </a:p>
+          <a:p>
             <a:pPr marL="0" lvl="0" indent="0" algn="l" rtl="0">
               <a:spcBef>
                 <a:spcPts val="0"/>
@@ -10667,7 +10881,7 @@
               </a:spcAft>
               <a:buNone/>
             </a:pPr>
-            <a:endParaRPr/>
+            <a:endParaRPr dirty="0"/>
           </a:p>
         </p:txBody>
       </p:sp>

--- a/Presentations/National Parks Visitations Five Minute Presentation(1).pptx
+++ b/Presentations/National Parks Visitations Five Minute Presentation(1).pptx
@@ -5,34 +5,39 @@
     <p:sldMasterId id="2147483659" r:id="rId1"/>
   </p:sldMasterIdLst>
   <p:notesMasterIdLst>
-    <p:notesMasterId r:id="rId10"/>
+    <p:notesMasterId r:id="rId11"/>
   </p:notesMasterIdLst>
   <p:sldIdLst>
     <p:sldId id="256" r:id="rId2"/>
-    <p:sldId id="257" r:id="rId3"/>
-    <p:sldId id="258" r:id="rId4"/>
-    <p:sldId id="259" r:id="rId5"/>
-    <p:sldId id="260" r:id="rId6"/>
-    <p:sldId id="261" r:id="rId7"/>
-    <p:sldId id="262" r:id="rId8"/>
-    <p:sldId id="263" r:id="rId9"/>
+    <p:sldId id="264" r:id="rId3"/>
+    <p:sldId id="257" r:id="rId4"/>
+    <p:sldId id="258" r:id="rId5"/>
+    <p:sldId id="259" r:id="rId6"/>
+    <p:sldId id="260" r:id="rId7"/>
+    <p:sldId id="261" r:id="rId8"/>
+    <p:sldId id="262" r:id="rId9"/>
+    <p:sldId id="263" r:id="rId10"/>
   </p:sldIdLst>
   <p:sldSz cx="9144000" cy="5143500" type="screen16x9"/>
   <p:notesSz cx="6858000" cy="9144000"/>
   <p:embeddedFontLst>
     <p:embeddedFont>
       <p:font typeface="Lato" panose="020B0604020202020204" charset="0"/>
-      <p:regular r:id="rId11"/>
-      <p:bold r:id="rId12"/>
-      <p:italic r:id="rId13"/>
-      <p:boldItalic r:id="rId14"/>
+      <p:regular r:id="rId12"/>
+      <p:bold r:id="rId13"/>
+      <p:italic r:id="rId14"/>
+      <p:boldItalic r:id="rId15"/>
+    </p:embeddedFont>
+    <p:embeddedFont>
+      <p:font typeface="Open Sans" panose="020B0606030504020204" pitchFamily="34" charset="0"/>
+      <p:regular r:id="rId16"/>
     </p:embeddedFont>
     <p:embeddedFont>
       <p:font typeface="Raleway" panose="020B0604020202020204" charset="0"/>
-      <p:regular r:id="rId15"/>
-      <p:bold r:id="rId16"/>
-      <p:italic r:id="rId17"/>
-      <p:boldItalic r:id="rId18"/>
+      <p:regular r:id="rId17"/>
+      <p:bold r:id="rId18"/>
+      <p:italic r:id="rId19"/>
+      <p:boldItalic r:id="rId20"/>
     </p:embeddedFont>
   </p:embeddedFontLst>
   <p:defaultTextStyle>
@@ -753,8 +758,8 @@
         </p:nvSpPr>
         <p:spPr>
           <a:xfrm>
-            <a:off x="381300" y="685800"/>
-            <a:ext cx="6096075" cy="3429000"/>
+            <a:off x="381000" y="685800"/>
+            <a:ext cx="6096000" cy="3429000"/>
           </a:xfrm>
           <a:custGeom>
             <a:avLst/>
@@ -8254,10 +8259,10 @@
               <a:buNone/>
             </a:pPr>
             <a:r>
-              <a:rPr lang="en" sz="3500"/>
+              <a:rPr lang="en" sz="3500" dirty="0"/>
               <a:t>National Parks Visitations:</a:t>
             </a:r>
-            <a:endParaRPr sz="3500"/>
+            <a:endParaRPr sz="3500" dirty="0"/>
           </a:p>
           <a:p>
             <a:pPr marL="0" lvl="0" indent="0" algn="ctr" rtl="0">
@@ -8270,26 +8275,14 @@
               <a:buNone/>
             </a:pPr>
             <a:r>
-              <a:rPr lang="en" sz="2700">
+              <a:rPr lang="en-US" sz="2700" dirty="0">
                 <a:solidFill>
                   <a:srgbClr val="FF9900"/>
                 </a:solidFill>
               </a:rPr>
-              <a:t>An </a:t>
+              <a:t>Feynman Method</a:t>
             </a:r>
-            <a:r>
-              <a:rPr lang="en" sz="2700">
-                <a:solidFill>
-                  <a:srgbClr val="FF9900"/>
-                </a:solidFill>
-                <a:latin typeface="Arial"/>
-                <a:ea typeface="Arial"/>
-                <a:cs typeface="Arial"/>
-                <a:sym typeface="Arial"/>
-              </a:rPr>
-              <a:t>Examination of Clustering Goals and Methodology </a:t>
-            </a:r>
-            <a:endParaRPr sz="2700">
+            <a:endParaRPr sz="2700" dirty="0">
               <a:solidFill>
                 <a:srgbClr val="FF9900"/>
               </a:solidFill>
@@ -8309,7 +8302,7 @@
               </a:spcAft>
               <a:buNone/>
             </a:pPr>
-            <a:endParaRPr sz="3500"/>
+            <a:endParaRPr sz="3500" dirty="0"/>
           </a:p>
         </p:txBody>
       </p:sp>
@@ -8380,6 +8373,748 @@
 </file>
 
 <file path=ppt/slides/slide2.xml><?xml version="1.0" encoding="utf-8"?>
+<p:sld xmlns:a="http://schemas.openxmlformats.org/drawingml/2006/main" xmlns:r="http://schemas.openxmlformats.org/officeDocument/2006/relationships" xmlns:p="http://schemas.openxmlformats.org/presentationml/2006/main">
+  <p:cSld>
+    <p:spTree>
+      <p:nvGrpSpPr>
+        <p:cNvPr id="1" name=""/>
+        <p:cNvGrpSpPr/>
+        <p:nvPr/>
+      </p:nvGrpSpPr>
+      <p:grpSpPr>
+        <a:xfrm>
+          <a:off x="0" y="0"/>
+          <a:ext cx="0" cy="0"/>
+          <a:chOff x="0" y="0"/>
+          <a:chExt cx="0" cy="0"/>
+        </a:xfrm>
+      </p:grpSpPr>
+      <p:sp>
+        <p:nvSpPr>
+          <p:cNvPr id="2" name="Title 1">
+            <a:extLst>
+              <a:ext uri="{FF2B5EF4-FFF2-40B4-BE49-F238E27FC236}">
+                <a16:creationId xmlns:a16="http://schemas.microsoft.com/office/drawing/2014/main" id="{97FE65F0-BC12-4A63-BC37-FF53A6956C8D}"/>
+              </a:ext>
+            </a:extLst>
+          </p:cNvPr>
+          <p:cNvSpPr>
+            <a:spLocks noGrp="1"/>
+          </p:cNvSpPr>
+          <p:nvPr>
+            <p:ph type="title"/>
+          </p:nvPr>
+        </p:nvSpPr>
+        <p:spPr/>
+        <p:txBody>
+          <a:bodyPr/>
+          <a:lstStyle/>
+          <a:p>
+            <a:r>
+              <a:rPr lang="en-US" dirty="0"/>
+              <a:t>Feynman Method Instructions</a:t>
+            </a:r>
+          </a:p>
+        </p:txBody>
+      </p:sp>
+      <p:sp>
+        <p:nvSpPr>
+          <p:cNvPr id="6" name="Google Shape;68;p13">
+            <a:extLst>
+              <a:ext uri="{FF2B5EF4-FFF2-40B4-BE49-F238E27FC236}">
+                <a16:creationId xmlns:a16="http://schemas.microsoft.com/office/drawing/2014/main" id="{2A085E17-3398-4E4C-830A-28C8CE23DBD1}"/>
+              </a:ext>
+            </a:extLst>
+          </p:cNvPr>
+          <p:cNvSpPr txBox="1">
+            <a:spLocks/>
+          </p:cNvSpPr>
+          <p:nvPr/>
+        </p:nvSpPr>
+        <p:spPr>
+          <a:xfrm>
+            <a:off x="549571" y="2007751"/>
+            <a:ext cx="2861075" cy="2371375"/>
+          </a:xfrm>
+          <a:prstGeom prst="rect">
+            <a:avLst/>
+          </a:prstGeom>
+          <a:noFill/>
+          <a:ln>
+            <a:noFill/>
+          </a:ln>
+        </p:spPr>
+        <p:txBody>
+          <a:bodyPr spcFirstLastPara="1" wrap="square" lIns="91425" tIns="91425" rIns="91425" bIns="91425" anchor="t" anchorCtr="0">
+            <a:noAutofit/>
+          </a:bodyPr>
+          <a:lstStyle>
+            <a:defPPr marR="0" lvl="0" algn="l" rtl="0">
+              <a:lnSpc>
+                <a:spcPct val="100000"/>
+              </a:lnSpc>
+              <a:spcBef>
+                <a:spcPts val="0"/>
+              </a:spcBef>
+              <a:spcAft>
+                <a:spcPts val="0"/>
+              </a:spcAft>
+            </a:defPPr>
+            <a:lvl1pPr marL="457200" marR="0" lvl="0" indent="-342900" algn="l" rtl="0">
+              <a:lnSpc>
+                <a:spcPct val="115000"/>
+              </a:lnSpc>
+              <a:spcBef>
+                <a:spcPts val="0"/>
+              </a:spcBef>
+              <a:spcAft>
+                <a:spcPts val="0"/>
+              </a:spcAft>
+              <a:buClr>
+                <a:schemeClr val="dk1"/>
+              </a:buClr>
+              <a:buSzPts val="1800"/>
+              <a:buFont typeface="Open Sans"/>
+              <a:buChar char="●"/>
+              <a:defRPr sz="1800" b="0" i="0" u="none" strike="noStrike" cap="none">
+                <a:solidFill>
+                  <a:schemeClr val="dk1"/>
+                </a:solidFill>
+                <a:latin typeface="Open Sans"/>
+                <a:ea typeface="Open Sans"/>
+                <a:cs typeface="Open Sans"/>
+                <a:sym typeface="Open Sans"/>
+              </a:defRPr>
+            </a:lvl1pPr>
+            <a:lvl2pPr marL="914400" marR="0" lvl="1" indent="-317500" algn="l" rtl="0">
+              <a:lnSpc>
+                <a:spcPct val="115000"/>
+              </a:lnSpc>
+              <a:spcBef>
+                <a:spcPts val="1600"/>
+              </a:spcBef>
+              <a:spcAft>
+                <a:spcPts val="0"/>
+              </a:spcAft>
+              <a:buClr>
+                <a:schemeClr val="dk1"/>
+              </a:buClr>
+              <a:buSzPts val="1400"/>
+              <a:buFont typeface="Open Sans"/>
+              <a:buChar char="○"/>
+              <a:defRPr sz="1400" b="0" i="0" u="none" strike="noStrike" cap="none">
+                <a:solidFill>
+                  <a:schemeClr val="dk1"/>
+                </a:solidFill>
+                <a:latin typeface="Open Sans"/>
+                <a:ea typeface="Open Sans"/>
+                <a:cs typeface="Open Sans"/>
+                <a:sym typeface="Open Sans"/>
+              </a:defRPr>
+            </a:lvl2pPr>
+            <a:lvl3pPr marL="1371600" marR="0" lvl="2" indent="-317500" algn="l" rtl="0">
+              <a:lnSpc>
+                <a:spcPct val="115000"/>
+              </a:lnSpc>
+              <a:spcBef>
+                <a:spcPts val="1600"/>
+              </a:spcBef>
+              <a:spcAft>
+                <a:spcPts val="0"/>
+              </a:spcAft>
+              <a:buClr>
+                <a:schemeClr val="dk1"/>
+              </a:buClr>
+              <a:buSzPts val="1400"/>
+              <a:buFont typeface="Open Sans"/>
+              <a:buChar char="■"/>
+              <a:defRPr sz="1400" b="0" i="0" u="none" strike="noStrike" cap="none">
+                <a:solidFill>
+                  <a:schemeClr val="dk1"/>
+                </a:solidFill>
+                <a:latin typeface="Open Sans"/>
+                <a:ea typeface="Open Sans"/>
+                <a:cs typeface="Open Sans"/>
+                <a:sym typeface="Open Sans"/>
+              </a:defRPr>
+            </a:lvl3pPr>
+            <a:lvl4pPr marL="1828800" marR="0" lvl="3" indent="-317500" algn="l" rtl="0">
+              <a:lnSpc>
+                <a:spcPct val="115000"/>
+              </a:lnSpc>
+              <a:spcBef>
+                <a:spcPts val="1600"/>
+              </a:spcBef>
+              <a:spcAft>
+                <a:spcPts val="0"/>
+              </a:spcAft>
+              <a:buClr>
+                <a:schemeClr val="dk1"/>
+              </a:buClr>
+              <a:buSzPts val="1400"/>
+              <a:buFont typeface="Open Sans"/>
+              <a:buChar char="●"/>
+              <a:defRPr sz="1400" b="0" i="0" u="none" strike="noStrike" cap="none">
+                <a:solidFill>
+                  <a:schemeClr val="dk1"/>
+                </a:solidFill>
+                <a:latin typeface="Open Sans"/>
+                <a:ea typeface="Open Sans"/>
+                <a:cs typeface="Open Sans"/>
+                <a:sym typeface="Open Sans"/>
+              </a:defRPr>
+            </a:lvl4pPr>
+            <a:lvl5pPr marL="2286000" marR="0" lvl="4" indent="-317500" algn="l" rtl="0">
+              <a:lnSpc>
+                <a:spcPct val="115000"/>
+              </a:lnSpc>
+              <a:spcBef>
+                <a:spcPts val="1600"/>
+              </a:spcBef>
+              <a:spcAft>
+                <a:spcPts val="0"/>
+              </a:spcAft>
+              <a:buClr>
+                <a:schemeClr val="dk1"/>
+              </a:buClr>
+              <a:buSzPts val="1400"/>
+              <a:buFont typeface="Open Sans"/>
+              <a:buChar char="○"/>
+              <a:defRPr sz="1400" b="0" i="0" u="none" strike="noStrike" cap="none">
+                <a:solidFill>
+                  <a:schemeClr val="dk1"/>
+                </a:solidFill>
+                <a:latin typeface="Open Sans"/>
+                <a:ea typeface="Open Sans"/>
+                <a:cs typeface="Open Sans"/>
+                <a:sym typeface="Open Sans"/>
+              </a:defRPr>
+            </a:lvl5pPr>
+            <a:lvl6pPr marL="2743200" marR="0" lvl="5" indent="-317500" algn="l" rtl="0">
+              <a:lnSpc>
+                <a:spcPct val="115000"/>
+              </a:lnSpc>
+              <a:spcBef>
+                <a:spcPts val="1600"/>
+              </a:spcBef>
+              <a:spcAft>
+                <a:spcPts val="0"/>
+              </a:spcAft>
+              <a:buClr>
+                <a:schemeClr val="dk1"/>
+              </a:buClr>
+              <a:buSzPts val="1400"/>
+              <a:buFont typeface="Open Sans"/>
+              <a:buChar char="■"/>
+              <a:defRPr sz="1400" b="0" i="0" u="none" strike="noStrike" cap="none">
+                <a:solidFill>
+                  <a:schemeClr val="dk1"/>
+                </a:solidFill>
+                <a:latin typeface="Open Sans"/>
+                <a:ea typeface="Open Sans"/>
+                <a:cs typeface="Open Sans"/>
+                <a:sym typeface="Open Sans"/>
+              </a:defRPr>
+            </a:lvl6pPr>
+            <a:lvl7pPr marL="3200400" marR="0" lvl="6" indent="-317500" algn="l" rtl="0">
+              <a:lnSpc>
+                <a:spcPct val="115000"/>
+              </a:lnSpc>
+              <a:spcBef>
+                <a:spcPts val="1600"/>
+              </a:spcBef>
+              <a:spcAft>
+                <a:spcPts val="0"/>
+              </a:spcAft>
+              <a:buClr>
+                <a:schemeClr val="dk1"/>
+              </a:buClr>
+              <a:buSzPts val="1400"/>
+              <a:buFont typeface="Open Sans"/>
+              <a:buChar char="●"/>
+              <a:defRPr sz="1400" b="0" i="0" u="none" strike="noStrike" cap="none">
+                <a:solidFill>
+                  <a:schemeClr val="dk1"/>
+                </a:solidFill>
+                <a:latin typeface="Open Sans"/>
+                <a:ea typeface="Open Sans"/>
+                <a:cs typeface="Open Sans"/>
+                <a:sym typeface="Open Sans"/>
+              </a:defRPr>
+            </a:lvl7pPr>
+            <a:lvl8pPr marL="3657600" marR="0" lvl="7" indent="-317500" algn="l" rtl="0">
+              <a:lnSpc>
+                <a:spcPct val="115000"/>
+              </a:lnSpc>
+              <a:spcBef>
+                <a:spcPts val="1600"/>
+              </a:spcBef>
+              <a:spcAft>
+                <a:spcPts val="0"/>
+              </a:spcAft>
+              <a:buClr>
+                <a:schemeClr val="dk1"/>
+              </a:buClr>
+              <a:buSzPts val="1400"/>
+              <a:buFont typeface="Open Sans"/>
+              <a:buChar char="○"/>
+              <a:defRPr sz="1400" b="0" i="0" u="none" strike="noStrike" cap="none">
+                <a:solidFill>
+                  <a:schemeClr val="dk1"/>
+                </a:solidFill>
+                <a:latin typeface="Open Sans"/>
+                <a:ea typeface="Open Sans"/>
+                <a:cs typeface="Open Sans"/>
+                <a:sym typeface="Open Sans"/>
+              </a:defRPr>
+            </a:lvl8pPr>
+            <a:lvl9pPr marL="4114800" marR="0" lvl="8" indent="-317500" algn="l" rtl="0">
+              <a:lnSpc>
+                <a:spcPct val="115000"/>
+              </a:lnSpc>
+              <a:spcBef>
+                <a:spcPts val="1600"/>
+              </a:spcBef>
+              <a:spcAft>
+                <a:spcPts val="1600"/>
+              </a:spcAft>
+              <a:buClr>
+                <a:schemeClr val="dk1"/>
+              </a:buClr>
+              <a:buSzPts val="1400"/>
+              <a:buFont typeface="Open Sans"/>
+              <a:buChar char="■"/>
+              <a:defRPr sz="1400" b="0" i="0" u="none" strike="noStrike" cap="none">
+                <a:solidFill>
+                  <a:schemeClr val="dk1"/>
+                </a:solidFill>
+                <a:latin typeface="Open Sans"/>
+                <a:ea typeface="Open Sans"/>
+                <a:cs typeface="Open Sans"/>
+                <a:sym typeface="Open Sans"/>
+              </a:defRPr>
+            </a:lvl9pPr>
+          </a:lstStyle>
+          <a:p>
+            <a:pPr marL="0" indent="0">
+              <a:buNone/>
+            </a:pPr>
+            <a:r>
+              <a:rPr lang="en-US" sz="700" dirty="0"/>
+              <a:t>- Write down clearly and concisely what you are trying to learn.  Don't write down jargon and be as specific as is reasonable.</a:t>
+            </a:r>
+          </a:p>
+          <a:p>
+            <a:pPr marL="0" indent="0">
+              <a:buNone/>
+            </a:pPr>
+            <a:endParaRPr lang="en-US" sz="700" b="1" dirty="0"/>
+          </a:p>
+          <a:p>
+            <a:pPr marL="0" indent="0">
+              <a:buNone/>
+            </a:pPr>
+            <a:r>
+              <a:rPr lang="en-US" sz="700" dirty="0"/>
+              <a:t>- Explain the concept in simple language.  Be on the lookout for moments in which you use terminology from this class.  Seek to use the definition instead.  Include a very simple example demonstrating the underlying idea.</a:t>
+            </a:r>
+          </a:p>
+          <a:p>
+            <a:pPr marL="0" indent="0">
+              <a:buNone/>
+            </a:pPr>
+            <a:endParaRPr lang="en-US" sz="700" dirty="0"/>
+          </a:p>
+          <a:p>
+            <a:pPr marL="0" indent="0">
+              <a:buNone/>
+            </a:pPr>
+            <a:r>
+              <a:rPr lang="en-US" sz="700" dirty="0"/>
+              <a:t>- During the course of 2., you'll run into moments where your explanation is vague or there is something you don't understand or can't relay using non-technical language.  Identify these moments here, using a list.</a:t>
+            </a:r>
+          </a:p>
+          <a:p>
+            <a:pPr marL="0" indent="0">
+              <a:buNone/>
+            </a:pPr>
+            <a:r>
+              <a:rPr lang="en-US" sz="700" dirty="0"/>
+              <a:t>Seek to solidify these concepts. Go back to your notes or ask in a live session or post to the discussion board or...</a:t>
+            </a:r>
+          </a:p>
+        </p:txBody>
+      </p:sp>
+      <p:sp>
+        <p:nvSpPr>
+          <p:cNvPr id="8" name="Google Shape;68;p13">
+            <a:extLst>
+              <a:ext uri="{FF2B5EF4-FFF2-40B4-BE49-F238E27FC236}">
+                <a16:creationId xmlns:a16="http://schemas.microsoft.com/office/drawing/2014/main" id="{99AB595A-4880-4D87-B723-93AF1FEFC0E6}"/>
+              </a:ext>
+            </a:extLst>
+          </p:cNvPr>
+          <p:cNvSpPr txBox="1">
+            <a:spLocks/>
+          </p:cNvSpPr>
+          <p:nvPr/>
+        </p:nvSpPr>
+        <p:spPr>
+          <a:xfrm>
+            <a:off x="3550810" y="2007751"/>
+            <a:ext cx="5146002" cy="2563800"/>
+          </a:xfrm>
+          <a:prstGeom prst="rect">
+            <a:avLst/>
+          </a:prstGeom>
+          <a:noFill/>
+          <a:ln>
+            <a:noFill/>
+          </a:ln>
+        </p:spPr>
+        <p:txBody>
+          <a:bodyPr spcFirstLastPara="1" wrap="square" lIns="91425" tIns="91425" rIns="91425" bIns="91425" anchor="t" anchorCtr="0">
+            <a:noAutofit/>
+          </a:bodyPr>
+          <a:lstStyle>
+            <a:defPPr marR="0" lvl="0" algn="l" rtl="0">
+              <a:lnSpc>
+                <a:spcPct val="100000"/>
+              </a:lnSpc>
+              <a:spcBef>
+                <a:spcPts val="0"/>
+              </a:spcBef>
+              <a:spcAft>
+                <a:spcPts val="0"/>
+              </a:spcAft>
+            </a:defPPr>
+            <a:lvl1pPr marL="457200" marR="0" lvl="0" indent="-342900" algn="l" rtl="0">
+              <a:lnSpc>
+                <a:spcPct val="115000"/>
+              </a:lnSpc>
+              <a:spcBef>
+                <a:spcPts val="0"/>
+              </a:spcBef>
+              <a:spcAft>
+                <a:spcPts val="0"/>
+              </a:spcAft>
+              <a:buClr>
+                <a:schemeClr val="dk1"/>
+              </a:buClr>
+              <a:buSzPts val="1800"/>
+              <a:buFont typeface="Open Sans"/>
+              <a:buChar char="●"/>
+              <a:defRPr sz="1800" b="0" i="0" u="none" strike="noStrike" cap="none">
+                <a:solidFill>
+                  <a:schemeClr val="dk1"/>
+                </a:solidFill>
+                <a:latin typeface="Open Sans"/>
+                <a:ea typeface="Open Sans"/>
+                <a:cs typeface="Open Sans"/>
+                <a:sym typeface="Open Sans"/>
+              </a:defRPr>
+            </a:lvl1pPr>
+            <a:lvl2pPr marL="914400" marR="0" lvl="1" indent="-317500" algn="l" rtl="0">
+              <a:lnSpc>
+                <a:spcPct val="115000"/>
+              </a:lnSpc>
+              <a:spcBef>
+                <a:spcPts val="1600"/>
+              </a:spcBef>
+              <a:spcAft>
+                <a:spcPts val="0"/>
+              </a:spcAft>
+              <a:buClr>
+                <a:schemeClr val="dk1"/>
+              </a:buClr>
+              <a:buSzPts val="1400"/>
+              <a:buFont typeface="Open Sans"/>
+              <a:buChar char="○"/>
+              <a:defRPr sz="1400" b="0" i="0" u="none" strike="noStrike" cap="none">
+                <a:solidFill>
+                  <a:schemeClr val="dk1"/>
+                </a:solidFill>
+                <a:latin typeface="Open Sans"/>
+                <a:ea typeface="Open Sans"/>
+                <a:cs typeface="Open Sans"/>
+                <a:sym typeface="Open Sans"/>
+              </a:defRPr>
+            </a:lvl2pPr>
+            <a:lvl3pPr marL="1371600" marR="0" lvl="2" indent="-317500" algn="l" rtl="0">
+              <a:lnSpc>
+                <a:spcPct val="115000"/>
+              </a:lnSpc>
+              <a:spcBef>
+                <a:spcPts val="1600"/>
+              </a:spcBef>
+              <a:spcAft>
+                <a:spcPts val="0"/>
+              </a:spcAft>
+              <a:buClr>
+                <a:schemeClr val="dk1"/>
+              </a:buClr>
+              <a:buSzPts val="1400"/>
+              <a:buFont typeface="Open Sans"/>
+              <a:buChar char="■"/>
+              <a:defRPr sz="1400" b="0" i="0" u="none" strike="noStrike" cap="none">
+                <a:solidFill>
+                  <a:schemeClr val="dk1"/>
+                </a:solidFill>
+                <a:latin typeface="Open Sans"/>
+                <a:ea typeface="Open Sans"/>
+                <a:cs typeface="Open Sans"/>
+                <a:sym typeface="Open Sans"/>
+              </a:defRPr>
+            </a:lvl3pPr>
+            <a:lvl4pPr marL="1828800" marR="0" lvl="3" indent="-317500" algn="l" rtl="0">
+              <a:lnSpc>
+                <a:spcPct val="115000"/>
+              </a:lnSpc>
+              <a:spcBef>
+                <a:spcPts val="1600"/>
+              </a:spcBef>
+              <a:spcAft>
+                <a:spcPts val="0"/>
+              </a:spcAft>
+              <a:buClr>
+                <a:schemeClr val="dk1"/>
+              </a:buClr>
+              <a:buSzPts val="1400"/>
+              <a:buFont typeface="Open Sans"/>
+              <a:buChar char="●"/>
+              <a:defRPr sz="1400" b="0" i="0" u="none" strike="noStrike" cap="none">
+                <a:solidFill>
+                  <a:schemeClr val="dk1"/>
+                </a:solidFill>
+                <a:latin typeface="Open Sans"/>
+                <a:ea typeface="Open Sans"/>
+                <a:cs typeface="Open Sans"/>
+                <a:sym typeface="Open Sans"/>
+              </a:defRPr>
+            </a:lvl4pPr>
+            <a:lvl5pPr marL="2286000" marR="0" lvl="4" indent="-317500" algn="l" rtl="0">
+              <a:lnSpc>
+                <a:spcPct val="115000"/>
+              </a:lnSpc>
+              <a:spcBef>
+                <a:spcPts val="1600"/>
+              </a:spcBef>
+              <a:spcAft>
+                <a:spcPts val="0"/>
+              </a:spcAft>
+              <a:buClr>
+                <a:schemeClr val="dk1"/>
+              </a:buClr>
+              <a:buSzPts val="1400"/>
+              <a:buFont typeface="Open Sans"/>
+              <a:buChar char="○"/>
+              <a:defRPr sz="1400" b="0" i="0" u="none" strike="noStrike" cap="none">
+                <a:solidFill>
+                  <a:schemeClr val="dk1"/>
+                </a:solidFill>
+                <a:latin typeface="Open Sans"/>
+                <a:ea typeface="Open Sans"/>
+                <a:cs typeface="Open Sans"/>
+                <a:sym typeface="Open Sans"/>
+              </a:defRPr>
+            </a:lvl5pPr>
+            <a:lvl6pPr marL="2743200" marR="0" lvl="5" indent="-317500" algn="l" rtl="0">
+              <a:lnSpc>
+                <a:spcPct val="115000"/>
+              </a:lnSpc>
+              <a:spcBef>
+                <a:spcPts val="1600"/>
+              </a:spcBef>
+              <a:spcAft>
+                <a:spcPts val="0"/>
+              </a:spcAft>
+              <a:buClr>
+                <a:schemeClr val="dk1"/>
+              </a:buClr>
+              <a:buSzPts val="1400"/>
+              <a:buFont typeface="Open Sans"/>
+              <a:buChar char="■"/>
+              <a:defRPr sz="1400" b="0" i="0" u="none" strike="noStrike" cap="none">
+                <a:solidFill>
+                  <a:schemeClr val="dk1"/>
+                </a:solidFill>
+                <a:latin typeface="Open Sans"/>
+                <a:ea typeface="Open Sans"/>
+                <a:cs typeface="Open Sans"/>
+                <a:sym typeface="Open Sans"/>
+              </a:defRPr>
+            </a:lvl6pPr>
+            <a:lvl7pPr marL="3200400" marR="0" lvl="6" indent="-317500" algn="l" rtl="0">
+              <a:lnSpc>
+                <a:spcPct val="115000"/>
+              </a:lnSpc>
+              <a:spcBef>
+                <a:spcPts val="1600"/>
+              </a:spcBef>
+              <a:spcAft>
+                <a:spcPts val="0"/>
+              </a:spcAft>
+              <a:buClr>
+                <a:schemeClr val="dk1"/>
+              </a:buClr>
+              <a:buSzPts val="1400"/>
+              <a:buFont typeface="Open Sans"/>
+              <a:buChar char="●"/>
+              <a:defRPr sz="1400" b="0" i="0" u="none" strike="noStrike" cap="none">
+                <a:solidFill>
+                  <a:schemeClr val="dk1"/>
+                </a:solidFill>
+                <a:latin typeface="Open Sans"/>
+                <a:ea typeface="Open Sans"/>
+                <a:cs typeface="Open Sans"/>
+                <a:sym typeface="Open Sans"/>
+              </a:defRPr>
+            </a:lvl7pPr>
+            <a:lvl8pPr marL="3657600" marR="0" lvl="7" indent="-317500" algn="l" rtl="0">
+              <a:lnSpc>
+                <a:spcPct val="115000"/>
+              </a:lnSpc>
+              <a:spcBef>
+                <a:spcPts val="1600"/>
+              </a:spcBef>
+              <a:spcAft>
+                <a:spcPts val="0"/>
+              </a:spcAft>
+              <a:buClr>
+                <a:schemeClr val="dk1"/>
+              </a:buClr>
+              <a:buSzPts val="1400"/>
+              <a:buFont typeface="Open Sans"/>
+              <a:buChar char="○"/>
+              <a:defRPr sz="1400" b="0" i="0" u="none" strike="noStrike" cap="none">
+                <a:solidFill>
+                  <a:schemeClr val="dk1"/>
+                </a:solidFill>
+                <a:latin typeface="Open Sans"/>
+                <a:ea typeface="Open Sans"/>
+                <a:cs typeface="Open Sans"/>
+                <a:sym typeface="Open Sans"/>
+              </a:defRPr>
+            </a:lvl8pPr>
+            <a:lvl9pPr marL="4114800" marR="0" lvl="8" indent="-317500" algn="l" rtl="0">
+              <a:lnSpc>
+                <a:spcPct val="115000"/>
+              </a:lnSpc>
+              <a:spcBef>
+                <a:spcPts val="1600"/>
+              </a:spcBef>
+              <a:spcAft>
+                <a:spcPts val="1600"/>
+              </a:spcAft>
+              <a:buClr>
+                <a:schemeClr val="dk1"/>
+              </a:buClr>
+              <a:buSzPts val="1400"/>
+              <a:buFont typeface="Open Sans"/>
+              <a:buChar char="■"/>
+              <a:defRPr sz="1400" b="0" i="0" u="none" strike="noStrike" cap="none">
+                <a:solidFill>
+                  <a:schemeClr val="dk1"/>
+                </a:solidFill>
+                <a:latin typeface="Open Sans"/>
+                <a:ea typeface="Open Sans"/>
+                <a:cs typeface="Open Sans"/>
+                <a:sym typeface="Open Sans"/>
+              </a:defRPr>
+            </a:lvl9pPr>
+          </a:lstStyle>
+          <a:p>
+            <a:pPr marL="0" indent="182880">
+              <a:lnSpc>
+                <a:spcPct val="100000"/>
+              </a:lnSpc>
+              <a:buFontTx/>
+              <a:buChar char="-"/>
+            </a:pPr>
+            <a:r>
+              <a:rPr lang="en-US" sz="1100" dirty="0"/>
+              <a:t>Each </a:t>
+            </a:r>
+            <a:r>
+              <a:rPr lang="en-US" sz="1100" b="1" dirty="0"/>
+              <a:t>group</a:t>
+            </a:r>
+            <a:r>
+              <a:rPr lang="en-US" sz="1100" dirty="0"/>
+              <a:t> must submit two videos:</a:t>
+            </a:r>
+          </a:p>
+          <a:p>
+            <a:pPr marL="0" indent="182880">
+              <a:lnSpc>
+                <a:spcPct val="100000"/>
+              </a:lnSpc>
+              <a:buFontTx/>
+              <a:buChar char="-"/>
+            </a:pPr>
+            <a:endParaRPr lang="en-US" sz="1100" dirty="0"/>
+          </a:p>
+          <a:p>
+            <a:pPr marL="457200" lvl="1" indent="182880">
+              <a:lnSpc>
+                <a:spcPct val="100000"/>
+              </a:lnSpc>
+              <a:spcBef>
+                <a:spcPts val="0"/>
+              </a:spcBef>
+              <a:buFontTx/>
+              <a:buChar char="-"/>
+            </a:pPr>
+            <a:r>
+              <a:rPr lang="en-US" sz="900" dirty="0"/>
+              <a:t>A 1 minute video with the same objective as Task . However, make a new video incorporating any relevant updates, such as new things you've learned in class or about the project (or even, that you've shifted your original project entirely).</a:t>
+            </a:r>
+          </a:p>
+          <a:p>
+            <a:pPr marL="457200" lvl="1" indent="182880">
+              <a:lnSpc>
+                <a:spcPct val="100000"/>
+              </a:lnSpc>
+              <a:spcBef>
+                <a:spcPts val="0"/>
+              </a:spcBef>
+              <a:buFontTx/>
+              <a:buChar char="-"/>
+            </a:pPr>
+            <a:endParaRPr lang="en-US" sz="900" dirty="0"/>
+          </a:p>
+          <a:p>
+            <a:pPr marL="457200" lvl="1" indent="182880">
+              <a:lnSpc>
+                <a:spcPct val="100000"/>
+              </a:lnSpc>
+              <a:spcBef>
+                <a:spcPts val="0"/>
+              </a:spcBef>
+              <a:buFontTx/>
+              <a:buChar char="-"/>
+            </a:pPr>
+            <a:r>
+              <a:rPr lang="en-US" sz="900" dirty="0"/>
+              <a:t>A 5 minute video recording going through the Feynman method for a topic relevant to your project.  This could be about the underlying science for the project, things related to coding, or a method you are planning on using. I want you to step through the 4 part Feynman method. For part 3., identify two concepts from part 2.  that need to be addressed. Perform step 4. on these concepts and include your discussion on your new understanding of these concepts.</a:t>
+            </a:r>
+          </a:p>
+        </p:txBody>
+      </p:sp>
+    </p:spTree>
+    <p:extLst>
+      <p:ext uri="{BB962C8B-B14F-4D97-AF65-F5344CB8AC3E}">
+        <p14:creationId xmlns:p14="http://schemas.microsoft.com/office/powerpoint/2010/main" val="2303034339"/>
+      </p:ext>
+    </p:extLst>
+  </p:cSld>
+  <p:clrMapOvr>
+    <a:masterClrMapping/>
+  </p:clrMapOvr>
+</p:sld>
+</file>
+
+<file path=ppt/slides/slide3.xml><?xml version="1.0" encoding="utf-8"?>
 <p:sld xmlns:a="http://schemas.openxmlformats.org/drawingml/2006/main" xmlns:r="http://schemas.openxmlformats.org/officeDocument/2006/relationships" xmlns:p="http://schemas.openxmlformats.org/presentationml/2006/main">
   <p:cSld>
     <p:spTree>
@@ -8597,7 +9332,7 @@
 </p:sld>
 </file>
 
-<file path=ppt/slides/slide3.xml><?xml version="1.0" encoding="utf-8"?>
+<file path=ppt/slides/slide4.xml><?xml version="1.0" encoding="utf-8"?>
 <p:sld xmlns:a="http://schemas.openxmlformats.org/drawingml/2006/main" xmlns:r="http://schemas.openxmlformats.org/officeDocument/2006/relationships" xmlns:p="http://schemas.openxmlformats.org/presentationml/2006/main">
   <p:cSld>
     <p:spTree>
@@ -8956,7 +9691,7 @@
 </p:sld>
 </file>
 
-<file path=ppt/slides/slide4.xml><?xml version="1.0" encoding="utf-8"?>
+<file path=ppt/slides/slide5.xml><?xml version="1.0" encoding="utf-8"?>
 <p:sld xmlns:a="http://schemas.openxmlformats.org/drawingml/2006/main" xmlns:r="http://schemas.openxmlformats.org/officeDocument/2006/relationships" xmlns:p="http://schemas.openxmlformats.org/presentationml/2006/main">
   <p:cSld>
     <p:spTree>
@@ -9149,7 +9884,7 @@
 </p:sld>
 </file>
 
-<file path=ppt/slides/slide5.xml><?xml version="1.0" encoding="utf-8"?>
+<file path=ppt/slides/slide6.xml><?xml version="1.0" encoding="utf-8"?>
 <p:sld xmlns:a="http://schemas.openxmlformats.org/drawingml/2006/main" xmlns:r="http://schemas.openxmlformats.org/officeDocument/2006/relationships" xmlns:p="http://schemas.openxmlformats.org/presentationml/2006/main">
   <p:cSld>
     <p:spTree>
@@ -10095,7 +10830,7 @@
 </p:sld>
 </file>
 
-<file path=ppt/slides/slide6.xml><?xml version="1.0" encoding="utf-8"?>
+<file path=ppt/slides/slide7.xml><?xml version="1.0" encoding="utf-8"?>
 <p:sld xmlns:a="http://schemas.openxmlformats.org/drawingml/2006/main" xmlns:r="http://schemas.openxmlformats.org/officeDocument/2006/relationships" xmlns:p="http://schemas.openxmlformats.org/presentationml/2006/main">
   <p:cSld>
     <p:spTree>
@@ -10536,7 +11271,7 @@
 </p:sld>
 </file>
 
-<file path=ppt/slides/slide7.xml><?xml version="1.0" encoding="utf-8"?>
+<file path=ppt/slides/slide8.xml><?xml version="1.0" encoding="utf-8"?>
 <p:sld xmlns:a="http://schemas.openxmlformats.org/drawingml/2006/main" xmlns:r="http://schemas.openxmlformats.org/officeDocument/2006/relationships" xmlns:p="http://schemas.openxmlformats.org/presentationml/2006/main">
   <p:cSld>
     <p:spTree>
@@ -10893,7 +11628,7 @@
 </p:sld>
 </file>
 
-<file path=ppt/slides/slide8.xml><?xml version="1.0" encoding="utf-8"?>
+<file path=ppt/slides/slide9.xml><?xml version="1.0" encoding="utf-8"?>
 <p:sld xmlns:a="http://schemas.openxmlformats.org/drawingml/2006/main" xmlns:r="http://schemas.openxmlformats.org/officeDocument/2006/relationships" xmlns:p="http://schemas.openxmlformats.org/presentationml/2006/main">
   <p:cSld>
     <p:spTree>
